--- a/演示ppt/SE2018春-G16-翻转PPT8.3.pptx
+++ b/演示ppt/SE2018春-G16-翻转PPT8.3.pptx
@@ -5,27 +5,27 @@
     <p:sldMasterId id="2147483648" r:id="rId1"/>
   </p:sldMasterIdLst>
   <p:notesMasterIdLst>
-    <p:notesMasterId r:id="rId21"/>
+    <p:notesMasterId r:id="rId20"/>
   </p:notesMasterIdLst>
   <p:sldIdLst>
-    <p:sldId id="257" r:id="rId3"/>
-    <p:sldId id="258" r:id="rId4"/>
-    <p:sldId id="297" r:id="rId5"/>
-    <p:sldId id="302" r:id="rId6"/>
-    <p:sldId id="271" r:id="rId7"/>
-    <p:sldId id="315" r:id="rId8"/>
-    <p:sldId id="301" r:id="rId9"/>
-    <p:sldId id="316" r:id="rId10"/>
-    <p:sldId id="317" r:id="rId11"/>
-    <p:sldId id="318" r:id="rId12"/>
-    <p:sldId id="319" r:id="rId13"/>
-    <p:sldId id="320" r:id="rId14"/>
-    <p:sldId id="307" r:id="rId15"/>
-    <p:sldId id="321" r:id="rId16"/>
-    <p:sldId id="314" r:id="rId17"/>
-    <p:sldId id="277" r:id="rId18"/>
-    <p:sldId id="328" r:id="rId19"/>
-    <p:sldId id="279" r:id="rId20"/>
+    <p:sldId id="257" r:id="rId2"/>
+    <p:sldId id="258" r:id="rId3"/>
+    <p:sldId id="297" r:id="rId4"/>
+    <p:sldId id="302" r:id="rId5"/>
+    <p:sldId id="271" r:id="rId6"/>
+    <p:sldId id="315" r:id="rId7"/>
+    <p:sldId id="301" r:id="rId8"/>
+    <p:sldId id="316" r:id="rId9"/>
+    <p:sldId id="317" r:id="rId10"/>
+    <p:sldId id="318" r:id="rId11"/>
+    <p:sldId id="319" r:id="rId12"/>
+    <p:sldId id="320" r:id="rId13"/>
+    <p:sldId id="307" r:id="rId14"/>
+    <p:sldId id="321" r:id="rId15"/>
+    <p:sldId id="314" r:id="rId16"/>
+    <p:sldId id="277" r:id="rId17"/>
+    <p:sldId id="328" r:id="rId18"/>
+    <p:sldId id="279" r:id="rId19"/>
   </p:sldIdLst>
   <p:sldSz cx="12192000" cy="6858000"/>
   <p:notesSz cx="6858000" cy="9144000"/>
@@ -124,6 +124,22 @@
       </a:defRPr>
     </a:lvl9pPr>
   </p:defaultTextStyle>
+  <p:extLst>
+    <p:ext uri="{EFAFB233-063F-42B5-8137-9DF3F51BA10A}">
+      <p15:sldGuideLst xmlns:p15="http://schemas.microsoft.com/office/powerpoint/2012/main">
+        <p15:guide id="1" orient="horz" pos="2136">
+          <p15:clr>
+            <a:srgbClr val="A4A3A4"/>
+          </p15:clr>
+        </p15:guide>
+        <p15:guide id="2" pos="3810">
+          <p15:clr>
+            <a:srgbClr val="A4A3A4"/>
+          </p15:clr>
+        </p15:guide>
+      </p15:sldGuideLst>
+    </p:ext>
+  </p:extLst>
 </p:presentation>
 </file>
 
@@ -209,6 +225,7 @@
           <a:p>
             <a:fld id="{CCC0BDC6-96A9-45B7-ADB8-15D4618BD705}" type="datetimeFigureOut">
               <a:rPr lang="zh-CN" altLang="en-US" smtClean="0"/>
+              <a:t>2018/6/14</a:t>
             </a:fld>
             <a:endParaRPr lang="zh-CN" altLang="en-US"/>
           </a:p>
@@ -272,42 +289,37 @@
           <a:p>
             <a:pPr lvl="0"/>
             <a:r>
-              <a:rPr lang="zh-CN" altLang="en-US" smtClean="0"/>
+              <a:rPr lang="zh-CN" altLang="en-US"/>
               <a:t>单击此处编辑母版文本样式</a:t>
             </a:r>
-            <a:endParaRPr lang="zh-CN" altLang="en-US" smtClean="0"/>
           </a:p>
           <a:p>
             <a:pPr lvl="1"/>
             <a:r>
-              <a:rPr lang="zh-CN" altLang="en-US" smtClean="0"/>
+              <a:rPr lang="zh-CN" altLang="en-US"/>
               <a:t>第二级</a:t>
             </a:r>
-            <a:endParaRPr lang="zh-CN" altLang="en-US" smtClean="0"/>
           </a:p>
           <a:p>
             <a:pPr lvl="2"/>
             <a:r>
-              <a:rPr lang="zh-CN" altLang="en-US" smtClean="0"/>
+              <a:rPr lang="zh-CN" altLang="en-US"/>
               <a:t>第三级</a:t>
             </a:r>
-            <a:endParaRPr lang="zh-CN" altLang="en-US" smtClean="0"/>
           </a:p>
           <a:p>
             <a:pPr lvl="3"/>
             <a:r>
-              <a:rPr lang="zh-CN" altLang="en-US" smtClean="0"/>
+              <a:rPr lang="zh-CN" altLang="en-US"/>
               <a:t>第四级</a:t>
             </a:r>
-            <a:endParaRPr lang="zh-CN" altLang="en-US" smtClean="0"/>
           </a:p>
           <a:p>
             <a:pPr lvl="4"/>
             <a:r>
-              <a:rPr lang="zh-CN" altLang="en-US" smtClean="0"/>
+              <a:rPr lang="zh-CN" altLang="en-US"/>
               <a:t>第五级</a:t>
             </a:r>
-            <a:endParaRPr lang="zh-CN" altLang="en-US"/>
           </a:p>
         </p:txBody>
       </p:sp>
@@ -371,6 +383,7 @@
           <a:p>
             <a:fld id="{96FEA506-4726-4922-97B4-8F6BC2803393}" type="slidenum">
               <a:rPr lang="zh-CN" altLang="en-US" smtClean="0"/>
+              <a:t>‹#›</a:t>
             </a:fld>
             <a:endParaRPr lang="zh-CN" altLang="en-US"/>
           </a:p>
@@ -516,10 +529,9 @@
           </a:lstStyle>
           <a:p>
             <a:r>
-              <a:rPr lang="zh-CN" altLang="en-US" smtClean="0"/>
+              <a:rPr lang="zh-CN" altLang="en-US"/>
               <a:t>单击此处编辑母版标题样式</a:t>
             </a:r>
-            <a:endParaRPr lang="zh-CN" altLang="en-US"/>
           </a:p>
         </p:txBody>
       </p:sp>
@@ -581,10 +593,9 @@
           </a:lstStyle>
           <a:p>
             <a:r>
-              <a:rPr lang="zh-CN" altLang="en-US" smtClean="0"/>
+              <a:rPr lang="zh-CN" altLang="en-US"/>
               <a:t>单击此处编辑母版副标题样式</a:t>
             </a:r>
-            <a:endParaRPr lang="zh-CN" altLang="en-US"/>
           </a:p>
         </p:txBody>
       </p:sp>
@@ -605,6 +616,7 @@
           <a:p>
             <a:fld id="{302E2DCE-F5FE-42E6-B7AD-2E701BC4A199}" type="datetimeFigureOut">
               <a:rPr lang="zh-CN" altLang="en-US" smtClean="0"/>
+              <a:t>2018/6/14</a:t>
             </a:fld>
             <a:endParaRPr lang="zh-CN" altLang="en-US"/>
           </a:p>
@@ -646,6 +658,7 @@
           <a:p>
             <a:fld id="{F2826852-6CDD-4311-9E3D-6AA5F27DBD25}" type="slidenum">
               <a:rPr lang="zh-CN" altLang="en-US" smtClean="0"/>
+              <a:t>‹#›</a:t>
             </a:fld>
             <a:endParaRPr lang="zh-CN" altLang="en-US"/>
           </a:p>
@@ -692,10 +705,9 @@
           <a:lstStyle/>
           <a:p>
             <a:r>
-              <a:rPr lang="zh-CN" altLang="en-US" smtClean="0"/>
+              <a:rPr lang="zh-CN" altLang="en-US"/>
               <a:t>单击此处编辑母版标题样式</a:t>
             </a:r>
-            <a:endParaRPr lang="zh-CN" altLang="en-US"/>
           </a:p>
         </p:txBody>
       </p:sp>
@@ -716,42 +728,37 @@
           <a:p>
             <a:pPr lvl="0"/>
             <a:r>
-              <a:rPr lang="zh-CN" altLang="en-US" smtClean="0"/>
+              <a:rPr lang="zh-CN" altLang="en-US"/>
               <a:t>单击此处编辑母版文本样式</a:t>
             </a:r>
-            <a:endParaRPr lang="zh-CN" altLang="en-US" smtClean="0"/>
           </a:p>
           <a:p>
             <a:pPr lvl="1"/>
             <a:r>
-              <a:rPr lang="zh-CN" altLang="en-US" smtClean="0"/>
+              <a:rPr lang="zh-CN" altLang="en-US"/>
               <a:t>第二级</a:t>
             </a:r>
-            <a:endParaRPr lang="zh-CN" altLang="en-US" smtClean="0"/>
           </a:p>
           <a:p>
             <a:pPr lvl="2"/>
             <a:r>
-              <a:rPr lang="zh-CN" altLang="en-US" smtClean="0"/>
+              <a:rPr lang="zh-CN" altLang="en-US"/>
               <a:t>第三级</a:t>
             </a:r>
-            <a:endParaRPr lang="zh-CN" altLang="en-US" smtClean="0"/>
           </a:p>
           <a:p>
             <a:pPr lvl="3"/>
             <a:r>
-              <a:rPr lang="zh-CN" altLang="en-US" smtClean="0"/>
+              <a:rPr lang="zh-CN" altLang="en-US"/>
               <a:t>第四级</a:t>
             </a:r>
-            <a:endParaRPr lang="zh-CN" altLang="en-US" smtClean="0"/>
           </a:p>
           <a:p>
             <a:pPr lvl="4"/>
             <a:r>
-              <a:rPr lang="zh-CN" altLang="en-US" smtClean="0"/>
+              <a:rPr lang="zh-CN" altLang="en-US"/>
               <a:t>第五级</a:t>
             </a:r>
-            <a:endParaRPr lang="zh-CN" altLang="en-US"/>
           </a:p>
         </p:txBody>
       </p:sp>
@@ -772,6 +779,7 @@
           <a:p>
             <a:fld id="{302E2DCE-F5FE-42E6-B7AD-2E701BC4A199}" type="datetimeFigureOut">
               <a:rPr lang="zh-CN" altLang="en-US" smtClean="0"/>
+              <a:t>2018/6/14</a:t>
             </a:fld>
             <a:endParaRPr lang="zh-CN" altLang="en-US"/>
           </a:p>
@@ -813,6 +821,7 @@
           <a:p>
             <a:fld id="{F2826852-6CDD-4311-9E3D-6AA5F27DBD25}" type="slidenum">
               <a:rPr lang="zh-CN" altLang="en-US" smtClean="0"/>
+              <a:t>‹#›</a:t>
             </a:fld>
             <a:endParaRPr lang="zh-CN" altLang="en-US"/>
           </a:p>
@@ -864,10 +873,9 @@
           <a:lstStyle/>
           <a:p>
             <a:r>
-              <a:rPr lang="zh-CN" altLang="en-US" smtClean="0"/>
+              <a:rPr lang="zh-CN" altLang="en-US"/>
               <a:t>单击此处编辑母版标题样式</a:t>
             </a:r>
-            <a:endParaRPr lang="zh-CN" altLang="en-US"/>
           </a:p>
         </p:txBody>
       </p:sp>
@@ -893,42 +901,37 @@
           <a:p>
             <a:pPr lvl="0"/>
             <a:r>
-              <a:rPr lang="zh-CN" altLang="en-US" smtClean="0"/>
+              <a:rPr lang="zh-CN" altLang="en-US"/>
               <a:t>单击此处编辑母版文本样式</a:t>
             </a:r>
-            <a:endParaRPr lang="zh-CN" altLang="en-US" smtClean="0"/>
           </a:p>
           <a:p>
             <a:pPr lvl="1"/>
             <a:r>
-              <a:rPr lang="zh-CN" altLang="en-US" smtClean="0"/>
+              <a:rPr lang="zh-CN" altLang="en-US"/>
               <a:t>第二级</a:t>
             </a:r>
-            <a:endParaRPr lang="zh-CN" altLang="en-US" smtClean="0"/>
           </a:p>
           <a:p>
             <a:pPr lvl="2"/>
             <a:r>
-              <a:rPr lang="zh-CN" altLang="en-US" smtClean="0"/>
+              <a:rPr lang="zh-CN" altLang="en-US"/>
               <a:t>第三级</a:t>
             </a:r>
-            <a:endParaRPr lang="zh-CN" altLang="en-US" smtClean="0"/>
           </a:p>
           <a:p>
             <a:pPr lvl="3"/>
             <a:r>
-              <a:rPr lang="zh-CN" altLang="en-US" smtClean="0"/>
+              <a:rPr lang="zh-CN" altLang="en-US"/>
               <a:t>第四级</a:t>
             </a:r>
-            <a:endParaRPr lang="zh-CN" altLang="en-US" smtClean="0"/>
           </a:p>
           <a:p>
             <a:pPr lvl="4"/>
             <a:r>
-              <a:rPr lang="zh-CN" altLang="en-US" smtClean="0"/>
+              <a:rPr lang="zh-CN" altLang="en-US"/>
               <a:t>第五级</a:t>
             </a:r>
-            <a:endParaRPr lang="zh-CN" altLang="en-US"/>
           </a:p>
         </p:txBody>
       </p:sp>
@@ -949,6 +952,7 @@
           <a:p>
             <a:fld id="{302E2DCE-F5FE-42E6-B7AD-2E701BC4A199}" type="datetimeFigureOut">
               <a:rPr lang="zh-CN" altLang="en-US" smtClean="0"/>
+              <a:t>2018/6/14</a:t>
             </a:fld>
             <a:endParaRPr lang="zh-CN" altLang="en-US"/>
           </a:p>
@@ -990,6 +994,7 @@
           <a:p>
             <a:fld id="{F2826852-6CDD-4311-9E3D-6AA5F27DBD25}" type="slidenum">
               <a:rPr lang="zh-CN" altLang="en-US" smtClean="0"/>
+              <a:t>‹#›</a:t>
             </a:fld>
             <a:endParaRPr lang="zh-CN" altLang="en-US"/>
           </a:p>
@@ -1036,10 +1041,9 @@
           <a:lstStyle/>
           <a:p>
             <a:r>
-              <a:rPr lang="zh-CN" altLang="en-US" smtClean="0"/>
+              <a:rPr lang="zh-CN" altLang="en-US"/>
               <a:t>单击此处编辑母版标题样式</a:t>
             </a:r>
-            <a:endParaRPr lang="zh-CN" altLang="en-US"/>
           </a:p>
         </p:txBody>
       </p:sp>
@@ -1060,42 +1064,37 @@
           <a:p>
             <a:pPr lvl="0"/>
             <a:r>
-              <a:rPr lang="zh-CN" altLang="en-US" smtClean="0"/>
+              <a:rPr lang="zh-CN" altLang="en-US"/>
               <a:t>单击此处编辑母版文本样式</a:t>
             </a:r>
-            <a:endParaRPr lang="zh-CN" altLang="en-US" smtClean="0"/>
           </a:p>
           <a:p>
             <a:pPr lvl="1"/>
             <a:r>
-              <a:rPr lang="zh-CN" altLang="en-US" smtClean="0"/>
+              <a:rPr lang="zh-CN" altLang="en-US"/>
               <a:t>第二级</a:t>
             </a:r>
-            <a:endParaRPr lang="zh-CN" altLang="en-US" smtClean="0"/>
           </a:p>
           <a:p>
             <a:pPr lvl="2"/>
             <a:r>
-              <a:rPr lang="zh-CN" altLang="en-US" smtClean="0"/>
+              <a:rPr lang="zh-CN" altLang="en-US"/>
               <a:t>第三级</a:t>
             </a:r>
-            <a:endParaRPr lang="zh-CN" altLang="en-US" smtClean="0"/>
           </a:p>
           <a:p>
             <a:pPr lvl="3"/>
             <a:r>
-              <a:rPr lang="zh-CN" altLang="en-US" smtClean="0"/>
+              <a:rPr lang="zh-CN" altLang="en-US"/>
               <a:t>第四级</a:t>
             </a:r>
-            <a:endParaRPr lang="zh-CN" altLang="en-US" smtClean="0"/>
           </a:p>
           <a:p>
             <a:pPr lvl="4"/>
             <a:r>
-              <a:rPr lang="zh-CN" altLang="en-US" smtClean="0"/>
+              <a:rPr lang="zh-CN" altLang="en-US"/>
               <a:t>第五级</a:t>
             </a:r>
-            <a:endParaRPr lang="zh-CN" altLang="en-US"/>
           </a:p>
         </p:txBody>
       </p:sp>
@@ -1116,6 +1115,7 @@
           <a:p>
             <a:fld id="{302E2DCE-F5FE-42E6-B7AD-2E701BC4A199}" type="datetimeFigureOut">
               <a:rPr lang="zh-CN" altLang="en-US" smtClean="0"/>
+              <a:t>2018/6/14</a:t>
             </a:fld>
             <a:endParaRPr lang="zh-CN" altLang="en-US"/>
           </a:p>
@@ -1157,6 +1157,7 @@
           <a:p>
             <a:fld id="{F2826852-6CDD-4311-9E3D-6AA5F27DBD25}" type="slidenum">
               <a:rPr lang="zh-CN" altLang="en-US" smtClean="0"/>
+              <a:t>‹#›</a:t>
             </a:fld>
             <a:endParaRPr lang="zh-CN" altLang="en-US"/>
           </a:p>
@@ -1212,10 +1213,9 @@
           </a:lstStyle>
           <a:p>
             <a:r>
-              <a:rPr lang="zh-CN" altLang="en-US" smtClean="0"/>
+              <a:rPr lang="zh-CN" altLang="en-US"/>
               <a:t>单击此处编辑母版标题样式</a:t>
             </a:r>
-            <a:endParaRPr lang="zh-CN" altLang="en-US"/>
           </a:p>
         </p:txBody>
       </p:sp>
@@ -1332,10 +1332,9 @@
           <a:p>
             <a:pPr lvl="0"/>
             <a:r>
-              <a:rPr lang="zh-CN" altLang="en-US" smtClean="0"/>
+              <a:rPr lang="zh-CN" altLang="en-US"/>
               <a:t>单击此处编辑母版文本样式</a:t>
             </a:r>
-            <a:endParaRPr lang="zh-CN" altLang="en-US" smtClean="0"/>
           </a:p>
         </p:txBody>
       </p:sp>
@@ -1356,6 +1355,7 @@
           <a:p>
             <a:fld id="{302E2DCE-F5FE-42E6-B7AD-2E701BC4A199}" type="datetimeFigureOut">
               <a:rPr lang="zh-CN" altLang="en-US" smtClean="0"/>
+              <a:t>2018/6/14</a:t>
             </a:fld>
             <a:endParaRPr lang="zh-CN" altLang="en-US"/>
           </a:p>
@@ -1397,6 +1397,7 @@
           <a:p>
             <a:fld id="{F2826852-6CDD-4311-9E3D-6AA5F27DBD25}" type="slidenum">
               <a:rPr lang="zh-CN" altLang="en-US" smtClean="0"/>
+              <a:t>‹#›</a:t>
             </a:fld>
             <a:endParaRPr lang="zh-CN" altLang="en-US"/>
           </a:p>
@@ -1443,10 +1444,9 @@
           <a:lstStyle/>
           <a:p>
             <a:r>
-              <a:rPr lang="zh-CN" altLang="en-US" smtClean="0"/>
+              <a:rPr lang="zh-CN" altLang="en-US"/>
               <a:t>单击此处编辑母版标题样式</a:t>
             </a:r>
-            <a:endParaRPr lang="zh-CN" altLang="en-US"/>
           </a:p>
         </p:txBody>
       </p:sp>
@@ -1472,42 +1472,37 @@
           <a:p>
             <a:pPr lvl="0"/>
             <a:r>
-              <a:rPr lang="zh-CN" altLang="en-US" smtClean="0"/>
+              <a:rPr lang="zh-CN" altLang="en-US"/>
               <a:t>单击此处编辑母版文本样式</a:t>
             </a:r>
-            <a:endParaRPr lang="zh-CN" altLang="en-US" smtClean="0"/>
           </a:p>
           <a:p>
             <a:pPr lvl="1"/>
             <a:r>
-              <a:rPr lang="zh-CN" altLang="en-US" smtClean="0"/>
+              <a:rPr lang="zh-CN" altLang="en-US"/>
               <a:t>第二级</a:t>
             </a:r>
-            <a:endParaRPr lang="zh-CN" altLang="en-US" smtClean="0"/>
           </a:p>
           <a:p>
             <a:pPr lvl="2"/>
             <a:r>
-              <a:rPr lang="zh-CN" altLang="en-US" smtClean="0"/>
+              <a:rPr lang="zh-CN" altLang="en-US"/>
               <a:t>第三级</a:t>
             </a:r>
-            <a:endParaRPr lang="zh-CN" altLang="en-US" smtClean="0"/>
           </a:p>
           <a:p>
             <a:pPr lvl="3"/>
             <a:r>
-              <a:rPr lang="zh-CN" altLang="en-US" smtClean="0"/>
+              <a:rPr lang="zh-CN" altLang="en-US"/>
               <a:t>第四级</a:t>
             </a:r>
-            <a:endParaRPr lang="zh-CN" altLang="en-US" smtClean="0"/>
           </a:p>
           <a:p>
             <a:pPr lvl="4"/>
             <a:r>
-              <a:rPr lang="zh-CN" altLang="en-US" smtClean="0"/>
+              <a:rPr lang="zh-CN" altLang="en-US"/>
               <a:t>第五级</a:t>
             </a:r>
-            <a:endParaRPr lang="zh-CN" altLang="en-US"/>
           </a:p>
         </p:txBody>
       </p:sp>
@@ -1533,42 +1528,37 @@
           <a:p>
             <a:pPr lvl="0"/>
             <a:r>
-              <a:rPr lang="zh-CN" altLang="en-US" smtClean="0"/>
+              <a:rPr lang="zh-CN" altLang="en-US"/>
               <a:t>单击此处编辑母版文本样式</a:t>
             </a:r>
-            <a:endParaRPr lang="zh-CN" altLang="en-US" smtClean="0"/>
           </a:p>
           <a:p>
             <a:pPr lvl="1"/>
             <a:r>
-              <a:rPr lang="zh-CN" altLang="en-US" smtClean="0"/>
+              <a:rPr lang="zh-CN" altLang="en-US"/>
               <a:t>第二级</a:t>
             </a:r>
-            <a:endParaRPr lang="zh-CN" altLang="en-US" smtClean="0"/>
           </a:p>
           <a:p>
             <a:pPr lvl="2"/>
             <a:r>
-              <a:rPr lang="zh-CN" altLang="en-US" smtClean="0"/>
+              <a:rPr lang="zh-CN" altLang="en-US"/>
               <a:t>第三级</a:t>
             </a:r>
-            <a:endParaRPr lang="zh-CN" altLang="en-US" smtClean="0"/>
           </a:p>
           <a:p>
             <a:pPr lvl="3"/>
             <a:r>
-              <a:rPr lang="zh-CN" altLang="en-US" smtClean="0"/>
+              <a:rPr lang="zh-CN" altLang="en-US"/>
               <a:t>第四级</a:t>
             </a:r>
-            <a:endParaRPr lang="zh-CN" altLang="en-US" smtClean="0"/>
           </a:p>
           <a:p>
             <a:pPr lvl="4"/>
             <a:r>
-              <a:rPr lang="zh-CN" altLang="en-US" smtClean="0"/>
+              <a:rPr lang="zh-CN" altLang="en-US"/>
               <a:t>第五级</a:t>
             </a:r>
-            <a:endParaRPr lang="zh-CN" altLang="en-US"/>
           </a:p>
         </p:txBody>
       </p:sp>
@@ -1589,6 +1579,7 @@
           <a:p>
             <a:fld id="{302E2DCE-F5FE-42E6-B7AD-2E701BC4A199}" type="datetimeFigureOut">
               <a:rPr lang="zh-CN" altLang="en-US" smtClean="0"/>
+              <a:t>2018/6/14</a:t>
             </a:fld>
             <a:endParaRPr lang="zh-CN" altLang="en-US"/>
           </a:p>
@@ -1630,6 +1621,7 @@
           <a:p>
             <a:fld id="{F2826852-6CDD-4311-9E3D-6AA5F27DBD25}" type="slidenum">
               <a:rPr lang="zh-CN" altLang="en-US" smtClean="0"/>
+              <a:t>‹#›</a:t>
             </a:fld>
             <a:endParaRPr lang="zh-CN" altLang="en-US"/>
           </a:p>
@@ -1681,10 +1673,9 @@
           <a:lstStyle/>
           <a:p>
             <a:r>
-              <a:rPr lang="zh-CN" altLang="en-US" smtClean="0"/>
+              <a:rPr lang="zh-CN" altLang="en-US"/>
               <a:t>单击此处编辑母版标题样式</a:t>
             </a:r>
-            <a:endParaRPr lang="zh-CN" altLang="en-US"/>
           </a:p>
         </p:txBody>
       </p:sp>
@@ -1747,10 +1738,9 @@
           <a:p>
             <a:pPr lvl="0"/>
             <a:r>
-              <a:rPr lang="zh-CN" altLang="en-US" smtClean="0"/>
+              <a:rPr lang="zh-CN" altLang="en-US"/>
               <a:t>单击此处编辑母版文本样式</a:t>
             </a:r>
-            <a:endParaRPr lang="zh-CN" altLang="en-US" smtClean="0"/>
           </a:p>
         </p:txBody>
       </p:sp>
@@ -1776,42 +1766,37 @@
           <a:p>
             <a:pPr lvl="0"/>
             <a:r>
-              <a:rPr lang="zh-CN" altLang="en-US" smtClean="0"/>
+              <a:rPr lang="zh-CN" altLang="en-US"/>
               <a:t>单击此处编辑母版文本样式</a:t>
             </a:r>
-            <a:endParaRPr lang="zh-CN" altLang="en-US" smtClean="0"/>
           </a:p>
           <a:p>
             <a:pPr lvl="1"/>
             <a:r>
-              <a:rPr lang="zh-CN" altLang="en-US" smtClean="0"/>
+              <a:rPr lang="zh-CN" altLang="en-US"/>
               <a:t>第二级</a:t>
             </a:r>
-            <a:endParaRPr lang="zh-CN" altLang="en-US" smtClean="0"/>
           </a:p>
           <a:p>
             <a:pPr lvl="2"/>
             <a:r>
-              <a:rPr lang="zh-CN" altLang="en-US" smtClean="0"/>
+              <a:rPr lang="zh-CN" altLang="en-US"/>
               <a:t>第三级</a:t>
             </a:r>
-            <a:endParaRPr lang="zh-CN" altLang="en-US" smtClean="0"/>
           </a:p>
           <a:p>
             <a:pPr lvl="3"/>
             <a:r>
-              <a:rPr lang="zh-CN" altLang="en-US" smtClean="0"/>
+              <a:rPr lang="zh-CN" altLang="en-US"/>
               <a:t>第四级</a:t>
             </a:r>
-            <a:endParaRPr lang="zh-CN" altLang="en-US" smtClean="0"/>
           </a:p>
           <a:p>
             <a:pPr lvl="4"/>
             <a:r>
-              <a:rPr lang="zh-CN" altLang="en-US" smtClean="0"/>
+              <a:rPr lang="zh-CN" altLang="en-US"/>
               <a:t>第五级</a:t>
             </a:r>
-            <a:endParaRPr lang="zh-CN" altLang="en-US"/>
           </a:p>
         </p:txBody>
       </p:sp>
@@ -1874,10 +1859,9 @@
           <a:p>
             <a:pPr lvl="0"/>
             <a:r>
-              <a:rPr lang="zh-CN" altLang="en-US" smtClean="0"/>
+              <a:rPr lang="zh-CN" altLang="en-US"/>
               <a:t>单击此处编辑母版文本样式</a:t>
             </a:r>
-            <a:endParaRPr lang="zh-CN" altLang="en-US" smtClean="0"/>
           </a:p>
         </p:txBody>
       </p:sp>
@@ -1903,42 +1887,37 @@
           <a:p>
             <a:pPr lvl="0"/>
             <a:r>
-              <a:rPr lang="zh-CN" altLang="en-US" smtClean="0"/>
+              <a:rPr lang="zh-CN" altLang="en-US"/>
               <a:t>单击此处编辑母版文本样式</a:t>
             </a:r>
-            <a:endParaRPr lang="zh-CN" altLang="en-US" smtClean="0"/>
           </a:p>
           <a:p>
             <a:pPr lvl="1"/>
             <a:r>
-              <a:rPr lang="zh-CN" altLang="en-US" smtClean="0"/>
+              <a:rPr lang="zh-CN" altLang="en-US"/>
               <a:t>第二级</a:t>
             </a:r>
-            <a:endParaRPr lang="zh-CN" altLang="en-US" smtClean="0"/>
           </a:p>
           <a:p>
             <a:pPr lvl="2"/>
             <a:r>
-              <a:rPr lang="zh-CN" altLang="en-US" smtClean="0"/>
+              <a:rPr lang="zh-CN" altLang="en-US"/>
               <a:t>第三级</a:t>
             </a:r>
-            <a:endParaRPr lang="zh-CN" altLang="en-US" smtClean="0"/>
           </a:p>
           <a:p>
             <a:pPr lvl="3"/>
             <a:r>
-              <a:rPr lang="zh-CN" altLang="en-US" smtClean="0"/>
+              <a:rPr lang="zh-CN" altLang="en-US"/>
               <a:t>第四级</a:t>
             </a:r>
-            <a:endParaRPr lang="zh-CN" altLang="en-US" smtClean="0"/>
           </a:p>
           <a:p>
             <a:pPr lvl="4"/>
             <a:r>
-              <a:rPr lang="zh-CN" altLang="en-US" smtClean="0"/>
+              <a:rPr lang="zh-CN" altLang="en-US"/>
               <a:t>第五级</a:t>
             </a:r>
-            <a:endParaRPr lang="zh-CN" altLang="en-US"/>
           </a:p>
         </p:txBody>
       </p:sp>
@@ -1959,6 +1938,7 @@
           <a:p>
             <a:fld id="{302E2DCE-F5FE-42E6-B7AD-2E701BC4A199}" type="datetimeFigureOut">
               <a:rPr lang="zh-CN" altLang="en-US" smtClean="0"/>
+              <a:t>2018/6/14</a:t>
             </a:fld>
             <a:endParaRPr lang="zh-CN" altLang="en-US"/>
           </a:p>
@@ -2000,6 +1980,7 @@
           <a:p>
             <a:fld id="{F2826852-6CDD-4311-9E3D-6AA5F27DBD25}" type="slidenum">
               <a:rPr lang="zh-CN" altLang="en-US" smtClean="0"/>
+              <a:t>‹#›</a:t>
             </a:fld>
             <a:endParaRPr lang="zh-CN" altLang="en-US"/>
           </a:p>
@@ -2046,10 +2027,9 @@
           <a:lstStyle/>
           <a:p>
             <a:r>
-              <a:rPr lang="zh-CN" altLang="en-US" smtClean="0"/>
+              <a:rPr lang="zh-CN" altLang="en-US"/>
               <a:t>单击此处编辑母版标题样式</a:t>
             </a:r>
-            <a:endParaRPr lang="zh-CN" altLang="en-US"/>
           </a:p>
         </p:txBody>
       </p:sp>
@@ -2070,6 +2050,7 @@
           <a:p>
             <a:fld id="{302E2DCE-F5FE-42E6-B7AD-2E701BC4A199}" type="datetimeFigureOut">
               <a:rPr lang="zh-CN" altLang="en-US" smtClean="0"/>
+              <a:t>2018/6/14</a:t>
             </a:fld>
             <a:endParaRPr lang="zh-CN" altLang="en-US"/>
           </a:p>
@@ -2111,6 +2092,7 @@
           <a:p>
             <a:fld id="{F2826852-6CDD-4311-9E3D-6AA5F27DBD25}" type="slidenum">
               <a:rPr lang="zh-CN" altLang="en-US" smtClean="0"/>
+              <a:t>‹#›</a:t>
             </a:fld>
             <a:endParaRPr lang="zh-CN" altLang="en-US"/>
           </a:p>
@@ -2158,6 +2140,7 @@
           <a:p>
             <a:fld id="{302E2DCE-F5FE-42E6-B7AD-2E701BC4A199}" type="datetimeFigureOut">
               <a:rPr lang="zh-CN" altLang="en-US" smtClean="0"/>
+              <a:t>2018/6/14</a:t>
             </a:fld>
             <a:endParaRPr lang="zh-CN" altLang="en-US"/>
           </a:p>
@@ -2199,6 +2182,7 @@
           <a:p>
             <a:fld id="{F2826852-6CDD-4311-9E3D-6AA5F27DBD25}" type="slidenum">
               <a:rPr lang="zh-CN" altLang="en-US" smtClean="0"/>
+              <a:t>‹#›</a:t>
             </a:fld>
             <a:endParaRPr lang="zh-CN" altLang="en-US"/>
           </a:p>
@@ -2254,10 +2238,9 @@
           </a:lstStyle>
           <a:p>
             <a:r>
-              <a:rPr lang="zh-CN" altLang="en-US" smtClean="0"/>
+              <a:rPr lang="zh-CN" altLang="en-US"/>
               <a:t>单击此处编辑母版标题样式</a:t>
             </a:r>
-            <a:endParaRPr lang="zh-CN" altLang="en-US"/>
           </a:p>
         </p:txBody>
       </p:sp>
@@ -2311,42 +2294,37 @@
           <a:p>
             <a:pPr lvl="0"/>
             <a:r>
-              <a:rPr lang="zh-CN" altLang="en-US" smtClean="0"/>
+              <a:rPr lang="zh-CN" altLang="en-US"/>
               <a:t>单击此处编辑母版文本样式</a:t>
             </a:r>
-            <a:endParaRPr lang="zh-CN" altLang="en-US" smtClean="0"/>
           </a:p>
           <a:p>
             <a:pPr lvl="1"/>
             <a:r>
-              <a:rPr lang="zh-CN" altLang="en-US" smtClean="0"/>
+              <a:rPr lang="zh-CN" altLang="en-US"/>
               <a:t>第二级</a:t>
             </a:r>
-            <a:endParaRPr lang="zh-CN" altLang="en-US" smtClean="0"/>
           </a:p>
           <a:p>
             <a:pPr lvl="2"/>
             <a:r>
-              <a:rPr lang="zh-CN" altLang="en-US" smtClean="0"/>
+              <a:rPr lang="zh-CN" altLang="en-US"/>
               <a:t>第三级</a:t>
             </a:r>
-            <a:endParaRPr lang="zh-CN" altLang="en-US" smtClean="0"/>
           </a:p>
           <a:p>
             <a:pPr lvl="3"/>
             <a:r>
-              <a:rPr lang="zh-CN" altLang="en-US" smtClean="0"/>
+              <a:rPr lang="zh-CN" altLang="en-US"/>
               <a:t>第四级</a:t>
             </a:r>
-            <a:endParaRPr lang="zh-CN" altLang="en-US" smtClean="0"/>
           </a:p>
           <a:p>
             <a:pPr lvl="4"/>
             <a:r>
-              <a:rPr lang="zh-CN" altLang="en-US" smtClean="0"/>
+              <a:rPr lang="zh-CN" altLang="en-US"/>
               <a:t>第五级</a:t>
             </a:r>
-            <a:endParaRPr lang="zh-CN" altLang="en-US"/>
           </a:p>
         </p:txBody>
       </p:sp>
@@ -2409,10 +2387,9 @@
           <a:p>
             <a:pPr lvl="0"/>
             <a:r>
-              <a:rPr lang="zh-CN" altLang="en-US" smtClean="0"/>
+              <a:rPr lang="zh-CN" altLang="en-US"/>
               <a:t>单击此处编辑母版文本样式</a:t>
             </a:r>
-            <a:endParaRPr lang="zh-CN" altLang="en-US" smtClean="0"/>
           </a:p>
         </p:txBody>
       </p:sp>
@@ -2433,6 +2410,7 @@
           <a:p>
             <a:fld id="{302E2DCE-F5FE-42E6-B7AD-2E701BC4A199}" type="datetimeFigureOut">
               <a:rPr lang="zh-CN" altLang="en-US" smtClean="0"/>
+              <a:t>2018/6/14</a:t>
             </a:fld>
             <a:endParaRPr lang="zh-CN" altLang="en-US"/>
           </a:p>
@@ -2474,6 +2452,7 @@
           <a:p>
             <a:fld id="{F2826852-6CDD-4311-9E3D-6AA5F27DBD25}" type="slidenum">
               <a:rPr lang="zh-CN" altLang="en-US" smtClean="0"/>
+              <a:t>‹#›</a:t>
             </a:fld>
             <a:endParaRPr lang="zh-CN" altLang="en-US"/>
           </a:p>
@@ -2529,10 +2508,9 @@
           </a:lstStyle>
           <a:p>
             <a:r>
-              <a:rPr lang="zh-CN" altLang="en-US" smtClean="0"/>
+              <a:rPr lang="zh-CN" altLang="en-US"/>
               <a:t>单击此处编辑母版标题样式</a:t>
             </a:r>
-            <a:endParaRPr lang="zh-CN" altLang="en-US"/>
           </a:p>
         </p:txBody>
       </p:sp>
@@ -2656,10 +2634,9 @@
           <a:p>
             <a:pPr lvl="0"/>
             <a:r>
-              <a:rPr lang="zh-CN" altLang="en-US" smtClean="0"/>
+              <a:rPr lang="zh-CN" altLang="en-US"/>
               <a:t>单击此处编辑母版文本样式</a:t>
             </a:r>
-            <a:endParaRPr lang="zh-CN" altLang="en-US" smtClean="0"/>
           </a:p>
         </p:txBody>
       </p:sp>
@@ -2680,6 +2657,7 @@
           <a:p>
             <a:fld id="{302E2DCE-F5FE-42E6-B7AD-2E701BC4A199}" type="datetimeFigureOut">
               <a:rPr lang="zh-CN" altLang="en-US" smtClean="0"/>
+              <a:t>2018/6/14</a:t>
             </a:fld>
             <a:endParaRPr lang="zh-CN" altLang="en-US"/>
           </a:p>
@@ -2721,6 +2699,7 @@
           <a:p>
             <a:fld id="{F2826852-6CDD-4311-9E3D-6AA5F27DBD25}" type="slidenum">
               <a:rPr lang="zh-CN" altLang="en-US" smtClean="0"/>
+              <a:t>‹#›</a:t>
             </a:fld>
             <a:endParaRPr lang="zh-CN" altLang="en-US"/>
           </a:p>
@@ -2782,10 +2761,9 @@
           <a:lstStyle/>
           <a:p>
             <a:r>
-              <a:rPr lang="zh-CN" altLang="en-US" smtClean="0"/>
+              <a:rPr lang="zh-CN" altLang="en-US"/>
               <a:t>单击此处编辑母版标题样式</a:t>
             </a:r>
-            <a:endParaRPr lang="zh-CN" altLang="en-US"/>
           </a:p>
         </p:txBody>
       </p:sp>
@@ -2816,42 +2794,37 @@
           <a:p>
             <a:pPr lvl="0"/>
             <a:r>
-              <a:rPr lang="zh-CN" altLang="en-US" smtClean="0"/>
+              <a:rPr lang="zh-CN" altLang="en-US"/>
               <a:t>单击此处编辑母版文本样式</a:t>
             </a:r>
-            <a:endParaRPr lang="zh-CN" altLang="en-US" smtClean="0"/>
           </a:p>
           <a:p>
             <a:pPr lvl="1"/>
             <a:r>
-              <a:rPr lang="zh-CN" altLang="en-US" smtClean="0"/>
+              <a:rPr lang="zh-CN" altLang="en-US"/>
               <a:t>第二级</a:t>
             </a:r>
-            <a:endParaRPr lang="zh-CN" altLang="en-US" smtClean="0"/>
           </a:p>
           <a:p>
             <a:pPr lvl="2"/>
             <a:r>
-              <a:rPr lang="zh-CN" altLang="en-US" smtClean="0"/>
+              <a:rPr lang="zh-CN" altLang="en-US"/>
               <a:t>第三级</a:t>
             </a:r>
-            <a:endParaRPr lang="zh-CN" altLang="en-US" smtClean="0"/>
           </a:p>
           <a:p>
             <a:pPr lvl="3"/>
             <a:r>
-              <a:rPr lang="zh-CN" altLang="en-US" smtClean="0"/>
+              <a:rPr lang="zh-CN" altLang="en-US"/>
               <a:t>第四级</a:t>
             </a:r>
-            <a:endParaRPr lang="zh-CN" altLang="en-US" smtClean="0"/>
           </a:p>
           <a:p>
             <a:pPr lvl="4"/>
             <a:r>
-              <a:rPr lang="zh-CN" altLang="en-US" smtClean="0"/>
+              <a:rPr lang="zh-CN" altLang="en-US"/>
               <a:t>第五级</a:t>
             </a:r>
-            <a:endParaRPr lang="zh-CN" altLang="en-US"/>
           </a:p>
         </p:txBody>
       </p:sp>
@@ -2890,6 +2863,7 @@
           <a:p>
             <a:fld id="{302E2DCE-F5FE-42E6-B7AD-2E701BC4A199}" type="datetimeFigureOut">
               <a:rPr lang="zh-CN" altLang="en-US" smtClean="0"/>
+              <a:t>2018/6/14</a:t>
             </a:fld>
             <a:endParaRPr lang="zh-CN" altLang="en-US"/>
           </a:p>
@@ -2967,6 +2941,7 @@
           <a:p>
             <a:fld id="{F2826852-6CDD-4311-9E3D-6AA5F27DBD25}" type="slidenum">
               <a:rPr lang="zh-CN" altLang="en-US" smtClean="0"/>
+              <a:t>‹#›</a:t>
             </a:fld>
             <a:endParaRPr lang="zh-CN" altLang="en-US"/>
           </a:p>
@@ -3305,7 +3280,7 @@
           <p:nvPr/>
         </p:nvPicPr>
         <p:blipFill>
-          <a:blip r:embed="rId1">
+          <a:blip r:embed="rId2">
             <a:extLst>
               <a:ext uri="{28A0092B-C50C-407E-A947-70E740481C1C}">
                 <a14:useLocalDpi xmlns:a14="http://schemas.microsoft.com/office/drawing/2010/main" val="0"/>
@@ -3691,7 +3666,7 @@
           <a:p>
             <a:pPr algn="ctr"/>
             <a:r>
-              <a:rPr kumimoji="1" lang="en-US" altLang="zh-CN" sz="5400" b="1" noProof="0" dirty="0" smtClean="0">
+              <a:rPr kumimoji="1" lang="en-US" altLang="zh-CN" sz="5400" b="1" noProof="0" dirty="0">
                 <a:ln>
                   <a:noFill/>
                 </a:ln>
@@ -3708,15 +3683,32 @@
               <a:t>8.3</a:t>
             </a:r>
             <a:r>
-              <a:rPr kumimoji="1" lang="zh-CN" altLang="en-US" sz="5400" b="1" dirty="0">
+              <a:rPr kumimoji="1" lang="zh-CN" altLang="en-US" sz="5400" b="1" noProof="0" dirty="0">
+                <a:ln>
+                  <a:noFill/>
+                </a:ln>
                 <a:solidFill>
                   <a:schemeClr val="accent5">
                     <a:lumMod val="75000"/>
                   </a:schemeClr>
                 </a:solidFill>
+                <a:effectLst/>
+                <a:uLnTx/>
+                <a:uFillTx/>
                 <a:sym typeface="+mn-ea"/>
               </a:rPr>
-              <a:t>维护</a:t>
+              <a:t>软件</a:t>
+            </a:r>
+            <a:r>
+              <a:rPr kumimoji="1" lang="zh-CN" altLang="en-US" sz="5400" b="1" dirty="0">
+                <a:solidFill>
+                  <a:schemeClr val="accent5">
+                    <a:lumMod val="75000"/>
+                  </a:schemeClr>
+                </a:solidFill>
+                <a:sym typeface="+mn-ea"/>
+              </a:rPr>
+              <a:t>维护过程</a:t>
             </a:r>
             <a:endParaRPr lang="zh-CN" altLang="en-US" sz="5400" dirty="0">
               <a:solidFill>
@@ -3958,16 +3950,6 @@
               </a:rPr>
               <a:t>小组：G16</a:t>
             </a:r>
-            <a:endParaRPr kumimoji="1" lang="zh-CN" altLang="en-US" sz="2000" b="1" i="0" u="none" strike="noStrike" kern="1200" cap="none" spc="0" normalizeH="0" baseline="0" noProof="0" dirty="0">
-              <a:solidFill>
-                <a:schemeClr val="accent5">
-                  <a:lumMod val="75000"/>
-                </a:schemeClr>
-              </a:solidFill>
-              <a:latin typeface="+mn-lt"/>
-              <a:ea typeface="+mn-ea"/>
-              <a:cs typeface="+mn-cs"/>
-            </a:endParaRPr>
           </a:p>
         </p:txBody>
       </p:sp>
@@ -4201,16 +4183,6 @@
               </a:rPr>
               <a:t>组长 ：周德阳   </a:t>
             </a:r>
-            <a:endParaRPr kumimoji="1" lang="zh-CN" altLang="en-US" sz="2000" b="1" i="0" u="none" strike="noStrike" kern="1200" cap="none" spc="0" normalizeH="0" baseline="0" noProof="0" dirty="0">
-              <a:solidFill>
-                <a:schemeClr val="accent5">
-                  <a:lumMod val="75000"/>
-                </a:schemeClr>
-              </a:solidFill>
-              <a:latin typeface="+mn-lt"/>
-              <a:ea typeface="+mn-ea"/>
-              <a:cs typeface="+mn-cs"/>
-            </a:endParaRPr>
           </a:p>
           <a:p>
             <a:pPr marL="0" marR="0" lvl="0" indent="0" algn="l" defTabSz="914400" rtl="0" eaLnBrk="1" fontAlgn="auto" latinLnBrk="0" hangingPunct="1">
@@ -4242,16 +4214,6 @@
               </a:rPr>
               <a:t>组员： 冯一鸣  何银超  </a:t>
             </a:r>
-            <a:endParaRPr kumimoji="1" lang="zh-CN" altLang="en-US" sz="2000" b="1" i="0" u="none" strike="noStrike" kern="1200" cap="none" spc="0" normalizeH="0" baseline="0" noProof="0" dirty="0">
-              <a:solidFill>
-                <a:schemeClr val="accent5">
-                  <a:lumMod val="75000"/>
-                </a:schemeClr>
-              </a:solidFill>
-              <a:latin typeface="+mn-lt"/>
-              <a:ea typeface="+mn-ea"/>
-              <a:cs typeface="+mn-cs"/>
-            </a:endParaRPr>
           </a:p>
         </p:txBody>
       </p:sp>
@@ -4300,16 +4262,6 @@
               </a:rPr>
               <a:t>浙江大学城市学院</a:t>
             </a:r>
-            <a:endParaRPr kumimoji="1" lang="zh-CN" altLang="en-US" sz="2000" b="1" kern="1200" cap="none" spc="0" normalizeH="0" baseline="0" noProof="0" dirty="0">
-              <a:solidFill>
-                <a:schemeClr val="accent5">
-                  <a:lumMod val="75000"/>
-                </a:schemeClr>
-              </a:solidFill>
-              <a:latin typeface="+mn-lt"/>
-              <a:ea typeface="+mn-ea"/>
-              <a:cs typeface="+mn-cs"/>
-            </a:endParaRPr>
           </a:p>
         </p:txBody>
       </p:sp>
@@ -4560,7 +4512,7 @@
           <p:nvPr/>
         </p:nvPicPr>
         <p:blipFill>
-          <a:blip r:embed="rId1">
+          <a:blip r:embed="rId2">
             <a:extLst>
               <a:ext uri="{28A0092B-C50C-407E-A947-70E740481C1C}">
                 <a14:useLocalDpi xmlns:a14="http://schemas.microsoft.com/office/drawing/2010/main" val="0"/>
@@ -4902,7 +4854,7 @@
           <a:lstStyle/>
           <a:p>
             <a:r>
-              <a:rPr lang="en-US" altLang="zh-CN" sz="3200" b="1" dirty="0" smtClean="0">
+              <a:rPr lang="en-US" altLang="zh-CN" sz="3200" b="1" dirty="0">
                 <a:solidFill>
                   <a:schemeClr val="bg1"/>
                 </a:solidFill>
@@ -4912,7 +4864,7 @@
               <a:t>3.</a:t>
             </a:r>
             <a:r>
-              <a:rPr lang="zh-CN" altLang="en-US" sz="3200" b="1" dirty="0" smtClean="0">
+              <a:rPr lang="zh-CN" altLang="en-US" sz="3200" b="1" dirty="0">
                 <a:solidFill>
                   <a:schemeClr val="bg1"/>
                 </a:solidFill>
@@ -4921,13 +4873,6 @@
               </a:rPr>
               <a:t>维护事件流</a:t>
             </a:r>
-            <a:endParaRPr lang="zh-CN" altLang="en-US" sz="3200" b="1" dirty="0">
-              <a:solidFill>
-                <a:schemeClr val="bg1"/>
-              </a:solidFill>
-              <a:latin typeface="Arial" panose="020B0604020202020204" pitchFamily="34" charset="0"/>
-              <a:cs typeface="Arial" panose="020B0604020202020204" pitchFamily="34" charset="0"/>
-            </a:endParaRPr>
           </a:p>
         </p:txBody>
       </p:sp>
@@ -4965,35 +4910,31 @@
               <a:defRPr/>
             </a:pPr>
             <a:r>
-              <a:rPr lang="zh-CN" altLang="en-US" sz="2800" b="1" dirty="0" smtClean="0">
-                <a:latin typeface="宋体" panose="02010600030101010101" pitchFamily="2" charset="-122"/>
-                <a:sym typeface="+mn-ea"/>
-              </a:rPr>
-              <a:t>不管</a:t>
-            </a:r>
-            <a:r>
               <a:rPr lang="zh-CN" altLang="en-US" sz="2800" b="1" dirty="0">
                 <a:latin typeface="宋体" panose="02010600030101010101" pitchFamily="2" charset="-122"/>
                 <a:sym typeface="+mn-ea"/>
               </a:rPr>
-              <a:t>维护类型如何，都需要进行同样的技术工作。包括</a:t>
-            </a:r>
-            <a:r>
-              <a:rPr lang="zh-CN" altLang="en-US" sz="2800" b="1" dirty="0" smtClean="0">
+              <a:t>不管维护类型如何，都需要进行同样的技术工作。包括：</a:t>
+            </a:r>
+            <a:r>
+              <a:rPr lang="zh-CN" altLang="en-US" sz="2800" b="1" dirty="0">
+                <a:solidFill>
+                  <a:srgbClr val="FF0000"/>
+                </a:solidFill>
                 <a:latin typeface="宋体" panose="02010600030101010101" pitchFamily="2" charset="-122"/>
                 <a:sym typeface="+mn-ea"/>
               </a:rPr>
-              <a:t>：</a:t>
-            </a:r>
-            <a:r>
-              <a:rPr lang="zh-CN" altLang="en-US" sz="2800" b="1" dirty="0" smtClean="0">
+              <a:t>修改软件设计、复查、必要的代码修改、单元测试和集成测试</a:t>
+            </a:r>
+            <a:r>
+              <a:rPr lang="en-US" altLang="zh-CN" sz="2800" b="1" dirty="0">
                 <a:solidFill>
                   <a:srgbClr val="FF0000"/>
                 </a:solidFill>
                 <a:latin typeface="宋体" panose="02010600030101010101" pitchFamily="2" charset="-122"/>
                 <a:sym typeface="+mn-ea"/>
               </a:rPr>
-              <a:t>修改</a:t>
+              <a:t>(</a:t>
             </a:r>
             <a:r>
               <a:rPr lang="zh-CN" altLang="en-US" sz="2800" b="1" dirty="0">
@@ -5003,7 +4944,7 @@
                 <a:latin typeface="宋体" panose="02010600030101010101" pitchFamily="2" charset="-122"/>
                 <a:sym typeface="+mn-ea"/>
               </a:rPr>
-              <a:t>软件设计、复查、必要的代码修改、单元测试和集成测试</a:t>
+              <a:t>包括使用以前的测试方案的回归测试</a:t>
             </a:r>
             <a:r>
               <a:rPr lang="en-US" altLang="zh-CN" sz="2800" b="1" dirty="0">
@@ -5013,7 +4954,7 @@
                 <a:latin typeface="宋体" panose="02010600030101010101" pitchFamily="2" charset="-122"/>
                 <a:sym typeface="+mn-ea"/>
               </a:rPr>
-              <a:t>(</a:t>
+              <a:t>)</a:t>
             </a:r>
             <a:r>
               <a:rPr lang="zh-CN" altLang="en-US" sz="2800" b="1" dirty="0">
@@ -5023,35 +4964,8 @@
                 <a:latin typeface="宋体" panose="02010600030101010101" pitchFamily="2" charset="-122"/>
                 <a:sym typeface="+mn-ea"/>
               </a:rPr>
-              <a:t>包括使用以前的测试方案的回归测试</a:t>
-            </a:r>
-            <a:r>
-              <a:rPr lang="en-US" altLang="zh-CN" sz="2800" b="1" dirty="0">
-                <a:solidFill>
-                  <a:srgbClr val="FF0000"/>
-                </a:solidFill>
-                <a:latin typeface="宋体" panose="02010600030101010101" pitchFamily="2" charset="-122"/>
-                <a:sym typeface="+mn-ea"/>
-              </a:rPr>
-              <a:t>)</a:t>
-            </a:r>
-            <a:r>
-              <a:rPr lang="zh-CN" altLang="en-US" sz="2800" b="1" dirty="0">
-                <a:solidFill>
-                  <a:srgbClr val="FF0000"/>
-                </a:solidFill>
-                <a:latin typeface="宋体" panose="02010600030101010101" pitchFamily="2" charset="-122"/>
-                <a:sym typeface="+mn-ea"/>
-              </a:rPr>
               <a:t>、验收测试和复审。</a:t>
             </a:r>
-            <a:endParaRPr lang="zh-CN" altLang="en-US" sz="2800" b="1" dirty="0">
-              <a:solidFill>
-                <a:srgbClr val="FF0000"/>
-              </a:solidFill>
-              <a:latin typeface="宋体" panose="02010600030101010101" pitchFamily="2" charset="-122"/>
-              <a:sym typeface="+mn-ea"/>
-            </a:endParaRPr>
           </a:p>
           <a:p>
             <a:pPr lvl="0" algn="l" fontAlgn="base">
@@ -5067,24 +4981,14 @@
               <a:defRPr/>
             </a:pPr>
             <a:r>
-              <a:rPr lang="zh-CN" altLang="en-US" sz="2800" b="1" dirty="0" smtClean="0">
+              <a:rPr lang="zh-CN" altLang="en-US" sz="2800" b="1" dirty="0">
                 <a:solidFill>
                   <a:srgbClr val="FF0000"/>
                 </a:solidFill>
                 <a:latin typeface="宋体" panose="02010600030101010101" pitchFamily="2" charset="-122"/>
                 <a:sym typeface="+mn-ea"/>
               </a:rPr>
-              <a:t>不同</a:t>
-            </a:r>
-            <a:r>
-              <a:rPr lang="zh-CN" altLang="en-US" sz="2800" b="1" dirty="0">
-                <a:solidFill>
-                  <a:srgbClr val="FF0000"/>
-                </a:solidFill>
-                <a:latin typeface="宋体" panose="02010600030101010101" pitchFamily="2" charset="-122"/>
-                <a:sym typeface="+mn-ea"/>
-              </a:rPr>
-              <a:t>类型的维护强调的重点不同，但是基本途径是相同的。</a:t>
+              <a:t>不同类型的维护强调的重点不同，但是基本途径是相同的。</a:t>
             </a:r>
             <a:r>
               <a:rPr lang="zh-CN" altLang="en-US" sz="2800" b="1" dirty="0">
@@ -5110,10 +5014,6 @@
               </a:rPr>
               <a:t>，它再次检验软件配置的所有成分的有效性，并且保证事实上满足了维护要求表中的要求。</a:t>
             </a:r>
-            <a:endParaRPr lang="zh-CN" altLang="en-US" sz="2800" b="1" dirty="0">
-              <a:latin typeface="宋体" panose="02010600030101010101" pitchFamily="2" charset="-122"/>
-              <a:sym typeface="+mn-ea"/>
-            </a:endParaRPr>
           </a:p>
         </p:txBody>
       </p:sp>
@@ -5126,7 +5026,7 @@
           <p:nvPr/>
         </p:nvPicPr>
         <p:blipFill>
-          <a:blip r:embed="rId2" cstate="print">
+          <a:blip r:embed="rId3" cstate="print">
             <a:extLst>
               <a:ext uri="{28A0092B-C50C-407E-A947-70E740481C1C}">
                 <a14:useLocalDpi xmlns:a14="http://schemas.microsoft.com/office/drawing/2010/main" val="0"/>
@@ -5179,13 +5079,6 @@
   <p:transition spd="slow">
     <p:comb/>
   </p:transition>
-  <p:timing>
-    <p:tnLst>
-      <p:par>
-        <p:cTn id="1" dur="indefinite" restart="never" nodeType="tmRoot"/>
-      </p:par>
-    </p:tnLst>
-  </p:timing>
 </p:sld>
 </file>
 
@@ -5215,7 +5108,7 @@
           <p:nvPr/>
         </p:nvPicPr>
         <p:blipFill>
-          <a:blip r:embed="rId1">
+          <a:blip r:embed="rId2">
             <a:extLst>
               <a:ext uri="{28A0092B-C50C-407E-A947-70E740481C1C}">
                 <a14:useLocalDpi xmlns:a14="http://schemas.microsoft.com/office/drawing/2010/main" val="0"/>
@@ -5557,7 +5450,7 @@
           <a:lstStyle/>
           <a:p>
             <a:r>
-              <a:rPr lang="en-US" altLang="zh-CN" sz="3200" b="1" dirty="0" smtClean="0">
+              <a:rPr lang="en-US" altLang="zh-CN" sz="3200" b="1" dirty="0">
                 <a:solidFill>
                   <a:schemeClr val="bg1"/>
                 </a:solidFill>
@@ -5567,7 +5460,7 @@
               <a:t>3.</a:t>
             </a:r>
             <a:r>
-              <a:rPr lang="zh-CN" altLang="en-US" sz="3200" b="1" dirty="0" smtClean="0">
+              <a:rPr lang="zh-CN" altLang="en-US" sz="3200" b="1" dirty="0">
                 <a:solidFill>
                   <a:schemeClr val="bg1"/>
                 </a:solidFill>
@@ -5576,13 +5469,6 @@
               </a:rPr>
               <a:t>维护事件流</a:t>
             </a:r>
-            <a:endParaRPr lang="zh-CN" altLang="en-US" sz="3200" b="1" dirty="0">
-              <a:solidFill>
-                <a:schemeClr val="bg1"/>
-              </a:solidFill>
-              <a:latin typeface="Arial" panose="020B0604020202020204" pitchFamily="34" charset="0"/>
-              <a:cs typeface="Arial" panose="020B0604020202020204" pitchFamily="34" charset="0"/>
-            </a:endParaRPr>
           </a:p>
         </p:txBody>
       </p:sp>
@@ -5595,7 +5481,7 @@
           <p:nvPr/>
         </p:nvPicPr>
         <p:blipFill>
-          <a:blip r:embed="rId2" cstate="print">
+          <a:blip r:embed="rId3" cstate="print">
             <a:extLst>
               <a:ext uri="{28A0092B-C50C-407E-A947-70E740481C1C}">
                 <a14:useLocalDpi xmlns:a14="http://schemas.microsoft.com/office/drawing/2010/main" val="0"/>
@@ -5674,21 +5560,21 @@
               <a:defRPr/>
             </a:pPr>
             <a:r>
-              <a:rPr lang="en-US" altLang="zh-CN" sz="2800" b="1" dirty="0" smtClean="0">
+              <a:rPr lang="en-US" altLang="zh-CN" sz="2800" b="1" dirty="0">
                 <a:latin typeface="宋体" panose="02010600030101010101" pitchFamily="2" charset="-122"/>
                 <a:sym typeface="+mn-ea"/>
               </a:rPr>
               <a:t>	</a:t>
             </a:r>
             <a:r>
-              <a:rPr lang="zh-CN" altLang="en-US" sz="2800" b="1" dirty="0" smtClean="0">
+              <a:rPr lang="zh-CN" altLang="en-US" sz="2800" b="1" dirty="0">
                 <a:latin typeface="宋体" panose="02010600030101010101" pitchFamily="2" charset="-122"/>
                 <a:sym typeface="+mn-ea"/>
               </a:rPr>
               <a:t>处境复查常常是有好处的。一般说来，</a:t>
             </a:r>
             <a:r>
-              <a:rPr lang="zh-CN" altLang="en-US" sz="2800" b="1" dirty="0" smtClean="0">
+              <a:rPr lang="zh-CN" altLang="en-US" sz="2800" b="1" dirty="0">
                 <a:solidFill>
                   <a:srgbClr val="FF0000"/>
                 </a:solidFill>
@@ -5697,13 +5583,6 @@
               </a:rPr>
               <a:t>这种复查试图回答下述问题。</a:t>
             </a:r>
-            <a:endParaRPr lang="zh-CN" altLang="en-US" sz="2800" b="1" dirty="0" smtClean="0">
-              <a:solidFill>
-                <a:srgbClr val="FF0000"/>
-              </a:solidFill>
-              <a:latin typeface="宋体" panose="02010600030101010101" pitchFamily="2" charset="-122"/>
-              <a:sym typeface="+mn-ea"/>
-            </a:endParaRPr>
           </a:p>
           <a:p>
             <a:pPr lvl="0" fontAlgn="base">
@@ -5719,25 +5598,18 @@
               <a:defRPr/>
             </a:pPr>
             <a:r>
-              <a:rPr lang="en-US" altLang="zh-CN" sz="2800" b="1" dirty="0" smtClean="0">
+              <a:rPr lang="en-US" altLang="zh-CN" sz="2800" b="1" dirty="0">
                 <a:latin typeface="宋体" panose="02010600030101010101" pitchFamily="2" charset="-122"/>
                 <a:sym typeface="+mn-ea"/>
               </a:rPr>
               <a:t>	</a:t>
-            </a:r>
-            <a:r>
-              <a:rPr lang="zh-CN" altLang="en-US" sz="2800" b="1" dirty="0" smtClean="0">
-                <a:latin typeface="宋体" panose="02010600030101010101" pitchFamily="2" charset="-122"/>
-                <a:sym typeface="+mn-ea"/>
-              </a:rPr>
-              <a:t>在</a:t>
             </a:r>
             <a:r>
               <a:rPr lang="zh-CN" altLang="en-US" sz="2800" b="1" dirty="0">
                 <a:latin typeface="宋体" panose="02010600030101010101" pitchFamily="2" charset="-122"/>
                 <a:sym typeface="+mn-ea"/>
               </a:rPr>
-              <a:t>当前处境下设计、编码或测试的哪些方面能用不同方法进行</a:t>
+              <a:t>在当前处境下设计、编码或测试的哪些方面能用不同方法进行</a:t>
             </a:r>
             <a:r>
               <a:rPr lang="en-US" altLang="zh-CN" sz="2800" b="1" dirty="0">
@@ -5746,10 +5618,6 @@
               </a:rPr>
               <a:t>?</a:t>
             </a:r>
-            <a:endParaRPr lang="en-US" altLang="zh-CN" sz="2800" b="1" dirty="0">
-              <a:latin typeface="宋体" panose="02010600030101010101" pitchFamily="2" charset="-122"/>
-              <a:sym typeface="+mn-ea"/>
-            </a:endParaRPr>
           </a:p>
           <a:p>
             <a:pPr lvl="0" fontAlgn="base">
@@ -5765,32 +5633,18 @@
               <a:defRPr/>
             </a:pPr>
             <a:r>
-              <a:rPr lang="en-US" altLang="zh-CN" sz="2800" b="1" dirty="0" smtClean="0">
+              <a:rPr lang="en-US" altLang="zh-CN" sz="2800" b="1" dirty="0">
                 <a:latin typeface="宋体" panose="02010600030101010101" pitchFamily="2" charset="-122"/>
                 <a:sym typeface="+mn-ea"/>
               </a:rPr>
               <a:t>	</a:t>
-            </a:r>
-            <a:r>
-              <a:rPr lang="zh-CN" altLang="en-US" sz="2800" b="1" dirty="0" smtClean="0">
-                <a:latin typeface="宋体" panose="02010600030101010101" pitchFamily="2" charset="-122"/>
-                <a:sym typeface="+mn-ea"/>
-              </a:rPr>
-              <a:t>哪些</a:t>
             </a:r>
             <a:r>
               <a:rPr lang="zh-CN" altLang="en-US" sz="2800" b="1" dirty="0">
                 <a:latin typeface="宋体" panose="02010600030101010101" pitchFamily="2" charset="-122"/>
                 <a:sym typeface="+mn-ea"/>
               </a:rPr>
-              <a:t>维护资源是应该有而事实上却</a:t>
-            </a:r>
-            <a:r>
-              <a:rPr lang="zh-CN" altLang="en-US" sz="2800" b="1" dirty="0" smtClean="0">
-                <a:latin typeface="宋体" panose="02010600030101010101" pitchFamily="2" charset="-122"/>
-                <a:sym typeface="+mn-ea"/>
-              </a:rPr>
-              <a:t>没有的？</a:t>
+              <a:t>哪些维护资源是应该有而事实上却没有的？</a:t>
             </a:r>
             <a:endParaRPr lang="en-US" altLang="zh-CN" sz="2800" b="1" dirty="0">
               <a:latin typeface="宋体" panose="02010600030101010101" pitchFamily="2" charset="-122"/>
@@ -5811,25 +5665,18 @@
               <a:defRPr/>
             </a:pPr>
             <a:r>
-              <a:rPr lang="en-US" altLang="zh-CN" sz="2800" b="1" dirty="0" smtClean="0">
+              <a:rPr lang="en-US" altLang="zh-CN" sz="2800" b="1" dirty="0">
                 <a:latin typeface="宋体" panose="02010600030101010101" pitchFamily="2" charset="-122"/>
                 <a:sym typeface="+mn-ea"/>
               </a:rPr>
               <a:t>	</a:t>
-            </a:r>
-            <a:r>
-              <a:rPr lang="zh-CN" altLang="en-US" sz="2800" b="1" dirty="0" smtClean="0">
-                <a:latin typeface="宋体" panose="02010600030101010101" pitchFamily="2" charset="-122"/>
-                <a:sym typeface="+mn-ea"/>
-              </a:rPr>
-              <a:t>对于</a:t>
             </a:r>
             <a:r>
               <a:rPr lang="zh-CN" altLang="en-US" sz="2800" b="1" dirty="0">
                 <a:latin typeface="宋体" panose="02010600030101010101" pitchFamily="2" charset="-122"/>
                 <a:sym typeface="+mn-ea"/>
               </a:rPr>
-              <a:t>这项维护工作什么是主要的</a:t>
+              <a:t>对于这项维护工作什么是主要的</a:t>
             </a:r>
             <a:r>
               <a:rPr lang="en-US" altLang="zh-CN" sz="2800" b="1" dirty="0">
@@ -5866,10 +5713,6 @@
               </a:rPr>
               <a:t>?</a:t>
             </a:r>
-            <a:endParaRPr lang="en-US" altLang="zh-CN" sz="2800" b="1" dirty="0">
-              <a:latin typeface="宋体" panose="02010600030101010101" pitchFamily="2" charset="-122"/>
-              <a:sym typeface="+mn-ea"/>
-            </a:endParaRPr>
           </a:p>
           <a:p>
             <a:pPr lvl="0" fontAlgn="base">
@@ -5885,28 +5728,21 @@
               <a:defRPr/>
             </a:pPr>
             <a:r>
-              <a:rPr lang="en-US" altLang="zh-CN" sz="2800" b="1" dirty="0" smtClean="0">
+              <a:rPr lang="en-US" altLang="zh-CN" sz="2800" b="1" dirty="0">
                 <a:latin typeface="宋体" panose="02010600030101010101" pitchFamily="2" charset="-122"/>
                 <a:sym typeface="+mn-ea"/>
               </a:rPr>
               <a:t>	</a:t>
-            </a:r>
-            <a:r>
-              <a:rPr lang="zh-CN" altLang="en-US" sz="2800" b="1" dirty="0" smtClean="0">
-                <a:latin typeface="宋体" panose="02010600030101010101" pitchFamily="2" charset="-122"/>
-                <a:sym typeface="+mn-ea"/>
-              </a:rPr>
-              <a:t>要求</a:t>
             </a:r>
             <a:r>
               <a:rPr lang="zh-CN" altLang="en-US" sz="2800" b="1" dirty="0">
                 <a:latin typeface="宋体" panose="02010600030101010101" pitchFamily="2" charset="-122"/>
                 <a:sym typeface="+mn-ea"/>
               </a:rPr>
-              <a:t>的维护类型中有预防性维护吗</a:t>
-            </a:r>
-            <a:r>
-              <a:rPr lang="en-US" altLang="zh-CN" sz="2800" b="1" dirty="0" smtClean="0">
+              <a:t>要求的维护类型中有预防性维护吗</a:t>
+            </a:r>
+            <a:r>
+              <a:rPr lang="en-US" altLang="zh-CN" sz="2800" b="1" dirty="0">
                 <a:latin typeface="宋体" panose="02010600030101010101" pitchFamily="2" charset="-122"/>
                 <a:sym typeface="+mn-ea"/>
               </a:rPr>
@@ -5927,13 +5763,6 @@
   <p:transition spd="slow">
     <p:comb/>
   </p:transition>
-  <p:timing>
-    <p:tnLst>
-      <p:par>
-        <p:cTn id="1" dur="indefinite" restart="never" nodeType="tmRoot"/>
-      </p:par>
-    </p:tnLst>
-  </p:timing>
 </p:sld>
 </file>
 
@@ -5963,7 +5792,7 @@
           <p:nvPr/>
         </p:nvPicPr>
         <p:blipFill>
-          <a:blip r:embed="rId1">
+          <a:blip r:embed="rId2">
             <a:extLst>
               <a:ext uri="{28A0092B-C50C-407E-A947-70E740481C1C}">
                 <a14:useLocalDpi xmlns:a14="http://schemas.microsoft.com/office/drawing/2010/main" val="0"/>
@@ -6305,7 +6134,7 @@
           <a:lstStyle/>
           <a:p>
             <a:r>
-              <a:rPr lang="en-US" altLang="zh-CN" sz="3200" b="1" dirty="0" smtClean="0">
+              <a:rPr lang="en-US" altLang="zh-CN" sz="3200" b="1" dirty="0">
                 <a:solidFill>
                   <a:schemeClr val="bg1"/>
                 </a:solidFill>
@@ -6315,7 +6144,7 @@
               <a:t>3.</a:t>
             </a:r>
             <a:r>
-              <a:rPr lang="zh-CN" altLang="en-US" sz="3200" b="1" dirty="0" smtClean="0">
+              <a:rPr lang="zh-CN" altLang="en-US" sz="3200" b="1" dirty="0">
                 <a:solidFill>
                   <a:schemeClr val="bg1"/>
                 </a:solidFill>
@@ -6324,13 +6153,6 @@
               </a:rPr>
               <a:t>维护事件流</a:t>
             </a:r>
-            <a:endParaRPr lang="zh-CN" altLang="en-US" sz="3200" b="1" dirty="0">
-              <a:solidFill>
-                <a:schemeClr val="bg1"/>
-              </a:solidFill>
-              <a:latin typeface="Arial" panose="020B0604020202020204" pitchFamily="34" charset="0"/>
-              <a:cs typeface="Arial" panose="020B0604020202020204" pitchFamily="34" charset="0"/>
-            </a:endParaRPr>
           </a:p>
         </p:txBody>
       </p:sp>
@@ -6343,7 +6165,7 @@
           <p:nvPr/>
         </p:nvPicPr>
         <p:blipFill>
-          <a:blip r:embed="rId2" cstate="print">
+          <a:blip r:embed="rId3" cstate="print">
             <a:extLst>
               <a:ext uri="{28A0092B-C50C-407E-A947-70E740481C1C}">
                 <a14:useLocalDpi xmlns:a14="http://schemas.microsoft.com/office/drawing/2010/main" val="0"/>
@@ -6422,21 +6244,21 @@
               <a:defRPr/>
             </a:pPr>
             <a:r>
-              <a:rPr lang="en-US" altLang="zh-CN" sz="2800" b="1" dirty="0" smtClean="0">
+              <a:rPr lang="en-US" altLang="zh-CN" sz="2800" b="1" dirty="0">
                 <a:latin typeface="宋体" panose="02010600030101010101" pitchFamily="2" charset="-122"/>
                 <a:sym typeface="+mn-ea"/>
               </a:rPr>
               <a:t>	</a:t>
             </a:r>
             <a:r>
-              <a:rPr lang="zh-CN" altLang="en-US" sz="2800" b="1" dirty="0" smtClean="0">
+              <a:rPr lang="zh-CN" altLang="en-US" sz="2800" b="1" dirty="0">
                 <a:latin typeface="宋体" panose="02010600030101010101" pitchFamily="2" charset="-122"/>
                 <a:sym typeface="+mn-ea"/>
               </a:rPr>
               <a:t>处境复查常常是有好处的。一般说来，</a:t>
             </a:r>
             <a:r>
-              <a:rPr lang="zh-CN" altLang="en-US" sz="2800" b="1" dirty="0" smtClean="0">
+              <a:rPr lang="zh-CN" altLang="en-US" sz="2800" b="1" dirty="0">
                 <a:solidFill>
                   <a:srgbClr val="FF0000"/>
                 </a:solidFill>
@@ -6445,13 +6267,6 @@
               </a:rPr>
               <a:t>这种复查试图回答下述问题。</a:t>
             </a:r>
-            <a:endParaRPr lang="zh-CN" altLang="en-US" sz="2800" b="1" dirty="0" smtClean="0">
-              <a:solidFill>
-                <a:srgbClr val="FF0000"/>
-              </a:solidFill>
-              <a:latin typeface="宋体" panose="02010600030101010101" pitchFamily="2" charset="-122"/>
-              <a:sym typeface="+mn-ea"/>
-            </a:endParaRPr>
           </a:p>
           <a:p>
             <a:pPr lvl="0" fontAlgn="base">
@@ -6467,25 +6282,18 @@
               <a:defRPr/>
             </a:pPr>
             <a:r>
-              <a:rPr lang="en-US" altLang="zh-CN" sz="2800" b="1" dirty="0" smtClean="0">
+              <a:rPr lang="en-US" altLang="zh-CN" sz="2800" b="1" dirty="0">
                 <a:latin typeface="宋体" panose="02010600030101010101" pitchFamily="2" charset="-122"/>
                 <a:sym typeface="+mn-ea"/>
               </a:rPr>
               <a:t>	</a:t>
-            </a:r>
-            <a:r>
-              <a:rPr lang="zh-CN" altLang="en-US" sz="2800" b="1" dirty="0" smtClean="0">
-                <a:latin typeface="宋体" panose="02010600030101010101" pitchFamily="2" charset="-122"/>
-                <a:sym typeface="+mn-ea"/>
-              </a:rPr>
-              <a:t>在</a:t>
             </a:r>
             <a:r>
               <a:rPr lang="zh-CN" altLang="en-US" sz="2800" b="1" dirty="0">
                 <a:latin typeface="宋体" panose="02010600030101010101" pitchFamily="2" charset="-122"/>
                 <a:sym typeface="+mn-ea"/>
               </a:rPr>
-              <a:t>当前处境下设计、编码或测试的哪些方面能用不同方法进行</a:t>
+              <a:t>在当前处境下设计、编码或测试的哪些方面能用不同方法进行</a:t>
             </a:r>
             <a:r>
               <a:rPr lang="en-US" altLang="zh-CN" sz="2800" b="1" dirty="0">
@@ -6494,10 +6302,6 @@
               </a:rPr>
               <a:t>?</a:t>
             </a:r>
-            <a:endParaRPr lang="en-US" altLang="zh-CN" sz="2800" b="1" dirty="0">
-              <a:latin typeface="宋体" panose="02010600030101010101" pitchFamily="2" charset="-122"/>
-              <a:sym typeface="+mn-ea"/>
-            </a:endParaRPr>
           </a:p>
           <a:p>
             <a:pPr lvl="0" fontAlgn="base">
@@ -6513,32 +6317,18 @@
               <a:defRPr/>
             </a:pPr>
             <a:r>
-              <a:rPr lang="en-US" altLang="zh-CN" sz="2800" b="1" dirty="0" smtClean="0">
+              <a:rPr lang="en-US" altLang="zh-CN" sz="2800" b="1" dirty="0">
                 <a:latin typeface="宋体" panose="02010600030101010101" pitchFamily="2" charset="-122"/>
                 <a:sym typeface="+mn-ea"/>
               </a:rPr>
               <a:t>	</a:t>
-            </a:r>
-            <a:r>
-              <a:rPr lang="zh-CN" altLang="en-US" sz="2800" b="1" dirty="0" smtClean="0">
-                <a:latin typeface="宋体" panose="02010600030101010101" pitchFamily="2" charset="-122"/>
-                <a:sym typeface="+mn-ea"/>
-              </a:rPr>
-              <a:t>哪些</a:t>
             </a:r>
             <a:r>
               <a:rPr lang="zh-CN" altLang="en-US" sz="2800" b="1" dirty="0">
                 <a:latin typeface="宋体" panose="02010600030101010101" pitchFamily="2" charset="-122"/>
                 <a:sym typeface="+mn-ea"/>
               </a:rPr>
-              <a:t>维护资源是应该有而事实上却</a:t>
-            </a:r>
-            <a:r>
-              <a:rPr lang="zh-CN" altLang="en-US" sz="2800" b="1" dirty="0" smtClean="0">
-                <a:latin typeface="宋体" panose="02010600030101010101" pitchFamily="2" charset="-122"/>
-                <a:sym typeface="+mn-ea"/>
-              </a:rPr>
-              <a:t>没有的？</a:t>
+              <a:t>哪些维护资源是应该有而事实上却没有的？</a:t>
             </a:r>
             <a:endParaRPr lang="en-US" altLang="zh-CN" sz="2800" b="1" dirty="0">
               <a:latin typeface="宋体" panose="02010600030101010101" pitchFamily="2" charset="-122"/>
@@ -6559,25 +6349,18 @@
               <a:defRPr/>
             </a:pPr>
             <a:r>
-              <a:rPr lang="en-US" altLang="zh-CN" sz="2800" b="1" dirty="0" smtClean="0">
+              <a:rPr lang="en-US" altLang="zh-CN" sz="2800" b="1" dirty="0">
                 <a:latin typeface="宋体" panose="02010600030101010101" pitchFamily="2" charset="-122"/>
                 <a:sym typeface="+mn-ea"/>
               </a:rPr>
               <a:t>	</a:t>
-            </a:r>
-            <a:r>
-              <a:rPr lang="zh-CN" altLang="en-US" sz="2800" b="1" dirty="0" smtClean="0">
-                <a:latin typeface="宋体" panose="02010600030101010101" pitchFamily="2" charset="-122"/>
-                <a:sym typeface="+mn-ea"/>
-              </a:rPr>
-              <a:t>对于</a:t>
             </a:r>
             <a:r>
               <a:rPr lang="zh-CN" altLang="en-US" sz="2800" b="1" dirty="0">
                 <a:latin typeface="宋体" panose="02010600030101010101" pitchFamily="2" charset="-122"/>
                 <a:sym typeface="+mn-ea"/>
               </a:rPr>
-              <a:t>这项维护工作什么是主要的</a:t>
+              <a:t>对于这项维护工作什么是主要的</a:t>
             </a:r>
             <a:r>
               <a:rPr lang="en-US" altLang="zh-CN" sz="2800" b="1" dirty="0">
@@ -6614,10 +6397,6 @@
               </a:rPr>
               <a:t>?</a:t>
             </a:r>
-            <a:endParaRPr lang="en-US" altLang="zh-CN" sz="2800" b="1" dirty="0">
-              <a:latin typeface="宋体" panose="02010600030101010101" pitchFamily="2" charset="-122"/>
-              <a:sym typeface="+mn-ea"/>
-            </a:endParaRPr>
           </a:p>
           <a:p>
             <a:pPr lvl="0" fontAlgn="base">
@@ -6633,28 +6412,21 @@
               <a:defRPr/>
             </a:pPr>
             <a:r>
-              <a:rPr lang="en-US" altLang="zh-CN" sz="2800" b="1" dirty="0" smtClean="0">
+              <a:rPr lang="en-US" altLang="zh-CN" sz="2800" b="1" dirty="0">
                 <a:latin typeface="宋体" panose="02010600030101010101" pitchFamily="2" charset="-122"/>
                 <a:sym typeface="+mn-ea"/>
               </a:rPr>
               <a:t>	</a:t>
-            </a:r>
-            <a:r>
-              <a:rPr lang="zh-CN" altLang="en-US" sz="2800" b="1" dirty="0" smtClean="0">
-                <a:latin typeface="宋体" panose="02010600030101010101" pitchFamily="2" charset="-122"/>
-                <a:sym typeface="+mn-ea"/>
-              </a:rPr>
-              <a:t>要求</a:t>
             </a:r>
             <a:r>
               <a:rPr lang="zh-CN" altLang="en-US" sz="2800" b="1" dirty="0">
                 <a:latin typeface="宋体" panose="02010600030101010101" pitchFamily="2" charset="-122"/>
                 <a:sym typeface="+mn-ea"/>
               </a:rPr>
-              <a:t>的维护类型中有预防性维护吗</a:t>
-            </a:r>
-            <a:r>
-              <a:rPr lang="en-US" altLang="zh-CN" sz="2800" b="1" dirty="0" smtClean="0">
+              <a:t>要求的维护类型中有预防性维护吗</a:t>
+            </a:r>
+            <a:r>
+              <a:rPr lang="en-US" altLang="zh-CN" sz="2800" b="1" dirty="0">
                 <a:latin typeface="宋体" panose="02010600030101010101" pitchFamily="2" charset="-122"/>
                 <a:sym typeface="+mn-ea"/>
               </a:rPr>
@@ -6675,13 +6447,6 @@
   <p:transition spd="slow">
     <p:comb/>
   </p:transition>
-  <p:timing>
-    <p:tnLst>
-      <p:par>
-        <p:cTn id="1" dur="indefinite" restart="never" nodeType="tmRoot"/>
-      </p:par>
-    </p:tnLst>
-  </p:timing>
 </p:sld>
 </file>
 
@@ -6711,7 +6476,7 @@
           <p:nvPr/>
         </p:nvPicPr>
         <p:blipFill>
-          <a:blip r:embed="rId1">
+          <a:blip r:embed="rId2">
             <a:extLst>
               <a:ext uri="{28A0092B-C50C-407E-A947-70E740481C1C}">
                 <a14:useLocalDpi xmlns:a14="http://schemas.microsoft.com/office/drawing/2010/main" val="0"/>
@@ -7096,7 +6861,7 @@
           <a:lstStyle/>
           <a:p>
             <a:r>
-              <a:rPr lang="en-US" altLang="zh-CN" sz="3200" b="1" dirty="0" smtClean="0">
+              <a:rPr lang="en-US" altLang="zh-CN" sz="3200" b="1" dirty="0">
                 <a:solidFill>
                   <a:schemeClr val="bg1"/>
                 </a:solidFill>
@@ -7106,7 +6871,7 @@
               <a:t>4.</a:t>
             </a:r>
             <a:r>
-              <a:rPr lang="zh-CN" altLang="en-US" sz="3200" b="1" dirty="0" smtClean="0">
+              <a:rPr lang="zh-CN" altLang="en-US" sz="3200" b="1" dirty="0">
                 <a:solidFill>
                   <a:schemeClr val="bg1"/>
                 </a:solidFill>
@@ -7115,13 +6880,6 @@
               </a:rPr>
               <a:t>保护维护记录</a:t>
             </a:r>
-            <a:endParaRPr lang="zh-CN" altLang="en-US" sz="3200" b="1" dirty="0" smtClean="0">
-              <a:solidFill>
-                <a:schemeClr val="bg1"/>
-              </a:solidFill>
-              <a:latin typeface="Arial" panose="020B0604020202020204" pitchFamily="34" charset="0"/>
-              <a:cs typeface="Arial" panose="020B0604020202020204" pitchFamily="34" charset="0"/>
-            </a:endParaRPr>
           </a:p>
         </p:txBody>
       </p:sp>
@@ -7201,12 +6959,6 @@
               </a:rPr>
               <a:t>	</a:t>
             </a:r>
-            <a:endParaRPr lang="en-US" altLang="zh-CN" sz="2800" b="1" dirty="0">
-              <a:solidFill>
-                <a:srgbClr val="404040"/>
-              </a:solidFill>
-              <a:latin typeface="宋体" panose="02010600030101010101" pitchFamily="2" charset="-122"/>
-            </a:endParaRPr>
           </a:p>
           <a:p>
             <a:r>
@@ -7227,12 +6979,6 @@
               </a:rPr>
               <a:t>程序改动的日期；</a:t>
             </a:r>
-            <a:endParaRPr lang="zh-CN" altLang="en-US" sz="2800" b="1" dirty="0">
-              <a:solidFill>
-                <a:srgbClr val="404040"/>
-              </a:solidFill>
-              <a:latin typeface="宋体" panose="02010600030101010101" pitchFamily="2" charset="-122"/>
-            </a:endParaRPr>
           </a:p>
           <a:p>
             <a:r>
@@ -7253,12 +6999,6 @@
               </a:rPr>
               <a:t>软件工程师的名字；</a:t>
             </a:r>
-            <a:endParaRPr lang="zh-CN" altLang="en-US" sz="2800" b="1" dirty="0">
-              <a:solidFill>
-                <a:srgbClr val="404040"/>
-              </a:solidFill>
-              <a:latin typeface="宋体" panose="02010600030101010101" pitchFamily="2" charset="-122"/>
-            </a:endParaRPr>
           </a:p>
           <a:p>
             <a:r>
@@ -7279,12 +7019,6 @@
               </a:rPr>
               <a:t>维护要求表的标识；</a:t>
             </a:r>
-            <a:endParaRPr lang="zh-CN" altLang="en-US" sz="2800" b="1" dirty="0">
-              <a:solidFill>
-                <a:srgbClr val="404040"/>
-              </a:solidFill>
-              <a:latin typeface="宋体" panose="02010600030101010101" pitchFamily="2" charset="-122"/>
-            </a:endParaRPr>
           </a:p>
           <a:p>
             <a:r>
@@ -7305,12 +7039,6 @@
               </a:rPr>
               <a:t>维护类型；</a:t>
             </a:r>
-            <a:endParaRPr lang="zh-CN" altLang="en-US" sz="2800" b="1" dirty="0">
-              <a:solidFill>
-                <a:srgbClr val="404040"/>
-              </a:solidFill>
-              <a:latin typeface="宋体" panose="02010600030101010101" pitchFamily="2" charset="-122"/>
-            </a:endParaRPr>
           </a:p>
           <a:p>
             <a:r>
@@ -7331,12 +7059,6 @@
               </a:rPr>
               <a:t>维护开始和完成的日期；</a:t>
             </a:r>
-            <a:endParaRPr lang="zh-CN" altLang="en-US" sz="2800" b="1" dirty="0">
-              <a:solidFill>
-                <a:srgbClr val="404040"/>
-              </a:solidFill>
-              <a:latin typeface="宋体" panose="02010600030101010101" pitchFamily="2" charset="-122"/>
-            </a:endParaRPr>
           </a:p>
           <a:p>
             <a:r>
@@ -7357,12 +7079,6 @@
               </a:rPr>
               <a:t>累计用于维护的人时数；</a:t>
             </a:r>
-            <a:endParaRPr lang="zh-CN" altLang="en-US" sz="2800" b="1" dirty="0">
-              <a:solidFill>
-                <a:srgbClr val="404040"/>
-              </a:solidFill>
-              <a:latin typeface="宋体" panose="02010600030101010101" pitchFamily="2" charset="-122"/>
-            </a:endParaRPr>
           </a:p>
           <a:p>
             <a:r>
@@ -7383,12 +7099,6 @@
               </a:rPr>
               <a:t>与完成的维护相联系的纯效益。</a:t>
             </a:r>
-            <a:endParaRPr lang="zh-CN" altLang="en-US" sz="2800" b="1" dirty="0">
-              <a:solidFill>
-                <a:srgbClr val="404040"/>
-              </a:solidFill>
-              <a:latin typeface="宋体" panose="02010600030101010101" pitchFamily="2" charset="-122"/>
-            </a:endParaRPr>
           </a:p>
         </p:txBody>
       </p:sp>
@@ -7412,6 +7122,7 @@
           <a:bodyPr wrap="square" rtlCol="0">
             <a:spAutoFit/>
           </a:bodyPr>
+          <a:lstStyle/>
           <a:p>
             <a:r>
               <a:rPr lang="en-US" altLang="zh-CN" sz="2800" b="1" dirty="0">
@@ -7433,13 +7144,6 @@
               </a:rPr>
               <a:t>Swanson：</a:t>
             </a:r>
-            <a:endParaRPr lang="zh-CN" altLang="en-US" sz="2800" b="1" dirty="0">
-              <a:solidFill>
-                <a:schemeClr val="bg1"/>
-              </a:solidFill>
-              <a:latin typeface="宋体" panose="02010600030101010101" pitchFamily="2" charset="-122"/>
-              <a:sym typeface="+mn-ea"/>
-            </a:endParaRPr>
           </a:p>
           <a:p>
             <a:r>
@@ -7452,13 +7156,6 @@
               </a:rPr>
               <a:t>1程序标识；</a:t>
             </a:r>
-            <a:endParaRPr lang="zh-CN" altLang="en-US" sz="2800" b="1" dirty="0">
-              <a:solidFill>
-                <a:schemeClr val="bg1"/>
-              </a:solidFill>
-              <a:latin typeface="宋体" panose="02010600030101010101" pitchFamily="2" charset="-122"/>
-              <a:sym typeface="+mn-ea"/>
-            </a:endParaRPr>
           </a:p>
           <a:p>
             <a:r>
@@ -7471,13 +7168,6 @@
               </a:rPr>
               <a:t>2源语句数；</a:t>
             </a:r>
-            <a:endParaRPr lang="zh-CN" altLang="en-US" sz="2800" b="1" dirty="0">
-              <a:solidFill>
-                <a:schemeClr val="bg1"/>
-              </a:solidFill>
-              <a:latin typeface="宋体" panose="02010600030101010101" pitchFamily="2" charset="-122"/>
-              <a:sym typeface="+mn-ea"/>
-            </a:endParaRPr>
           </a:p>
           <a:p>
             <a:r>
@@ -7490,13 +7180,6 @@
               </a:rPr>
               <a:t>3机器指令条数；</a:t>
             </a:r>
-            <a:endParaRPr lang="zh-CN" altLang="en-US" sz="2800" b="1" dirty="0">
-              <a:solidFill>
-                <a:schemeClr val="bg1"/>
-              </a:solidFill>
-              <a:latin typeface="宋体" panose="02010600030101010101" pitchFamily="2" charset="-122"/>
-              <a:sym typeface="+mn-ea"/>
-            </a:endParaRPr>
           </a:p>
           <a:p>
             <a:r>
@@ -7509,13 +7192,6 @@
               </a:rPr>
               <a:t>4使用的程序设计语言；</a:t>
             </a:r>
-            <a:endParaRPr lang="zh-CN" altLang="en-US" sz="2800" b="1" dirty="0">
-              <a:solidFill>
-                <a:schemeClr val="bg1"/>
-              </a:solidFill>
-              <a:latin typeface="宋体" panose="02010600030101010101" pitchFamily="2" charset="-122"/>
-              <a:sym typeface="+mn-ea"/>
-            </a:endParaRPr>
           </a:p>
           <a:p>
             <a:r>
@@ -7528,13 +7204,6 @@
               </a:rPr>
               <a:t>5程序安装的日期；</a:t>
             </a:r>
-            <a:endParaRPr lang="zh-CN" altLang="en-US" sz="2800" b="1" dirty="0">
-              <a:solidFill>
-                <a:schemeClr val="bg1"/>
-              </a:solidFill>
-              <a:latin typeface="宋体" panose="02010600030101010101" pitchFamily="2" charset="-122"/>
-              <a:sym typeface="+mn-ea"/>
-            </a:endParaRPr>
           </a:p>
           <a:p>
             <a:r>
@@ -7547,13 +7216,6 @@
               </a:rPr>
               <a:t>6自从安装以来程序运行的次数；</a:t>
             </a:r>
-            <a:endParaRPr lang="zh-CN" altLang="en-US" sz="2800" b="1" dirty="0">
-              <a:solidFill>
-                <a:schemeClr val="bg1"/>
-              </a:solidFill>
-              <a:latin typeface="宋体" panose="02010600030101010101" pitchFamily="2" charset="-122"/>
-              <a:sym typeface="+mn-ea"/>
-            </a:endParaRPr>
           </a:p>
           <a:p>
             <a:r>
@@ -7566,13 +7228,6 @@
               </a:rPr>
               <a:t>7自从安装以来程序失效的次数；</a:t>
             </a:r>
-            <a:endParaRPr lang="zh-CN" altLang="en-US" sz="2800" b="1" dirty="0">
-              <a:solidFill>
-                <a:schemeClr val="bg1"/>
-              </a:solidFill>
-              <a:latin typeface="宋体" panose="02010600030101010101" pitchFamily="2" charset="-122"/>
-              <a:sym typeface="+mn-ea"/>
-            </a:endParaRPr>
           </a:p>
           <a:p>
             <a:r>
@@ -7585,13 +7240,6 @@
               </a:rPr>
               <a:t>8程序变动的层次和标识；</a:t>
             </a:r>
-            <a:endParaRPr lang="zh-CN" altLang="en-US" sz="2800" b="1" dirty="0">
-              <a:solidFill>
-                <a:schemeClr val="bg1"/>
-              </a:solidFill>
-              <a:latin typeface="宋体" panose="02010600030101010101" pitchFamily="2" charset="-122"/>
-              <a:sym typeface="+mn-ea"/>
-            </a:endParaRPr>
           </a:p>
           <a:p>
             <a:r>
@@ -7604,13 +7252,6 @@
               </a:rPr>
               <a:t>9因程序变动而增加的源语句数；</a:t>
             </a:r>
-            <a:endParaRPr lang="zh-CN" altLang="en-US" sz="2800" b="1" dirty="0">
-              <a:solidFill>
-                <a:schemeClr val="bg1"/>
-              </a:solidFill>
-              <a:latin typeface="宋体" panose="02010600030101010101" pitchFamily="2" charset="-122"/>
-              <a:sym typeface="+mn-ea"/>
-            </a:endParaRPr>
           </a:p>
           <a:p>
             <a:endParaRPr lang="zh-CN" altLang="en-US" sz="2800" b="1" dirty="0">
@@ -7624,25 +7265,18 @@
   <p:clrMapOvr>
     <a:masterClrMapping/>
   </p:clrMapOvr>
-  <mc:AlternateContent xmlns:mc="http://schemas.openxmlformats.org/markup-compatibility/2006">
-    <mc:Choice xmlns:p15="http://schemas.microsoft.com/office/powerpoint/2012/main" Requires="p15">
-      <p:transition xmlns:p14="http://schemas.microsoft.com/office/powerpoint/2010/main" spd="slow" Requires="p14" p14:dur="1250">
+  <mc:AlternateContent xmlns:mc="http://schemas.openxmlformats.org/markup-compatibility/2006" xmlns:p15="http://schemas.microsoft.com/office/powerpoint/2012/main">
+    <mc:Choice Requires="p15">
+      <p:transition xmlns:p14="http://schemas.microsoft.com/office/powerpoint/2010/main" spd="slow" p14:dur="1250">
         <p15:prstTrans prst="peelOff"/>
       </p:transition>
     </mc:Choice>
-    <mc:Fallback>
+    <mc:Fallback xmlns="">
       <p:transition spd="slow">
         <p:fade/>
       </p:transition>
     </mc:Fallback>
   </mc:AlternateContent>
-  <p:timing>
-    <p:tnLst>
-      <p:par>
-        <p:cTn id="1" dur="indefinite" restart="never" nodeType="tmRoot"/>
-      </p:par>
-    </p:tnLst>
-  </p:timing>
 </p:sld>
 </file>
 
@@ -7672,7 +7306,7 @@
           <p:nvPr/>
         </p:nvPicPr>
         <p:blipFill>
-          <a:blip r:embed="rId1">
+          <a:blip r:embed="rId2">
             <a:extLst>
               <a:ext uri="{28A0092B-C50C-407E-A947-70E740481C1C}">
                 <a14:useLocalDpi xmlns:a14="http://schemas.microsoft.com/office/drawing/2010/main" val="0"/>
@@ -8014,7 +7648,7 @@
           <a:lstStyle/>
           <a:p>
             <a:r>
-              <a:rPr lang="en-US" altLang="zh-CN" sz="3200" b="1" dirty="0" smtClean="0">
+              <a:rPr lang="en-US" altLang="zh-CN" sz="3200" b="1" dirty="0">
                 <a:solidFill>
                   <a:schemeClr val="bg1"/>
                 </a:solidFill>
@@ -8033,13 +7667,6 @@
               </a:rPr>
               <a:t>评价维护活动</a:t>
             </a:r>
-            <a:endParaRPr lang="zh-CN" altLang="en-US" sz="3200" b="1" dirty="0">
-              <a:solidFill>
-                <a:schemeClr val="bg1"/>
-              </a:solidFill>
-              <a:latin typeface="Arial" panose="020B0604020202020204" pitchFamily="34" charset="0"/>
-              <a:cs typeface="Arial" panose="020B0604020202020204" pitchFamily="34" charset="0"/>
-            </a:endParaRPr>
           </a:p>
         </p:txBody>
       </p:sp>
@@ -8090,10 +7717,6 @@
               </a:rPr>
               <a:t>每次程序运行平均失效的次数。</a:t>
             </a:r>
-            <a:endParaRPr lang="zh-CN" altLang="en-US" sz="2800" b="1" dirty="0">
-              <a:latin typeface="宋体" panose="02010600030101010101" pitchFamily="2" charset="-122"/>
-              <a:sym typeface="+mn-ea"/>
-            </a:endParaRPr>
           </a:p>
           <a:p>
             <a:pPr lvl="0" fontAlgn="base">
@@ -8122,10 +7745,6 @@
               </a:rPr>
               <a:t>用于每一类维护活动的总人时数。</a:t>
             </a:r>
-            <a:endParaRPr lang="zh-CN" altLang="en-US" sz="2800" b="1" dirty="0">
-              <a:latin typeface="宋体" panose="02010600030101010101" pitchFamily="2" charset="-122"/>
-              <a:sym typeface="+mn-ea"/>
-            </a:endParaRPr>
           </a:p>
           <a:p>
             <a:pPr lvl="0" fontAlgn="base">
@@ -8154,10 +7773,6 @@
               </a:rPr>
               <a:t>平均每个程序、每种语言、每种维护类型所做的程序变动数。</a:t>
             </a:r>
-            <a:endParaRPr lang="zh-CN" altLang="en-US" sz="2800" b="1" dirty="0">
-              <a:latin typeface="宋体" panose="02010600030101010101" pitchFamily="2" charset="-122"/>
-              <a:sym typeface="+mn-ea"/>
-            </a:endParaRPr>
           </a:p>
           <a:p>
             <a:pPr lvl="0" fontAlgn="base">
@@ -8186,10 +7801,6 @@
               </a:rPr>
               <a:t>维护过程中增加或删除一个源语句平均花费的人时数。</a:t>
             </a:r>
-            <a:endParaRPr lang="zh-CN" altLang="en-US" sz="2800" b="1" dirty="0">
-              <a:latin typeface="宋体" panose="02010600030101010101" pitchFamily="2" charset="-122"/>
-              <a:sym typeface="+mn-ea"/>
-            </a:endParaRPr>
           </a:p>
           <a:p>
             <a:pPr lvl="0" fontAlgn="base">
@@ -8218,10 +7829,6 @@
               </a:rPr>
               <a:t>维护每种语言平均花费的人时数。</a:t>
             </a:r>
-            <a:endParaRPr lang="zh-CN" altLang="en-US" sz="2800" b="1" dirty="0">
-              <a:latin typeface="宋体" panose="02010600030101010101" pitchFamily="2" charset="-122"/>
-              <a:sym typeface="+mn-ea"/>
-            </a:endParaRPr>
           </a:p>
           <a:p>
             <a:pPr lvl="0" fontAlgn="base">
@@ -8250,10 +7857,6 @@
               </a:rPr>
               <a:t>一张维护要求表的平均周转时间。</a:t>
             </a:r>
-            <a:endParaRPr lang="zh-CN" altLang="en-US" sz="2800" b="1" dirty="0">
-              <a:latin typeface="宋体" panose="02010600030101010101" pitchFamily="2" charset="-122"/>
-              <a:sym typeface="+mn-ea"/>
-            </a:endParaRPr>
           </a:p>
           <a:p>
             <a:pPr lvl="0" fontAlgn="base">
@@ -8282,10 +7885,6 @@
               </a:rPr>
               <a:t>不同维护类型所占的百分比。</a:t>
             </a:r>
-            <a:endParaRPr lang="zh-CN" altLang="en-US" sz="2800" b="1" dirty="0">
-              <a:latin typeface="宋体" panose="02010600030101010101" pitchFamily="2" charset="-122"/>
-              <a:sym typeface="+mn-ea"/>
-            </a:endParaRPr>
           </a:p>
         </p:txBody>
       </p:sp>
@@ -8297,13 +7896,6 @@
   <p:transition spd="slow">
     <p:comb/>
   </p:transition>
-  <p:timing>
-    <p:tnLst>
-      <p:par>
-        <p:cTn id="1" dur="indefinite" restart="never" nodeType="tmRoot"/>
-      </p:par>
-    </p:tnLst>
-  </p:timing>
 </p:sld>
 </file>
 
@@ -8333,7 +7925,7 @@
           <p:nvPr/>
         </p:nvPicPr>
         <p:blipFill>
-          <a:blip r:embed="rId1">
+          <a:blip r:embed="rId2">
             <a:extLst>
               <a:ext uri="{28A0092B-C50C-407E-A947-70E740481C1C}">
                 <a14:useLocalDpi xmlns:a14="http://schemas.microsoft.com/office/drawing/2010/main" val="0"/>
@@ -8651,10 +8243,6 @@
                 </a:rPr>
                 <a:t>question</a:t>
               </a:r>
-              <a:endParaRPr lang="en-US" altLang="zh-CN" sz="3200" dirty="0">
-                <a:latin typeface="Arial" panose="020B0604020202020204" pitchFamily="34" charset="0"/>
-                <a:cs typeface="Arial" panose="020B0604020202020204" pitchFamily="34" charset="0"/>
-              </a:endParaRPr>
             </a:p>
           </p:txBody>
         </p:sp>
@@ -8735,65 +8323,8 @@
                 <a:ea typeface="+mj-ea"/>
                 <a:sym typeface="+mn-ea"/>
               </a:rPr>
-              <a:t>维护事件流应该首先确定</a:t>
-            </a:r>
-            <a:r>
-              <a:rPr lang="zh-CN" altLang="en-US" sz="2400" b="1" noProof="0" dirty="0">
-                <a:ln>
-                  <a:noFill/>
-                </a:ln>
-                <a:solidFill>
-                  <a:schemeClr val="tx1">
-                    <a:lumMod val="75000"/>
-                    <a:lumOff val="25000"/>
-                  </a:schemeClr>
-                </a:solidFill>
-                <a:effectLst/>
-                <a:uLnTx/>
-                <a:uFillTx/>
-                <a:latin typeface="+mj-ea"/>
-                <a:ea typeface="+mj-ea"/>
-                <a:sym typeface="+mn-ea"/>
-              </a:rPr>
-              <a:t>什么</a:t>
-            </a:r>
-            <a:r>
-              <a:rPr lang="zh-CN" altLang="en-US" sz="2400" b="1" noProof="0" dirty="0">
-                <a:ln>
-                  <a:noFill/>
-                </a:ln>
-                <a:solidFill>
-                  <a:schemeClr val="tx1">
-                    <a:lumMod val="75000"/>
-                    <a:lumOff val="25000"/>
-                  </a:schemeClr>
-                </a:solidFill>
-                <a:effectLst/>
-                <a:uLnTx/>
-                <a:uFillTx/>
-                <a:latin typeface="+mj-ea"/>
-                <a:ea typeface="+mj-ea"/>
-                <a:sym typeface="+mn-ea"/>
-              </a:rPr>
-              <a:t>？</a:t>
-            </a:r>
-            <a:endParaRPr lang="zh-CN" altLang="en-US" sz="2400" b="1" noProof="0" dirty="0">
-              <a:ln>
-                <a:noFill/>
-              </a:ln>
-              <a:solidFill>
-                <a:schemeClr val="tx1">
-                  <a:lumMod val="75000"/>
-                  <a:lumOff val="25000"/>
-                </a:schemeClr>
-              </a:solidFill>
-              <a:effectLst/>
-              <a:uLnTx/>
-              <a:uFillTx/>
-              <a:latin typeface="+mj-ea"/>
-              <a:ea typeface="+mj-ea"/>
-              <a:sym typeface="+mn-ea"/>
-            </a:endParaRPr>
+              <a:t>维护事件流应该首先确定什么？</a:t>
+            </a:r>
           </a:p>
         </p:txBody>
       </p:sp>
@@ -8873,47 +8404,7 @@
                 <a:ea typeface="+mj-ea"/>
                 <a:sym typeface="+mn-ea"/>
               </a:rPr>
-              <a:t>维护事件流中最后一个事件是</a:t>
-            </a:r>
-            <a:r>
-              <a:rPr lang="zh-CN" altLang="en-US" sz="2400" b="1" noProof="0" dirty="0">
-                <a:ln>
-                  <a:noFill/>
-                </a:ln>
-                <a:solidFill>
-                  <a:schemeClr val="tx1">
-                    <a:lumMod val="75000"/>
-                    <a:lumOff val="25000"/>
-                  </a:schemeClr>
-                </a:solidFill>
-                <a:effectLst/>
-                <a:uLnTx/>
-                <a:uFillTx/>
-                <a:latin typeface="+mj-ea"/>
-                <a:ea typeface="+mj-ea"/>
-                <a:sym typeface="+mn-ea"/>
-              </a:rPr>
-              <a:t>什么</a:t>
-            </a:r>
-            <a:r>
-              <a:rPr lang="zh-CN" altLang="en-US" sz="2400" b="1" noProof="0" dirty="0">
-                <a:ln>
-                  <a:noFill/>
-                </a:ln>
-                <a:solidFill>
-                  <a:schemeClr val="tx1">
-                    <a:lumMod val="75000"/>
-                    <a:lumOff val="25000"/>
-                  </a:schemeClr>
-                </a:solidFill>
-                <a:effectLst/>
-                <a:uLnTx/>
-                <a:uFillTx/>
-                <a:latin typeface="+mj-ea"/>
-                <a:ea typeface="+mj-ea"/>
-                <a:sym typeface="+mn-ea"/>
-              </a:rPr>
-              <a:t>？</a:t>
+              <a:t>维护事件流中最后一个事件是什么？</a:t>
             </a:r>
             <a:endParaRPr kumimoji="0" lang="zh-CN" altLang="en-US" sz="2400" b="1" i="0" u="none" strike="noStrike" kern="1200" cap="none" spc="0" normalizeH="0" baseline="0" noProof="0" dirty="0">
               <a:ln>
@@ -9031,7 +8522,7 @@
                 <a:latin typeface="+mj-ea"/>
                 <a:ea typeface="+mj-ea"/>
                 <a:sym typeface="+mn-ea"/>
-                <a:hlinkClick r:id="rId2" tooltip="" action="ppaction://hlinksldjump"/>
+                <a:hlinkClick r:id="rId3" action="ppaction://hlinksldjump"/>
               </a:rPr>
               <a:t>什么</a:t>
             </a:r>
@@ -9055,23 +8546,6 @@
               </a:rPr>
               <a:t>。（三点即可）</a:t>
             </a:r>
-            <a:endParaRPr lang="zh-CN" altLang="en-US" sz="2400" b="1" noProof="0" dirty="0">
-              <a:ln>
-                <a:noFill/>
-              </a:ln>
-              <a:solidFill>
-                <a:schemeClr val="tx1">
-                  <a:lumMod val="75000"/>
-                  <a:lumOff val="25000"/>
-                </a:schemeClr>
-              </a:solidFill>
-              <a:effectLst/>
-              <a:uLnTx/>
-              <a:uFillTx/>
-              <a:latin typeface="+mj-ea"/>
-              <a:ea typeface="+mj-ea"/>
-              <a:sym typeface="+mn-ea"/>
-            </a:endParaRPr>
           </a:p>
         </p:txBody>
       </p:sp>
@@ -9095,6 +8569,7 @@
           <a:bodyPr wrap="square" rtlCol="0">
             <a:spAutoFit/>
           </a:bodyPr>
+          <a:lstStyle/>
           <a:p>
             <a:r>
               <a:rPr lang="zh-CN" altLang="en-US" sz="2400" b="1" noProof="0" dirty="0">
@@ -9113,26 +8588,7 @@
                 <a:latin typeface="+mj-ea"/>
                 <a:ea typeface="+mj-ea"/>
               </a:rPr>
-              <a:t>维护的</a:t>
-            </a:r>
-            <a:r>
-              <a:rPr lang="zh-CN" altLang="en-US" sz="2400" b="1" noProof="0" dirty="0">
-                <a:ln>
-                  <a:noFill/>
-                </a:ln>
-                <a:solidFill>
-                  <a:schemeClr val="tx1">
-                    <a:lumMod val="75000"/>
-                    <a:lumOff val="25000"/>
-                  </a:schemeClr>
-                </a:solidFill>
-                <a:effectLst/>
-                <a:uLnTx/>
-                <a:uFillTx/>
-                <a:latin typeface="+mj-ea"/>
-                <a:ea typeface="+mj-ea"/>
-              </a:rPr>
-              <a:t>类型</a:t>
+              <a:t>维护的类型</a:t>
             </a:r>
             <a:endParaRPr lang="zh-CN" altLang="en-US"/>
           </a:p>
@@ -9158,6 +8614,7 @@
           <a:bodyPr wrap="square" rtlCol="0">
             <a:spAutoFit/>
           </a:bodyPr>
+          <a:lstStyle/>
           <a:p>
             <a:r>
               <a:rPr lang="zh-CN" altLang="en-US" sz="2400" b="1" noProof="0" dirty="0">
@@ -9178,22 +8635,6 @@
               </a:rPr>
               <a:t>复审</a:t>
             </a:r>
-            <a:endParaRPr lang="zh-CN" altLang="en-US" sz="2400" b="1" noProof="0" dirty="0">
-              <a:ln>
-                <a:noFill/>
-              </a:ln>
-              <a:solidFill>
-                <a:schemeClr val="tx1">
-                  <a:lumMod val="75000"/>
-                  <a:lumOff val="25000"/>
-                </a:schemeClr>
-              </a:solidFill>
-              <a:effectLst/>
-              <a:uLnTx/>
-              <a:uFillTx/>
-              <a:latin typeface="+mj-ea"/>
-              <a:ea typeface="+mj-ea"/>
-            </a:endParaRPr>
           </a:p>
         </p:txBody>
       </p:sp>
@@ -9226,7 +8667,7 @@
                             </p:stCondLst>
                             <p:childTnLst>
                               <p:par>
-                                <p:cTn id="5" presetID="2" presetClass="entr" presetSubtype="4" fill="hold" grpId="0" nodeType="clickEffect">
+                                <p:cTn id="5" presetID="3" presetClass="entr" presetSubtype="10" fill="hold" grpId="0" nodeType="clickEffect">
                                   <p:stCondLst>
                                     <p:cond delay="0"/>
                                   </p:stCondLst>
@@ -9234,97 +8675,6 @@
                                     <p:set>
                                       <p:cBhvr>
                                         <p:cTn id="6" dur="1" fill="hold">
-                                          <p:stCondLst>
-                                            <p:cond delay="0"/>
-                                          </p:stCondLst>
-                                        </p:cTn>
-                                        <p:tgtEl>
-                                          <p:spTgt spid="14"/>
-                                        </p:tgtEl>
-                                        <p:attrNameLst>
-                                          <p:attrName>style.visibility</p:attrName>
-                                        </p:attrNameLst>
-                                      </p:cBhvr>
-                                      <p:to>
-                                        <p:strVal val="visible"/>
-                                      </p:to>
-                                    </p:set>
-                                    <p:anim calcmode="lin" valueType="num">
-                                      <p:cBhvr additive="base">
-                                        <p:cTn id="7" dur="500" fill="hold"/>
-                                        <p:tgtEl>
-                                          <p:spTgt spid="14"/>
-                                        </p:tgtEl>
-                                        <p:attrNameLst>
-                                          <p:attrName>ppt_x</p:attrName>
-                                        </p:attrNameLst>
-                                      </p:cBhvr>
-                                      <p:tavLst>
-                                        <p:tav tm="0">
-                                          <p:val>
-                                            <p:strVal val="#ppt_x"/>
-                                          </p:val>
-                                        </p:tav>
-                                        <p:tav tm="100000">
-                                          <p:val>
-                                            <p:strVal val="#ppt_x"/>
-                                          </p:val>
-                                        </p:tav>
-                                      </p:tavLst>
-                                    </p:anim>
-                                    <p:anim calcmode="lin" valueType="num">
-                                      <p:cBhvr additive="base">
-                                        <p:cTn id="8" dur="500" fill="hold"/>
-                                        <p:tgtEl>
-                                          <p:spTgt spid="14"/>
-                                        </p:tgtEl>
-                                        <p:attrNameLst>
-                                          <p:attrName>ppt_y</p:attrName>
-                                        </p:attrNameLst>
-                                      </p:cBhvr>
-                                      <p:tavLst>
-                                        <p:tav tm="0">
-                                          <p:val>
-                                            <p:strVal val="1+#ppt_h/2"/>
-                                          </p:val>
-                                        </p:tav>
-                                        <p:tav tm="100000">
-                                          <p:val>
-                                            <p:strVal val="#ppt_y"/>
-                                          </p:val>
-                                        </p:tav>
-                                      </p:tavLst>
-                                    </p:anim>
-                                  </p:childTnLst>
-                                </p:cTn>
-                              </p:par>
-                            </p:childTnLst>
-                          </p:cTn>
-                        </p:par>
-                      </p:childTnLst>
-                    </p:cTn>
-                  </p:par>
-                  <p:par>
-                    <p:cTn id="9" fill="hold">
-                      <p:stCondLst>
-                        <p:cond delay="indefinite"/>
-                      </p:stCondLst>
-                      <p:childTnLst>
-                        <p:par>
-                          <p:cTn id="10" fill="hold">
-                            <p:stCondLst>
-                              <p:cond delay="0"/>
-                            </p:stCondLst>
-                            <p:childTnLst>
-                              <p:par>
-                                <p:cTn id="11" presetID="3" presetClass="entr" presetSubtype="10" fill="hold" grpId="0" nodeType="clickEffect">
-                                  <p:stCondLst>
-                                    <p:cond delay="0"/>
-                                  </p:stCondLst>
-                                  <p:childTnLst>
-                                    <p:set>
-                                      <p:cBhvr>
-                                        <p:cTn id="12" dur="1" fill="hold">
                                           <p:stCondLst>
                                             <p:cond delay="0"/>
                                           </p:stCondLst>
@@ -9342,7 +8692,7 @@
                                     </p:set>
                                     <p:animEffect transition="in" filter="blinds(horizontal)">
                                       <p:cBhvr>
-                                        <p:cTn id="13" dur="500"/>
+                                        <p:cTn id="7" dur="500"/>
                                         <p:tgtEl>
                                           <p:spTgt spid="12"/>
                                         </p:tgtEl>
@@ -9358,26 +8708,26 @@
                     </p:cTn>
                   </p:par>
                   <p:par>
-                    <p:cTn id="14" fill="hold">
+                    <p:cTn id="8" fill="hold">
                       <p:stCondLst>
                         <p:cond delay="indefinite"/>
                       </p:stCondLst>
                       <p:childTnLst>
                         <p:par>
-                          <p:cTn id="15" fill="hold">
+                          <p:cTn id="9" fill="hold">
                             <p:stCondLst>
                               <p:cond delay="0"/>
                             </p:stCondLst>
                             <p:childTnLst>
                               <p:par>
-                                <p:cTn id="16" presetID="2" presetClass="entr" presetSubtype="4" fill="hold" grpId="0" nodeType="clickEffect">
+                                <p:cTn id="10" presetID="2" presetClass="entr" presetSubtype="4" fill="hold" grpId="0" nodeType="clickEffect">
                                   <p:stCondLst>
                                     <p:cond delay="0"/>
                                   </p:stCondLst>
                                   <p:childTnLst>
                                     <p:set>
                                       <p:cBhvr>
-                                        <p:cTn id="17" dur="1" fill="hold">
+                                        <p:cTn id="11" dur="1" fill="hold">
                                           <p:stCondLst>
                                             <p:cond delay="0"/>
                                           </p:stCondLst>
@@ -9395,7 +8745,7 @@
                                     </p:set>
                                     <p:anim calcmode="lin" valueType="num">
                                       <p:cBhvr additive="base">
-                                        <p:cTn id="18" dur="500" fill="hold"/>
+                                        <p:cTn id="12" dur="500" fill="hold"/>
                                         <p:tgtEl>
                                           <p:spTgt spid="2"/>
                                         </p:tgtEl>
@@ -9418,7 +8768,7 @@
                                     </p:anim>
                                     <p:anim calcmode="lin" valueType="num">
                                       <p:cBhvr additive="base">
-                                        <p:cTn id="19" dur="500" fill="hold"/>
+                                        <p:cTn id="13" dur="500" fill="hold"/>
                                         <p:tgtEl>
                                           <p:spTgt spid="2"/>
                                         </p:tgtEl>
@@ -9449,26 +8799,26 @@
                     </p:cTn>
                   </p:par>
                   <p:par>
-                    <p:cTn id="20" fill="hold">
+                    <p:cTn id="14" fill="hold">
                       <p:stCondLst>
                         <p:cond delay="indefinite"/>
                       </p:stCondLst>
                       <p:childTnLst>
                         <p:par>
-                          <p:cTn id="21" fill="hold">
+                          <p:cTn id="15" fill="hold">
                             <p:stCondLst>
                               <p:cond delay="0"/>
                             </p:stCondLst>
                             <p:childTnLst>
                               <p:par>
-                                <p:cTn id="22" presetID="3" presetClass="entr" presetSubtype="10" fill="hold" grpId="0" nodeType="clickEffect">
+                                <p:cTn id="16" presetID="3" presetClass="entr" presetSubtype="10" fill="hold" grpId="0" nodeType="clickEffect">
                                   <p:stCondLst>
                                     <p:cond delay="0"/>
                                   </p:stCondLst>
                                   <p:childTnLst>
                                     <p:set>
                                       <p:cBhvr>
-                                        <p:cTn id="23" dur="1" fill="hold">
+                                        <p:cTn id="17" dur="1" fill="hold">
                                           <p:stCondLst>
                                             <p:cond delay="0"/>
                                           </p:stCondLst>
@@ -9486,7 +8836,7 @@
                                     </p:set>
                                     <p:animEffect transition="in" filter="blinds(horizontal)">
                                       <p:cBhvr>
-                                        <p:cTn id="24" dur="500"/>
+                                        <p:cTn id="18" dur="500"/>
                                         <p:tgtEl>
                                           <p:spTgt spid="13"/>
                                         </p:tgtEl>
@@ -9502,26 +8852,26 @@
                     </p:cTn>
                   </p:par>
                   <p:par>
-                    <p:cTn id="25" fill="hold">
+                    <p:cTn id="19" fill="hold">
                       <p:stCondLst>
                         <p:cond delay="indefinite"/>
                       </p:stCondLst>
                       <p:childTnLst>
                         <p:par>
-                          <p:cTn id="26" fill="hold">
+                          <p:cTn id="20" fill="hold">
                             <p:stCondLst>
                               <p:cond delay="0"/>
                             </p:stCondLst>
                             <p:childTnLst>
                               <p:par>
-                                <p:cTn id="27" presetID="2" presetClass="entr" presetSubtype="4" fill="hold" grpId="0" nodeType="clickEffect">
+                                <p:cTn id="21" presetID="2" presetClass="entr" presetSubtype="4" fill="hold" grpId="0" nodeType="clickEffect">
                                   <p:stCondLst>
                                     <p:cond delay="0"/>
                                   </p:stCondLst>
                                   <p:childTnLst>
                                     <p:set>
                                       <p:cBhvr>
-                                        <p:cTn id="28" dur="1" fill="hold">
+                                        <p:cTn id="22" dur="1" fill="hold">
                                           <p:stCondLst>
                                             <p:cond delay="0"/>
                                           </p:stCondLst>
@@ -9539,7 +8889,7 @@
                                     </p:set>
                                     <p:anim calcmode="lin" valueType="num">
                                       <p:cBhvr additive="base">
-                                        <p:cTn id="29" dur="500" fill="hold"/>
+                                        <p:cTn id="23" dur="500" fill="hold"/>
                                         <p:tgtEl>
                                           <p:spTgt spid="6"/>
                                         </p:tgtEl>
@@ -9562,7 +8912,7 @@
                                     </p:anim>
                                     <p:anim calcmode="lin" valueType="num">
                                       <p:cBhvr additive="base">
-                                        <p:cTn id="30" dur="500" fill="hold"/>
+                                        <p:cTn id="24" dur="500" fill="hold"/>
                                         <p:tgtEl>
                                           <p:spTgt spid="6"/>
                                         </p:tgtEl>
@@ -9614,7 +8964,6 @@
       </p:par>
     </p:tnLst>
     <p:bldLst>
-      <p:bldP spid="14" grpId="0"/>
       <p:bldP spid="2" grpId="0"/>
       <p:bldP spid="6" grpId="0"/>
       <p:bldP spid="12" grpId="0"/>
@@ -9650,7 +8999,7 @@
           <p:nvPr/>
         </p:nvPicPr>
         <p:blipFill>
-          <a:blip r:embed="rId1">
+          <a:blip r:embed="rId2">
             <a:extLst>
               <a:ext uri="{28A0092B-C50C-407E-A947-70E740481C1C}">
                 <a14:useLocalDpi xmlns:a14="http://schemas.microsoft.com/office/drawing/2010/main" val="0"/>
@@ -10011,13 +9360,6 @@
               </a:rPr>
               <a:t>参考文献</a:t>
             </a:r>
-            <a:endParaRPr lang="zh-CN" altLang="en-US" sz="3200" b="1" dirty="0">
-              <a:solidFill>
-                <a:schemeClr val="bg1"/>
-              </a:solidFill>
-              <a:latin typeface="Arial" panose="020B0604020202020204" pitchFamily="34" charset="0"/>
-              <a:cs typeface="Arial" panose="020B0604020202020204" pitchFamily="34" charset="0"/>
-            </a:endParaRPr>
           </a:p>
         </p:txBody>
       </p:sp>
@@ -10182,12 +9524,6 @@
               </a:rPr>
               <a:t>. </a:t>
             </a:r>
-            <a:endParaRPr lang="en-US" altLang="zh-CN" sz="1400" dirty="0">
-              <a:solidFill>
-                <a:srgbClr val="404040"/>
-              </a:solidFill>
-              <a:latin typeface="微软雅黑" panose="020B0503020204020204" pitchFamily="34" charset="-122"/>
-            </a:endParaRPr>
           </a:p>
         </p:txBody>
       </p:sp>
@@ -10196,25 +9532,18 @@
   <p:clrMapOvr>
     <a:masterClrMapping/>
   </p:clrMapOvr>
-  <mc:AlternateContent xmlns:mc="http://schemas.openxmlformats.org/markup-compatibility/2006">
-    <mc:Choice xmlns:p14="http://schemas.microsoft.com/office/powerpoint/2010/main" Requires="p14">
+  <mc:AlternateContent xmlns:mc="http://schemas.openxmlformats.org/markup-compatibility/2006" xmlns:p14="http://schemas.microsoft.com/office/powerpoint/2010/main">
+    <mc:Choice Requires="p14">
       <p:transition spd="slow" p14:dur="2000">
         <p14:prism isContent="1"/>
       </p:transition>
     </mc:Choice>
-    <mc:Fallback>
+    <mc:Fallback xmlns="">
       <p:transition spd="slow">
         <p:fade/>
       </p:transition>
     </mc:Fallback>
   </mc:AlternateContent>
-  <p:timing>
-    <p:tnLst>
-      <p:par>
-        <p:cTn id="1" dur="indefinite" restart="never" nodeType="tmRoot"/>
-      </p:par>
-    </p:tnLst>
-  </p:timing>
 </p:sld>
 </file>
 
@@ -10244,7 +9573,7 @@
           <p:nvPr/>
         </p:nvPicPr>
         <p:blipFill>
-          <a:blip r:embed="rId1">
+          <a:blip r:embed="rId2">
             <a:extLst>
               <a:ext uri="{28A0092B-C50C-407E-A947-70E740481C1C}">
                 <a14:useLocalDpi xmlns:a14="http://schemas.microsoft.com/office/drawing/2010/main" val="0"/>
@@ -10569,10 +9898,6 @@
                 </a:rPr>
                 <a:t>组员绩效考评</a:t>
               </a:r>
-              <a:endParaRPr lang="zh-CN" altLang="en-US" sz="3200" dirty="0">
-                <a:latin typeface="Arial" panose="020B0604020202020204" pitchFamily="34" charset="0"/>
-                <a:cs typeface="Arial" panose="020B0604020202020204" pitchFamily="34" charset="0"/>
-              </a:endParaRPr>
             </a:p>
           </p:txBody>
         </p:sp>
@@ -10616,6 +9941,7 @@
         </p:style>
         <p:txBody>
           <a:bodyPr anchor="ctr"/>
+          <a:lstStyle/>
           <a:p>
             <a:pPr marL="0" marR="0" lvl="0" indent="0" algn="ctr" defTabSz="912495" rtl="0" eaLnBrk="1" fontAlgn="base" latinLnBrk="0" hangingPunct="1">
               <a:lnSpc>
@@ -10673,6 +9999,7 @@
           <a:bodyPr anchor="t">
             <a:spAutoFit/>
           </a:bodyPr>
+          <a:lstStyle/>
           <a:p>
             <a:pPr>
               <a:lnSpc>
@@ -10697,7 +10024,7 @@
                 <a:latin typeface="微软雅黑" panose="020B0503020204020204" pitchFamily="34" charset="-122"/>
                 <a:ea typeface="微软雅黑" panose="020B0503020204020204" pitchFamily="34" charset="-122"/>
               </a:rPr>
-              <a:t>95</a:t>
+              <a:t>96</a:t>
             </a:r>
             <a:r>
               <a:rPr lang="zh-CN" altLang="en-US" sz="2400" dirty="0">
@@ -10751,27 +10078,8 @@
                 <a:ea typeface="微软雅黑" panose="020B0503020204020204" pitchFamily="34" charset="-122"/>
                 <a:sym typeface="+mn-ea"/>
               </a:rPr>
-              <a:t>终稿</a:t>
-            </a:r>
-            <a:r>
-              <a:rPr lang="zh-CN" altLang="en-US" dirty="0">
-                <a:solidFill>
-                  <a:srgbClr val="404040"/>
-                </a:solidFill>
-                <a:latin typeface="微软雅黑" panose="020B0503020204020204" pitchFamily="34" charset="-122"/>
-                <a:ea typeface="微软雅黑" panose="020B0503020204020204" pitchFamily="34" charset="-122"/>
-                <a:sym typeface="+mn-ea"/>
-              </a:rPr>
-              <a:t>。</a:t>
-            </a:r>
-            <a:endParaRPr lang="zh-CN" altLang="en-US" dirty="0">
-              <a:solidFill>
-                <a:srgbClr val="404040"/>
-              </a:solidFill>
-              <a:latin typeface="微软雅黑" panose="020B0503020204020204" pitchFamily="34" charset="-122"/>
-              <a:ea typeface="微软雅黑" panose="020B0503020204020204" pitchFamily="34" charset="-122"/>
-              <a:sym typeface="+mn-ea"/>
-            </a:endParaRPr>
+              <a:t>终稿。</a:t>
+            </a:r>
           </a:p>
           <a:p>
             <a:pPr>
@@ -10797,7 +10105,7 @@
                 <a:latin typeface="微软雅黑" panose="020B0503020204020204" pitchFamily="34" charset="-122"/>
                 <a:ea typeface="微软雅黑" panose="020B0503020204020204" pitchFamily="34" charset="-122"/>
               </a:rPr>
-              <a:t>95</a:t>
+              <a:t>94</a:t>
             </a:r>
             <a:r>
               <a:rPr lang="zh-CN" altLang="en-US" sz="2400" dirty="0">
@@ -10849,13 +10157,6 @@
               </a:rPr>
               <a:t>初稿。</a:t>
             </a:r>
-            <a:endParaRPr lang="zh-CN" altLang="en-US" dirty="0">
-              <a:solidFill>
-                <a:srgbClr val="404040"/>
-              </a:solidFill>
-              <a:latin typeface="微软雅黑" panose="020B0503020204020204" pitchFamily="34" charset="-122"/>
-              <a:ea typeface="微软雅黑" panose="020B0503020204020204" pitchFamily="34" charset="-122"/>
-            </a:endParaRPr>
           </a:p>
           <a:p>
             <a:pPr>
@@ -10931,25 +10232,8 @@
                 <a:latin typeface="微软雅黑" panose="020B0503020204020204" pitchFamily="34" charset="-122"/>
                 <a:ea typeface="微软雅黑" panose="020B0503020204020204" pitchFamily="34" charset="-122"/>
               </a:rPr>
-              <a:t>讲解</a:t>
-            </a:r>
-            <a:r>
-              <a:rPr lang="zh-CN" altLang="en-US" dirty="0">
-                <a:solidFill>
-                  <a:srgbClr val="404040"/>
-                </a:solidFill>
-                <a:latin typeface="微软雅黑" panose="020B0503020204020204" pitchFamily="34" charset="-122"/>
-                <a:ea typeface="微软雅黑" panose="020B0503020204020204" pitchFamily="34" charset="-122"/>
-              </a:rPr>
-              <a:t>。</a:t>
-            </a:r>
-            <a:endParaRPr lang="zh-CN" altLang="en-US" dirty="0">
-              <a:solidFill>
-                <a:srgbClr val="404040"/>
-              </a:solidFill>
-              <a:latin typeface="微软雅黑" panose="020B0503020204020204" pitchFamily="34" charset="-122"/>
-              <a:ea typeface="微软雅黑" panose="020B0503020204020204" pitchFamily="34" charset="-122"/>
-            </a:endParaRPr>
+              <a:t>讲解。</a:t>
+            </a:r>
           </a:p>
         </p:txBody>
       </p:sp>
@@ -10961,13 +10245,6 @@
   <p:transition spd="slow">
     <p:push dir="u"/>
   </p:transition>
-  <p:timing>
-    <p:tnLst>
-      <p:par>
-        <p:cTn id="1" dur="indefinite" restart="never" nodeType="tmRoot"/>
-      </p:par>
-    </p:tnLst>
-  </p:timing>
 </p:sld>
 </file>
 
@@ -11122,20 +10399,6 @@
               </a:rPr>
               <a:t>www.1ppt.com/sucai/</a:t>
             </a:r>
-            <a:endParaRPr kumimoji="0" lang="en-US" altLang="zh-CN" sz="100" b="0" i="0" u="none" strike="noStrike" kern="0" cap="none" spc="0" normalizeH="0" baseline="0" noProof="0" dirty="0">
-              <a:ln>
-                <a:noFill/>
-              </a:ln>
-              <a:solidFill>
-                <a:sysClr val="window" lastClr="FFFFFF"/>
-              </a:solidFill>
-              <a:effectLst/>
-              <a:uLnTx/>
-              <a:uFillTx/>
-              <a:latin typeface="Calibri" panose="020F0502020204030204"/>
-              <a:ea typeface="宋体" panose="02010600030101010101" pitchFamily="2" charset="-122"/>
-              <a:cs typeface="+mn-cs"/>
-            </a:endParaRPr>
           </a:p>
           <a:p>
             <a:pPr marL="0" marR="0" lvl="0" indent="0" defTabSz="914400" eaLnBrk="1" fontAlgn="auto" latinLnBrk="0" hangingPunct="1">
@@ -11239,20 +10502,6 @@
               </a:rPr>
               <a:t>www.1ppt.com/tubiao/      </a:t>
             </a:r>
-            <a:endParaRPr kumimoji="0" lang="en-US" altLang="zh-CN" sz="100" b="0" i="0" u="none" strike="noStrike" kern="0" cap="none" spc="0" normalizeH="0" baseline="0" noProof="0" dirty="0">
-              <a:ln>
-                <a:noFill/>
-              </a:ln>
-              <a:solidFill>
-                <a:sysClr val="window" lastClr="FFFFFF"/>
-              </a:solidFill>
-              <a:effectLst/>
-              <a:uLnTx/>
-              <a:uFillTx/>
-              <a:latin typeface="Calibri" panose="020F0502020204030204"/>
-              <a:ea typeface="宋体" panose="02010600030101010101" pitchFamily="2" charset="-122"/>
-              <a:cs typeface="+mn-cs"/>
-            </a:endParaRPr>
           </a:p>
           <a:p>
             <a:pPr marL="0" marR="0" lvl="0" indent="0" defTabSz="914400" eaLnBrk="1" fontAlgn="auto" latinLnBrk="0" hangingPunct="1">
@@ -11356,20 +10605,6 @@
               </a:rPr>
               <a:t>www.1ppt.com/powerpoint/      </a:t>
             </a:r>
-            <a:endParaRPr kumimoji="0" lang="en-US" altLang="zh-CN" sz="100" b="0" i="0" u="none" strike="noStrike" kern="0" cap="none" spc="0" normalizeH="0" baseline="0" noProof="0" dirty="0">
-              <a:ln>
-                <a:noFill/>
-              </a:ln>
-              <a:solidFill>
-                <a:sysClr val="window" lastClr="FFFFFF"/>
-              </a:solidFill>
-              <a:effectLst/>
-              <a:uLnTx/>
-              <a:uFillTx/>
-              <a:latin typeface="Calibri" panose="020F0502020204030204"/>
-              <a:ea typeface="宋体" panose="02010600030101010101" pitchFamily="2" charset="-122"/>
-              <a:cs typeface="+mn-cs"/>
-            </a:endParaRPr>
           </a:p>
           <a:p>
             <a:pPr marL="0" marR="0" lvl="0" indent="0" defTabSz="914400" eaLnBrk="1" fontAlgn="auto" latinLnBrk="0" hangingPunct="1">
@@ -11456,20 +10691,6 @@
               </a:rPr>
               <a:t>www.1ppt.com/fanwen/             </a:t>
             </a:r>
-            <a:endParaRPr kumimoji="0" lang="en-US" altLang="zh-CN" sz="100" b="0" i="0" u="none" strike="noStrike" kern="0" cap="none" spc="0" normalizeH="0" baseline="0" noProof="0" dirty="0">
-              <a:ln>
-                <a:noFill/>
-              </a:ln>
-              <a:solidFill>
-                <a:sysClr val="window" lastClr="FFFFFF"/>
-              </a:solidFill>
-              <a:effectLst/>
-              <a:uLnTx/>
-              <a:uFillTx/>
-              <a:latin typeface="Calibri" panose="020F0502020204030204"/>
-              <a:ea typeface="宋体" panose="02010600030101010101" pitchFamily="2" charset="-122"/>
-              <a:cs typeface="+mn-cs"/>
-            </a:endParaRPr>
           </a:p>
           <a:p>
             <a:pPr marL="0" marR="0" lvl="0" indent="0" defTabSz="914400" eaLnBrk="1" fontAlgn="auto" latinLnBrk="0" hangingPunct="1">
@@ -11556,20 +10777,6 @@
               </a:rPr>
               <a:t>www.1ppt.com/jiaoan/               </a:t>
             </a:r>
-            <a:endParaRPr kumimoji="0" lang="en-US" altLang="zh-CN" sz="100" b="0" i="0" u="none" strike="noStrike" kern="0" cap="none" spc="0" normalizeH="0" baseline="0" noProof="0" dirty="0">
-              <a:ln>
-                <a:noFill/>
-              </a:ln>
-              <a:solidFill>
-                <a:sysClr val="window" lastClr="FFFFFF"/>
-              </a:solidFill>
-              <a:effectLst/>
-              <a:uLnTx/>
-              <a:uFillTx/>
-              <a:latin typeface="Calibri" panose="020F0502020204030204"/>
-              <a:ea typeface="宋体" panose="02010600030101010101" pitchFamily="2" charset="-122"/>
-              <a:cs typeface="+mn-cs"/>
-            </a:endParaRPr>
           </a:p>
           <a:p>
             <a:pPr marL="0" marR="0" lvl="0" indent="0" defTabSz="914400" eaLnBrk="1" fontAlgn="auto" latinLnBrk="0" hangingPunct="1">
@@ -11673,20 +10880,6 @@
               </a:rPr>
               <a:t>www.1ppt.com/kejian/ </a:t>
             </a:r>
-            <a:endParaRPr kumimoji="0" lang="en-US" altLang="zh-CN" sz="100" b="0" i="0" u="none" strike="noStrike" kern="0" cap="none" spc="0" normalizeH="0" baseline="0" noProof="0" dirty="0">
-              <a:ln>
-                <a:noFill/>
-              </a:ln>
-              <a:solidFill>
-                <a:sysClr val="window" lastClr="FFFFFF"/>
-              </a:solidFill>
-              <a:effectLst/>
-              <a:uLnTx/>
-              <a:uFillTx/>
-              <a:latin typeface="Calibri" panose="020F0502020204030204"/>
-              <a:ea typeface="宋体" panose="02010600030101010101" pitchFamily="2" charset="-122"/>
-              <a:cs typeface="+mn-cs"/>
-            </a:endParaRPr>
           </a:p>
           <a:p>
             <a:pPr marL="0" marR="0" lvl="0" indent="0" defTabSz="914400" eaLnBrk="1" fontAlgn="auto" latinLnBrk="0" hangingPunct="1">
@@ -11773,20 +10966,6 @@
               </a:rPr>
               <a:t>www.1ppt.com/kejian/shuxue/ </a:t>
             </a:r>
-            <a:endParaRPr kumimoji="0" lang="en-US" altLang="zh-CN" sz="100" b="0" i="0" u="none" strike="noStrike" kern="0" cap="none" spc="0" normalizeH="0" baseline="0" noProof="0" dirty="0">
-              <a:ln>
-                <a:noFill/>
-              </a:ln>
-              <a:solidFill>
-                <a:sysClr val="window" lastClr="FFFFFF"/>
-              </a:solidFill>
-              <a:effectLst/>
-              <a:uLnTx/>
-              <a:uFillTx/>
-              <a:latin typeface="Calibri" panose="020F0502020204030204"/>
-              <a:ea typeface="宋体" panose="02010600030101010101" pitchFamily="2" charset="-122"/>
-              <a:cs typeface="+mn-cs"/>
-            </a:endParaRPr>
           </a:p>
           <a:p>
             <a:pPr marL="0" marR="0" lvl="0" indent="0" defTabSz="914400" eaLnBrk="1" fontAlgn="auto" latinLnBrk="0" hangingPunct="1">
@@ -11873,20 +11052,6 @@
               </a:rPr>
               <a:t>www.1ppt.com/kejian/meishu/ </a:t>
             </a:r>
-            <a:endParaRPr kumimoji="0" lang="en-US" altLang="zh-CN" sz="100" b="0" i="0" u="none" strike="noStrike" kern="0" cap="none" spc="0" normalizeH="0" baseline="0" noProof="0" dirty="0">
-              <a:ln>
-                <a:noFill/>
-              </a:ln>
-              <a:solidFill>
-                <a:sysClr val="window" lastClr="FFFFFF"/>
-              </a:solidFill>
-              <a:effectLst/>
-              <a:uLnTx/>
-              <a:uFillTx/>
-              <a:latin typeface="Calibri" panose="020F0502020204030204"/>
-              <a:ea typeface="宋体" panose="02010600030101010101" pitchFamily="2" charset="-122"/>
-              <a:cs typeface="+mn-cs"/>
-            </a:endParaRPr>
           </a:p>
           <a:p>
             <a:pPr marL="0" marR="0" lvl="0" indent="0" defTabSz="914400" eaLnBrk="1" fontAlgn="auto" latinLnBrk="0" hangingPunct="1">
@@ -11973,20 +11138,6 @@
               </a:rPr>
               <a:t>www.1ppt.com/kejian/wuli/ </a:t>
             </a:r>
-            <a:endParaRPr kumimoji="0" lang="en-US" altLang="zh-CN" sz="100" b="0" i="0" u="none" strike="noStrike" kern="0" cap="none" spc="0" normalizeH="0" baseline="0" noProof="0" dirty="0">
-              <a:ln>
-                <a:noFill/>
-              </a:ln>
-              <a:solidFill>
-                <a:sysClr val="window" lastClr="FFFFFF"/>
-              </a:solidFill>
-              <a:effectLst/>
-              <a:uLnTx/>
-              <a:uFillTx/>
-              <a:latin typeface="Calibri" panose="020F0502020204030204"/>
-              <a:ea typeface="宋体" panose="02010600030101010101" pitchFamily="2" charset="-122"/>
-              <a:cs typeface="+mn-cs"/>
-            </a:endParaRPr>
           </a:p>
           <a:p>
             <a:pPr marL="0" marR="0" lvl="0" indent="0" defTabSz="914400" eaLnBrk="1" fontAlgn="auto" latinLnBrk="0" hangingPunct="1">
@@ -12073,20 +11224,6 @@
               </a:rPr>
               <a:t>www.1ppt.com/kejian/shengwu/ </a:t>
             </a:r>
-            <a:endParaRPr kumimoji="0" lang="en-US" altLang="zh-CN" sz="100" b="0" i="0" u="none" strike="noStrike" kern="0" cap="none" spc="0" normalizeH="0" baseline="0" noProof="0" dirty="0">
-              <a:ln>
-                <a:noFill/>
-              </a:ln>
-              <a:solidFill>
-                <a:sysClr val="window" lastClr="FFFFFF"/>
-              </a:solidFill>
-              <a:effectLst/>
-              <a:uLnTx/>
-              <a:uFillTx/>
-              <a:latin typeface="Calibri" panose="020F0502020204030204"/>
-              <a:ea typeface="宋体" panose="02010600030101010101" pitchFamily="2" charset="-122"/>
-              <a:cs typeface="+mn-cs"/>
-            </a:endParaRPr>
           </a:p>
           <a:p>
             <a:pPr marL="0" marR="0" lvl="0" indent="0" defTabSz="914400" eaLnBrk="1" fontAlgn="auto" latinLnBrk="0" hangingPunct="1">
@@ -12173,20 +11310,6 @@
               </a:rPr>
               <a:t>www.1ppt.com/kejian/lishi/        </a:t>
             </a:r>
-            <a:endParaRPr kumimoji="0" lang="en-US" altLang="zh-CN" sz="100" b="0" i="0" u="none" strike="noStrike" kern="0" cap="none" spc="0" normalizeH="0" baseline="0" noProof="0" dirty="0">
-              <a:ln>
-                <a:noFill/>
-              </a:ln>
-              <a:solidFill>
-                <a:sysClr val="window" lastClr="FFFFFF"/>
-              </a:solidFill>
-              <a:effectLst/>
-              <a:uLnTx/>
-              <a:uFillTx/>
-              <a:latin typeface="Calibri" panose="020F0502020204030204"/>
-              <a:ea typeface="宋体" panose="02010600030101010101" pitchFamily="2" charset="-122"/>
-              <a:cs typeface="+mn-cs"/>
-            </a:endParaRPr>
           </a:p>
         </p:txBody>
       </p:sp>
@@ -12199,7 +11322,7 @@
           <p:nvPr/>
         </p:nvPicPr>
         <p:blipFill>
-          <a:blip r:embed="rId1">
+          <a:blip r:embed="rId2">
             <a:extLst>
               <a:ext uri="{28A0092B-C50C-407E-A947-70E740481C1C}">
                 <a14:useLocalDpi xmlns:a14="http://schemas.microsoft.com/office/drawing/2010/main" val="0"/>
@@ -12280,7 +11403,7 @@
           <p:nvPr/>
         </p:nvPicPr>
         <p:blipFill>
-          <a:blip r:embed="rId2"/>
+          <a:blip r:embed="rId3"/>
           <a:stretch>
             <a:fillRect/>
           </a:stretch>
@@ -12718,22 +11841,6 @@
               </a:rPr>
               <a:t>感谢聆听</a:t>
             </a:r>
-            <a:endParaRPr kumimoji="1" lang="zh-CN" altLang="en-US" sz="4000" b="1" i="0" u="none" strike="noStrike" kern="1200" cap="none" spc="0" normalizeH="0" baseline="0" noProof="0" dirty="0">
-              <a:ln>
-                <a:noFill/>
-              </a:ln>
-              <a:solidFill>
-                <a:schemeClr val="accent1">
-                  <a:lumMod val="75000"/>
-                </a:schemeClr>
-              </a:solidFill>
-              <a:effectLst/>
-              <a:uLnTx/>
-              <a:uFillTx/>
-              <a:latin typeface="+mn-lt"/>
-              <a:ea typeface="+mn-ea"/>
-              <a:cs typeface="+mn-cs"/>
-            </a:endParaRPr>
           </a:p>
         </p:txBody>
       </p:sp>
@@ -12974,7 +12081,6 @@
               <a:rPr kumimoji="1" lang="zh-CN" altLang="en-US" dirty="0"/>
               <a:t>小组所有成员</a:t>
             </a:r>
-            <a:endParaRPr kumimoji="1" lang="zh-CN" altLang="en-US" dirty="0"/>
           </a:p>
         </p:txBody>
       </p:sp>
@@ -12986,13 +12092,6 @@
   <p:transition spd="slow">
     <p:wipe/>
   </p:transition>
-  <p:timing>
-    <p:tnLst>
-      <p:par>
-        <p:cTn id="1" dur="indefinite" restart="never" nodeType="tmRoot"/>
-      </p:par>
-    </p:tnLst>
-  </p:timing>
 </p:sld>
 </file>
 
@@ -13510,7 +12609,7 @@
           <a:p>
             <a:pPr algn="ctr"/>
             <a:r>
-              <a:rPr lang="en-US" altLang="zh-CN" sz="5400" b="1" dirty="0" smtClean="0">
+              <a:rPr lang="en-US" altLang="zh-CN" sz="5400" b="1" dirty="0">
                 <a:solidFill>
                   <a:schemeClr val="bg1"/>
                 </a:solidFill>
@@ -13519,18 +12618,11 @@
               </a:rPr>
               <a:t>CON</a:t>
             </a:r>
-            <a:endParaRPr lang="en-US" altLang="zh-CN" sz="5400" b="1" dirty="0" smtClean="0">
-              <a:solidFill>
-                <a:schemeClr val="bg1"/>
-              </a:solidFill>
-              <a:latin typeface="Arial" panose="020B0604020202020204" pitchFamily="34" charset="0"/>
-              <a:cs typeface="Arial" panose="020B0604020202020204" pitchFamily="34" charset="0"/>
-            </a:endParaRPr>
           </a:p>
           <a:p>
             <a:pPr algn="ctr"/>
             <a:r>
-              <a:rPr lang="en-US" altLang="zh-CN" sz="3600" b="1" dirty="0" smtClean="0">
+              <a:rPr lang="en-US" altLang="zh-CN" sz="3600" b="1" dirty="0">
                 <a:solidFill>
                   <a:schemeClr val="bg1"/>
                 </a:solidFill>
@@ -14319,7 +13411,7 @@
               <a:p>
                 <a:pPr algn="ctr" eaLnBrk="1" hangingPunct="1"/>
                 <a:r>
-                  <a:rPr lang="en-US" altLang="zh-CN" sz="2400" dirty="0" smtClean="0">
+                  <a:rPr lang="en-US" altLang="zh-CN" sz="2400" dirty="0">
                     <a:solidFill>
                       <a:schemeClr val="bg1"/>
                     </a:solidFill>
@@ -14361,7 +13453,7 @@
           <a:p>
             <a:pPr eaLnBrk="1" hangingPunct="1"/>
             <a:r>
-              <a:rPr lang="zh-CN" altLang="en-US" sz="2000" b="1" dirty="0" smtClean="0">
+              <a:rPr lang="zh-CN" altLang="en-US" sz="2000" b="1" dirty="0">
                 <a:solidFill>
                   <a:srgbClr val="346182"/>
                 </a:solidFill>
@@ -14407,7 +13499,7 @@
           <a:p>
             <a:pPr eaLnBrk="1" hangingPunct="1"/>
             <a:r>
-              <a:rPr lang="zh-CN" altLang="en-US" sz="2000" b="1" dirty="0" smtClean="0">
+              <a:rPr lang="zh-CN" altLang="en-US" sz="2000" b="1" dirty="0">
                 <a:solidFill>
                   <a:srgbClr val="346182"/>
                 </a:solidFill>
@@ -14415,12 +13507,6 @@
               </a:rPr>
               <a:t>维护报告</a:t>
             </a:r>
-            <a:endParaRPr lang="zh-CN" altLang="en-US" sz="2000" b="1" dirty="0">
-              <a:solidFill>
-                <a:srgbClr val="346182"/>
-              </a:solidFill>
-              <a:latin typeface="微软雅黑" panose="020B0503020204020204" pitchFamily="34" charset="-122"/>
-            </a:endParaRPr>
           </a:p>
         </p:txBody>
       </p:sp>
@@ -14590,7 +13676,7 @@
               <a:p>
                 <a:pPr algn="ctr" eaLnBrk="1" hangingPunct="1"/>
                 <a:r>
-                  <a:rPr lang="en-US" altLang="zh-CN" sz="2400" dirty="0" smtClean="0">
+                  <a:rPr lang="en-US" altLang="zh-CN" sz="2400" dirty="0">
                     <a:solidFill>
                       <a:schemeClr val="bg1"/>
                     </a:solidFill>
@@ -14598,12 +13684,6 @@
                   </a:rPr>
                   <a:t>44</a:t>
                 </a:r>
-                <a:endParaRPr lang="en-US" altLang="zh-CN" sz="2400" dirty="0">
-                  <a:solidFill>
-                    <a:schemeClr val="bg1"/>
-                  </a:solidFill>
-                  <a:latin typeface="微软雅黑" panose="020B0503020204020204" pitchFamily="34" charset="-122"/>
-                </a:endParaRPr>
               </a:p>
             </p:txBody>
           </p:sp>
@@ -14636,7 +13716,7 @@
           <a:p>
             <a:pPr eaLnBrk="1" hangingPunct="1"/>
             <a:r>
-              <a:rPr lang="zh-CN" altLang="en-US" sz="2000" b="1" dirty="0" smtClean="0">
+              <a:rPr lang="zh-CN" altLang="en-US" sz="2000" b="1" dirty="0">
                 <a:solidFill>
                   <a:srgbClr val="346182"/>
                 </a:solidFill>
@@ -14644,12 +13724,6 @@
               </a:rPr>
               <a:t>保存维护记录</a:t>
             </a:r>
-            <a:endParaRPr lang="zh-CN" altLang="en-US" sz="2000" b="1" dirty="0">
-              <a:solidFill>
-                <a:srgbClr val="346182"/>
-              </a:solidFill>
-              <a:latin typeface="微软雅黑" panose="020B0503020204020204" pitchFamily="34" charset="-122"/>
-            </a:endParaRPr>
           </a:p>
         </p:txBody>
       </p:sp>
@@ -14680,7 +13754,7 @@
           <a:p>
             <a:pPr eaLnBrk="1" hangingPunct="1"/>
             <a:r>
-              <a:rPr lang="zh-CN" altLang="en-US" sz="2000" b="1" dirty="0" smtClean="0">
+              <a:rPr lang="zh-CN" altLang="en-US" sz="2000" b="1" dirty="0">
                 <a:solidFill>
                   <a:srgbClr val="346182"/>
                 </a:solidFill>
@@ -14688,12 +13762,6 @@
               </a:rPr>
               <a:t>评价维护活动</a:t>
             </a:r>
-            <a:endParaRPr lang="zh-CN" altLang="en-US" sz="2000" b="1" dirty="0">
-              <a:solidFill>
-                <a:srgbClr val="346182"/>
-              </a:solidFill>
-              <a:latin typeface="微软雅黑" panose="020B0503020204020204" pitchFamily="34" charset="-122"/>
-            </a:endParaRPr>
           </a:p>
         </p:txBody>
       </p:sp>
@@ -14863,7 +13931,7 @@
               <a:p>
                 <a:pPr algn="ctr" eaLnBrk="1" hangingPunct="1"/>
                 <a:r>
-                  <a:rPr lang="en-US" altLang="zh-CN" sz="2400" dirty="0" smtClean="0">
+                  <a:rPr lang="en-US" altLang="zh-CN" sz="2400" dirty="0">
                     <a:solidFill>
                       <a:schemeClr val="bg1"/>
                     </a:solidFill>
@@ -14871,12 +13939,6 @@
                   </a:rPr>
                   <a:t>55</a:t>
                 </a:r>
-                <a:endParaRPr lang="en-US" altLang="zh-CN" sz="2400" dirty="0">
-                  <a:solidFill>
-                    <a:schemeClr val="bg1"/>
-                  </a:solidFill>
-                  <a:latin typeface="微软雅黑" panose="020B0503020204020204" pitchFamily="34" charset="-122"/>
-                </a:endParaRPr>
               </a:p>
             </p:txBody>
           </p:sp>
@@ -15094,7 +14156,7 @@
           <a:p>
             <a:pPr eaLnBrk="1" hangingPunct="1"/>
             <a:r>
-              <a:rPr lang="zh-CN" altLang="en-US" sz="2000" b="1" dirty="0" smtClean="0">
+              <a:rPr lang="zh-CN" altLang="en-US" sz="2000" b="1" dirty="0">
                 <a:solidFill>
                   <a:srgbClr val="346182"/>
                 </a:solidFill>
@@ -15102,12 +14164,6 @@
               </a:rPr>
               <a:t>维护事件流</a:t>
             </a:r>
-            <a:endParaRPr lang="zh-CN" altLang="en-US" sz="2000" b="1" dirty="0">
-              <a:solidFill>
-                <a:srgbClr val="346182"/>
-              </a:solidFill>
-              <a:latin typeface="微软雅黑" panose="020B0503020204020204" pitchFamily="34" charset="-122"/>
-            </a:endParaRPr>
           </a:p>
         </p:txBody>
       </p:sp>
@@ -15138,7 +14194,7 @@
           <a:p>
             <a:pPr eaLnBrk="1" hangingPunct="1"/>
             <a:r>
-              <a:rPr lang="zh-CN" altLang="en-US" sz="2000" b="1" dirty="0" smtClean="0">
+              <a:rPr lang="zh-CN" altLang="en-US" sz="2000" b="1" dirty="0">
                 <a:solidFill>
                   <a:srgbClr val="346182"/>
                 </a:solidFill>
@@ -15146,12 +14202,6 @@
               </a:rPr>
               <a:t>参考文献</a:t>
             </a:r>
-            <a:endParaRPr lang="zh-CN" altLang="en-US" sz="2000" b="1" dirty="0">
-              <a:solidFill>
-                <a:srgbClr val="346182"/>
-              </a:solidFill>
-              <a:latin typeface="微软雅黑" panose="020B0503020204020204" pitchFamily="34" charset="-122"/>
-            </a:endParaRPr>
           </a:p>
         </p:txBody>
       </p:sp>
@@ -15321,7 +14371,7 @@
               <a:p>
                 <a:pPr algn="ctr" eaLnBrk="1" hangingPunct="1"/>
                 <a:r>
-                  <a:rPr lang="en-US" altLang="zh-CN" sz="2400" dirty="0" smtClean="0">
+                  <a:rPr lang="en-US" altLang="zh-CN" sz="2400" dirty="0">
                     <a:solidFill>
                       <a:schemeClr val="bg1"/>
                     </a:solidFill>
@@ -15329,12 +14379,6 @@
                   </a:rPr>
                   <a:t>6</a:t>
                 </a:r>
-                <a:endParaRPr lang="en-US" altLang="zh-CN" sz="2400" dirty="0">
-                  <a:solidFill>
-                    <a:schemeClr val="bg1"/>
-                  </a:solidFill>
-                  <a:latin typeface="微软雅黑" panose="020B0503020204020204" pitchFamily="34" charset="-122"/>
-                </a:endParaRPr>
               </a:p>
             </p:txBody>
           </p:sp>
@@ -15367,7 +14411,7 @@
           <a:p>
             <a:pPr eaLnBrk="1" hangingPunct="1"/>
             <a:r>
-              <a:rPr lang="zh-CN" altLang="en-US" sz="2000" b="1" dirty="0" smtClean="0">
+              <a:rPr lang="zh-CN" altLang="en-US" sz="2000" b="1" dirty="0">
                 <a:solidFill>
                   <a:srgbClr val="346182"/>
                 </a:solidFill>
@@ -15375,12 +14419,6 @@
               </a:rPr>
               <a:t>小组分工及考评</a:t>
             </a:r>
-            <a:endParaRPr lang="zh-CN" altLang="en-US" sz="2000" b="1" dirty="0">
-              <a:solidFill>
-                <a:srgbClr val="346182"/>
-              </a:solidFill>
-              <a:latin typeface="微软雅黑" panose="020B0503020204020204" pitchFamily="34" charset="-122"/>
-            </a:endParaRPr>
           </a:p>
         </p:txBody>
       </p:sp>
@@ -15550,7 +14588,7 @@
               <a:p>
                 <a:pPr algn="ctr" eaLnBrk="1" hangingPunct="1"/>
                 <a:r>
-                  <a:rPr lang="en-US" altLang="zh-CN" sz="2400" dirty="0" smtClean="0">
+                  <a:rPr lang="en-US" altLang="zh-CN" sz="2400" dirty="0">
                     <a:solidFill>
                       <a:schemeClr val="bg1"/>
                     </a:solidFill>
@@ -15558,12 +14596,6 @@
                   </a:rPr>
                   <a:t>7</a:t>
                 </a:r>
-                <a:endParaRPr lang="en-US" altLang="zh-CN" sz="2400" dirty="0">
-                  <a:solidFill>
-                    <a:schemeClr val="bg1"/>
-                  </a:solidFill>
-                  <a:latin typeface="微软雅黑" panose="020B0503020204020204" pitchFamily="34" charset="-122"/>
-                </a:endParaRPr>
               </a:p>
             </p:txBody>
           </p:sp>
@@ -15577,13 +14609,6 @@
   <p:transition spd="slow">
     <p:push dir="u"/>
   </p:transition>
-  <p:timing>
-    <p:tnLst>
-      <p:par>
-        <p:cTn id="1" dur="indefinite" restart="never" nodeType="tmRoot"/>
-      </p:par>
-    </p:tnLst>
-  </p:timing>
 </p:sld>
 </file>
 
@@ -15989,7 +15014,7 @@
           <a:p>
             <a:pPr eaLnBrk="1" hangingPunct="1"/>
             <a:r>
-              <a:rPr lang="en-US" altLang="zh-CN" kern="1200" dirty="0" smtClean="0">
+              <a:rPr lang="en-US" altLang="zh-CN" kern="1200" dirty="0">
                 <a:latin typeface="+mn-lt"/>
                 <a:ea typeface="+mn-ea"/>
                 <a:cs typeface="+mn-cs"/>
@@ -16215,7 +15240,6 @@
               <a:rPr lang="zh-CN" altLang="en-US" sz="3600" dirty="0"/>
               <a:t>维护过程的本质</a:t>
             </a:r>
-            <a:endParaRPr lang="zh-CN" altLang="en-US" sz="3600" dirty="0"/>
           </a:p>
         </p:txBody>
       </p:sp>
@@ -16257,7 +15281,7 @@
               <a:t> </a:t>
             </a:r>
             <a:r>
-              <a:rPr lang="en-US" altLang="zh-CN" sz="2800" b="1" dirty="0" smtClean="0">
+              <a:rPr lang="en-US" altLang="zh-CN" sz="2800" b="1" dirty="0">
                 <a:solidFill>
                   <a:srgbClr val="404040"/>
                 </a:solidFill>
@@ -16266,22 +15290,13 @@
               <a:t>	</a:t>
             </a:r>
             <a:r>
-              <a:rPr lang="zh-CN" altLang="en-US" sz="2800" b="1" dirty="0" smtClean="0">
+              <a:rPr lang="zh-CN" altLang="en-US" sz="2800" b="1" dirty="0">
                 <a:solidFill>
                   <a:srgbClr val="FF0000"/>
                 </a:solidFill>
                 <a:latin typeface="宋体" panose="02010600030101010101" pitchFamily="2" charset="-122"/>
               </a:rPr>
-              <a:t>维护</a:t>
-            </a:r>
-            <a:r>
-              <a:rPr lang="zh-CN" altLang="en-US" sz="2800" b="1" dirty="0">
-                <a:solidFill>
-                  <a:srgbClr val="FF0000"/>
-                </a:solidFill>
-                <a:latin typeface="宋体" panose="02010600030101010101" pitchFamily="2" charset="-122"/>
-              </a:rPr>
-              <a:t>过程本质</a:t>
+              <a:t>维护过程本质</a:t>
             </a:r>
             <a:r>
               <a:rPr lang="zh-CN" altLang="en-US" sz="2800" b="1" dirty="0">
@@ -16411,12 +15426,6 @@
               </a:rPr>
               <a:t>     此外，还应该建立一个适用于维护活动的记录保管过程，并且规定复审标准。</a:t>
             </a:r>
-            <a:endParaRPr lang="zh-CN" altLang="en-US" sz="2800" b="1" dirty="0">
-              <a:solidFill>
-                <a:srgbClr val="404040"/>
-              </a:solidFill>
-              <a:latin typeface="宋体" panose="02010600030101010101" pitchFamily="2" charset="-122"/>
-            </a:endParaRPr>
           </a:p>
         </p:txBody>
       </p:sp>
@@ -16425,25 +15434,18 @@
   <p:clrMapOvr>
     <a:masterClrMapping/>
   </p:clrMapOvr>
-  <mc:AlternateContent xmlns:mc="http://schemas.openxmlformats.org/markup-compatibility/2006">
-    <mc:Choice xmlns:p15="http://schemas.microsoft.com/office/powerpoint/2012/main" Requires="p15">
-      <p:transition xmlns:p14="http://schemas.microsoft.com/office/powerpoint/2010/main" spd="slow" Requires="p14" p14:dur="1250">
+  <mc:AlternateContent xmlns:mc="http://schemas.openxmlformats.org/markup-compatibility/2006" xmlns:p15="http://schemas.microsoft.com/office/powerpoint/2012/main">
+    <mc:Choice Requires="p15">
+      <p:transition xmlns:p14="http://schemas.microsoft.com/office/powerpoint/2010/main" spd="slow" p14:dur="1250">
         <p15:prstTrans prst="airplane"/>
       </p:transition>
     </mc:Choice>
-    <mc:Fallback>
+    <mc:Fallback xmlns="">
       <p:transition spd="slow">
         <p:fade/>
       </p:transition>
     </mc:Fallback>
   </mc:AlternateContent>
-  <p:timing>
-    <p:tnLst>
-      <p:par>
-        <p:cTn id="1" dur="indefinite" restart="never" nodeType="tmRoot"/>
-      </p:par>
-    </p:tnLst>
-  </p:timing>
 </p:sld>
 </file>
 
@@ -16849,7 +15851,7 @@
           <a:p>
             <a:pPr eaLnBrk="1" hangingPunct="1"/>
             <a:r>
-              <a:rPr lang="en-US" altLang="zh-CN" kern="1200" dirty="0" smtClean="0">
+              <a:rPr lang="en-US" altLang="zh-CN" kern="1200" dirty="0">
                 <a:latin typeface="+mn-lt"/>
                 <a:ea typeface="+mn-ea"/>
                 <a:cs typeface="+mn-cs"/>
@@ -17074,7 +16076,6 @@
               <a:rPr lang="zh-CN" altLang="en-US" sz="3600" dirty="0"/>
               <a:t>维护组织</a:t>
             </a:r>
-            <a:endParaRPr lang="zh-CN" altLang="en-US" sz="3600" dirty="0"/>
           </a:p>
         </p:txBody>
       </p:sp>
@@ -17104,7 +16105,7 @@
           <a:lstStyle/>
           <a:p>
             <a:r>
-              <a:rPr lang="en-US" altLang="zh-CN" sz="2800" b="1" dirty="0" smtClean="0">
+              <a:rPr lang="en-US" altLang="zh-CN" sz="2800" b="1" dirty="0">
                 <a:solidFill>
                   <a:srgbClr val="404040"/>
                 </a:solidFill>
@@ -17113,14 +16114,16 @@
               <a:t>	</a:t>
             </a:r>
             <a:r>
-              <a:rPr lang="zh-CN" altLang="en-US" sz="2800" b="1" dirty="0" smtClean="0">
+              <a:rPr lang="zh-CN" altLang="en-US" sz="2800" b="1" dirty="0">
                 <a:solidFill>
                   <a:srgbClr val="404040"/>
                 </a:solidFill>
                 <a:latin typeface="宋体" panose="02010600030101010101" pitchFamily="2" charset="-122"/>
               </a:rPr>
-              <a:t>虽然</a:t>
-            </a:r>
+              <a:t>虽然通常并不需要建立正式的维护组织，但是，即使对于一个小的软件开发团体而言，非正式地委托责任也是绝对必要的。</a:t>
+            </a:r>
+          </a:p>
+          <a:p>
             <a:r>
               <a:rPr lang="zh-CN" altLang="en-US" sz="2800" b="1" dirty="0">
                 <a:solidFill>
@@ -17128,102 +16131,55 @@
                 </a:solidFill>
                 <a:latin typeface="宋体" panose="02010600030101010101" pitchFamily="2" charset="-122"/>
               </a:rPr>
-              <a:t>通常并不需要建立正式的维护组织，但是，即使对于一个小的软件开发团体而言，非正式地委托责任也是绝对必要的。</a:t>
-            </a:r>
-            <a:endParaRPr lang="zh-CN" altLang="en-US" sz="2800" b="1" dirty="0">
-              <a:solidFill>
-                <a:srgbClr val="404040"/>
-              </a:solidFill>
-              <a:latin typeface="宋体" panose="02010600030101010101" pitchFamily="2" charset="-122"/>
-            </a:endParaRPr>
-          </a:p>
-          <a:p>
+              <a:t>     </a:t>
+            </a:r>
             <a:r>
               <a:rPr lang="zh-CN" altLang="en-US" sz="2800" b="1" dirty="0">
                 <a:solidFill>
+                  <a:srgbClr val="FF0000"/>
+                </a:solidFill>
+                <a:latin typeface="宋体" panose="02010600030101010101" pitchFamily="2" charset="-122"/>
+              </a:rPr>
+              <a:t>每个维护要求都通过维护管理员转交给熟悉该产品的系统管理员去评价。</a:t>
+            </a:r>
+            <a:r>
+              <a:rPr lang="zh-CN" altLang="en-US" sz="2800" b="1" dirty="0">
+                <a:solidFill>
                   <a:srgbClr val="404040"/>
                 </a:solidFill>
                 <a:latin typeface="宋体" panose="02010600030101010101" pitchFamily="2" charset="-122"/>
               </a:rPr>
-              <a:t>     </a:t>
-            </a:r>
-            <a:r>
-              <a:rPr lang="zh-CN" altLang="en-US" sz="2800" b="1" dirty="0" smtClean="0">
+              <a:t>系统管理员是被指定去熟悉一小部分产品程序的技术人员。系统管理员对维护任务做出评价之后，由变化授权人决定应该进行的活动。</a:t>
+            </a:r>
+          </a:p>
+          <a:p>
+            <a:r>
+              <a:rPr lang="en-US" altLang="zh-CN" sz="2800" b="1" dirty="0">
+                <a:solidFill>
+                  <a:srgbClr val="404040"/>
+                </a:solidFill>
+                <a:latin typeface="宋体" panose="02010600030101010101" pitchFamily="2" charset="-122"/>
+              </a:rPr>
+              <a:t>	</a:t>
+            </a:r>
+            <a:r>
+              <a:rPr lang="zh-CN" altLang="en-US" sz="2800" b="1" dirty="0">
                 <a:solidFill>
                   <a:srgbClr val="FF0000"/>
                 </a:solidFill>
                 <a:latin typeface="宋体" panose="02010600030101010101" pitchFamily="2" charset="-122"/>
               </a:rPr>
-              <a:t>每个</a:t>
+              <a:t>在维护活动开始之前就明确维护责任是十分必要的，</a:t>
             </a:r>
             <a:r>
               <a:rPr lang="zh-CN" altLang="en-US" sz="2800" b="1" dirty="0">
                 <a:solidFill>
-                  <a:srgbClr val="FF0000"/>
+                  <a:srgbClr val="404040"/>
                 </a:solidFill>
                 <a:latin typeface="宋体" panose="02010600030101010101" pitchFamily="2" charset="-122"/>
               </a:rPr>
-              <a:t>维护要求都通过维护管理员转交给熟悉该产品的系统管理员去评价。</a:t>
-            </a:r>
-            <a:r>
-              <a:rPr lang="zh-CN" altLang="en-US" sz="2800" b="1" dirty="0">
-                <a:solidFill>
-                  <a:srgbClr val="404040"/>
-                </a:solidFill>
-                <a:latin typeface="宋体" panose="02010600030101010101" pitchFamily="2" charset="-122"/>
-              </a:rPr>
-              <a:t>系统管理员是被指定去熟悉一小部分产品程序的技术人员。系统管理员对维护任务做出评价之后，由变化授权人决定应该进行的活动。</a:t>
-            </a:r>
-            <a:endParaRPr lang="zh-CN" altLang="en-US" sz="2800" b="1" dirty="0">
-              <a:solidFill>
-                <a:srgbClr val="404040"/>
-              </a:solidFill>
-              <a:latin typeface="宋体" panose="02010600030101010101" pitchFamily="2" charset="-122"/>
-            </a:endParaRPr>
-          </a:p>
-          <a:p>
-            <a:r>
-              <a:rPr lang="en-US" altLang="zh-CN" sz="2800" b="1" dirty="0" smtClean="0">
-                <a:solidFill>
-                  <a:srgbClr val="404040"/>
-                </a:solidFill>
-                <a:latin typeface="宋体" panose="02010600030101010101" pitchFamily="2" charset="-122"/>
-              </a:rPr>
-              <a:t>	</a:t>
-            </a:r>
-            <a:r>
-              <a:rPr lang="zh-CN" altLang="en-US" sz="2800" b="1" dirty="0" smtClean="0">
-                <a:solidFill>
-                  <a:srgbClr val="FF0000"/>
-                </a:solidFill>
-                <a:latin typeface="宋体" panose="02010600030101010101" pitchFamily="2" charset="-122"/>
-              </a:rPr>
-              <a:t>在</a:t>
-            </a:r>
-            <a:r>
-              <a:rPr lang="zh-CN" altLang="en-US" sz="2800" b="1" dirty="0">
-                <a:solidFill>
-                  <a:srgbClr val="FF0000"/>
-                </a:solidFill>
-                <a:latin typeface="宋体" panose="02010600030101010101" pitchFamily="2" charset="-122"/>
-              </a:rPr>
-              <a:t>维护活动开始之前就明确维护责任是十分必要的，</a:t>
-            </a:r>
-            <a:r>
-              <a:rPr lang="zh-CN" altLang="en-US" sz="2800" b="1" dirty="0">
-                <a:solidFill>
-                  <a:srgbClr val="404040"/>
-                </a:solidFill>
-                <a:latin typeface="宋体" panose="02010600030101010101" pitchFamily="2" charset="-122"/>
-              </a:rPr>
               <a:t>这样做可以大大减少维护过程中可能出现的混乱。</a:t>
             </a:r>
-            <a:endParaRPr lang="zh-CN" altLang="en-US" sz="2800" b="1" dirty="0">
-              <a:solidFill>
-                <a:srgbClr val="404040"/>
-              </a:solidFill>
-              <a:latin typeface="宋体" panose="02010600030101010101" pitchFamily="2" charset="-122"/>
-            </a:endParaRPr>
           </a:p>
         </p:txBody>
       </p:sp>
@@ -17283,7 +16239,6 @@
                 <a:rPr lang="zh-CN" altLang="en-US" dirty="0"/>
                 <a:t>维护管理员</a:t>
               </a:r>
-              <a:endParaRPr lang="zh-CN" altLang="en-US" dirty="0"/>
             </a:p>
           </p:txBody>
         </p:sp>
@@ -17329,7 +16284,6 @@
                 <a:rPr lang="zh-CN" altLang="en-US" dirty="0"/>
                 <a:t>系统管理员</a:t>
               </a:r>
-              <a:endParaRPr lang="zh-CN" altLang="en-US" dirty="0"/>
             </a:p>
           </p:txBody>
         </p:sp>
@@ -17375,7 +16329,6 @@
                 <a:rPr lang="zh-CN" altLang="en-US" dirty="0"/>
                 <a:t>程序技术人员</a:t>
               </a:r>
-              <a:endParaRPr lang="zh-CN" altLang="en-US" dirty="0"/>
             </a:p>
           </p:txBody>
         </p:sp>
@@ -17421,7 +16374,6 @@
                 <a:rPr lang="zh-CN" altLang="en-US" dirty="0"/>
                 <a:t>变化授权人</a:t>
               </a:r>
-              <a:endParaRPr lang="zh-CN" altLang="en-US" dirty="0"/>
             </a:p>
           </p:txBody>
         </p:sp>
@@ -17666,7 +16618,6 @@
                 <a:rPr lang="zh-CN" altLang="en-US" sz="1400"/>
                 <a:t>转交维护要求</a:t>
               </a:r>
-              <a:endParaRPr lang="zh-CN" altLang="en-US" sz="1400"/>
             </a:p>
           </p:txBody>
         </p:sp>
@@ -17827,7 +16778,6 @@
                 <a:rPr lang="zh-CN" altLang="en-US" sz="1400"/>
                 <a:t>指定维护人员</a:t>
               </a:r>
-              <a:endParaRPr lang="zh-CN" altLang="en-US" sz="1400"/>
             </a:p>
           </p:txBody>
         </p:sp>
@@ -18030,7 +16980,6 @@
                 <a:rPr lang="zh-CN" altLang="en-US" sz="1400"/>
                 <a:t>评价后上交，促成决定活动</a:t>
               </a:r>
-              <a:endParaRPr lang="zh-CN" altLang="en-US" sz="1400"/>
             </a:p>
           </p:txBody>
         </p:sp>
@@ -18040,25 +16989,18 @@
   <p:clrMapOvr>
     <a:masterClrMapping/>
   </p:clrMapOvr>
-  <mc:AlternateContent xmlns:mc="http://schemas.openxmlformats.org/markup-compatibility/2006">
-    <mc:Choice xmlns:p14="http://schemas.microsoft.com/office/powerpoint/2010/main" Requires="p14">
+  <mc:AlternateContent xmlns:mc="http://schemas.openxmlformats.org/markup-compatibility/2006" xmlns:p14="http://schemas.microsoft.com/office/powerpoint/2010/main">
+    <mc:Choice Requires="p14">
       <p:transition spd="slow" p14:dur="1250">
         <p14:switch dir="r"/>
       </p:transition>
     </mc:Choice>
-    <mc:Fallback>
+    <mc:Fallback xmlns="">
       <p:transition spd="slow">
         <p:fade/>
       </p:transition>
     </mc:Fallback>
   </mc:AlternateContent>
-  <p:timing>
-    <p:tnLst>
-      <p:par>
-        <p:cTn id="1" dur="indefinite" restart="never" nodeType="tmRoot"/>
-      </p:par>
-    </p:tnLst>
-  </p:timing>
 </p:sld>
 </file>
 
@@ -18088,7 +17030,7 @@
           <p:nvPr/>
         </p:nvPicPr>
         <p:blipFill>
-          <a:blip r:embed="rId1">
+          <a:blip r:embed="rId2">
             <a:extLst>
               <a:ext uri="{28A0092B-C50C-407E-A947-70E740481C1C}">
                 <a14:useLocalDpi xmlns:a14="http://schemas.microsoft.com/office/drawing/2010/main" val="0"/>
@@ -18473,7 +17415,7 @@
           <a:lstStyle/>
           <a:p>
             <a:r>
-              <a:rPr lang="en-US" altLang="zh-CN" sz="3200" b="1" dirty="0" smtClean="0">
+              <a:rPr lang="en-US" altLang="zh-CN" sz="3200" b="1" dirty="0">
                 <a:solidFill>
                   <a:schemeClr val="bg1"/>
                 </a:solidFill>
@@ -18483,7 +17425,7 @@
               <a:t>2</a:t>
             </a:r>
             <a:r>
-              <a:rPr lang="en-US" sz="3200" b="1" dirty="0" smtClean="0">
+              <a:rPr lang="en-US" sz="3200" b="1" dirty="0">
                 <a:solidFill>
                   <a:schemeClr val="bg1"/>
                 </a:solidFill>
@@ -18493,7 +17435,7 @@
               <a:t>.</a:t>
             </a:r>
             <a:r>
-              <a:rPr lang="zh-CN" altLang="en-US" sz="3200" b="1" dirty="0" smtClean="0">
+              <a:rPr lang="zh-CN" altLang="en-US" sz="3200" b="1" dirty="0">
                 <a:solidFill>
                   <a:schemeClr val="bg1"/>
                 </a:solidFill>
@@ -18502,13 +17444,6 @@
               </a:rPr>
               <a:t>维护报告</a:t>
             </a:r>
-            <a:endParaRPr lang="zh-CN" altLang="en-US" sz="3200" b="1" dirty="0" smtClean="0">
-              <a:solidFill>
-                <a:schemeClr val="bg1"/>
-              </a:solidFill>
-              <a:latin typeface="Arial" panose="020B0604020202020204" pitchFamily="34" charset="0"/>
-              <a:cs typeface="Arial" panose="020B0604020202020204" pitchFamily="34" charset="0"/>
-            </a:endParaRPr>
           </a:p>
         </p:txBody>
       </p:sp>
@@ -18535,7 +17470,7 @@
           <a:lstStyle/>
           <a:p>
             <a:r>
-              <a:rPr lang="en-US" altLang="zh-CN" sz="2800" b="1" dirty="0" smtClean="0">
+              <a:rPr lang="en-US" altLang="zh-CN" sz="2800" b="1" dirty="0">
                 <a:solidFill>
                   <a:srgbClr val="404040"/>
                 </a:solidFill>
@@ -18544,31 +17479,60 @@
               <a:t>	</a:t>
             </a:r>
             <a:r>
-              <a:rPr lang="zh-CN" altLang="en-US" sz="2800" b="1" dirty="0" smtClean="0">
+              <a:rPr lang="zh-CN" altLang="en-US" sz="2800" b="1" dirty="0">
                 <a:solidFill>
                   <a:srgbClr val="404040"/>
                 </a:solidFill>
                 <a:latin typeface="宋体" panose="02010600030101010101" pitchFamily="2" charset="-122"/>
               </a:rPr>
-              <a:t>应该</a:t>
+              <a:t>应该用</a:t>
             </a:r>
             <a:r>
               <a:rPr lang="zh-CN" altLang="en-US" sz="2800" b="1" dirty="0">
                 <a:solidFill>
+                  <a:srgbClr val="FF0000"/>
+                </a:solidFill>
+                <a:latin typeface="宋体" panose="02010600030101010101" pitchFamily="2" charset="-122"/>
+              </a:rPr>
+              <a:t>标准化的格式</a:t>
+            </a:r>
+            <a:r>
+              <a:rPr lang="zh-CN" altLang="en-US" sz="2800" b="1" dirty="0">
+                <a:solidFill>
                   <a:srgbClr val="404040"/>
                 </a:solidFill>
                 <a:latin typeface="宋体" panose="02010600030101010101" pitchFamily="2" charset="-122"/>
               </a:rPr>
-              <a:t>用</a:t>
-            </a:r>
+              <a:t>表达所有软件维护要求。</a:t>
+            </a:r>
+          </a:p>
+          <a:p>
             <a:r>
               <a:rPr lang="zh-CN" altLang="en-US" sz="2800" b="1" dirty="0">
                 <a:solidFill>
+                  <a:srgbClr val="404040"/>
+                </a:solidFill>
+                <a:latin typeface="宋体" panose="02010600030101010101" pitchFamily="2" charset="-122"/>
+              </a:rPr>
+              <a:t>     软件维护人员通常给用户提供空白的</a:t>
+            </a:r>
+            <a:r>
+              <a:rPr lang="zh-CN" altLang="en-US" sz="2800" b="1" dirty="0">
+                <a:solidFill>
                   <a:srgbClr val="FF0000"/>
                 </a:solidFill>
                 <a:latin typeface="宋体" panose="02010600030101010101" pitchFamily="2" charset="-122"/>
               </a:rPr>
-              <a:t>标准化的格式</a:t>
+              <a:t>维护要求表</a:t>
+            </a:r>
+            <a:r>
+              <a:rPr lang="en-US" altLang="zh-CN" sz="2800" b="1" dirty="0">
+                <a:solidFill>
+                  <a:srgbClr val="404040"/>
+                </a:solidFill>
+                <a:latin typeface="宋体" panose="02010600030101010101" pitchFamily="2" charset="-122"/>
+              </a:rPr>
+              <a:t>——</a:t>
             </a:r>
             <a:r>
               <a:rPr lang="zh-CN" altLang="en-US" sz="2800" b="1" dirty="0">
@@ -18577,16 +17541,17 @@
                 </a:solidFill>
                 <a:latin typeface="宋体" panose="02010600030101010101" pitchFamily="2" charset="-122"/>
               </a:rPr>
-              <a:t>表达所有软件维护要求。</a:t>
-            </a:r>
-            <a:endParaRPr lang="zh-CN" altLang="en-US" sz="2800" b="1" dirty="0">
-              <a:solidFill>
-                <a:srgbClr val="404040"/>
-              </a:solidFill>
-              <a:latin typeface="宋体" panose="02010600030101010101" pitchFamily="2" charset="-122"/>
-            </a:endParaRPr>
-          </a:p>
-          <a:p>
+              <a:t>有时称为软件问题报告表，这个表格由要求一项维护活动的用户填写。如果遇到了一个错误，那么必须完整描述导致出现错误的环境</a:t>
+            </a:r>
+            <a:r>
+              <a:rPr lang="en-US" altLang="zh-CN" sz="2800" b="1" dirty="0">
+                <a:solidFill>
+                  <a:srgbClr val="404040"/>
+                </a:solidFill>
+                <a:latin typeface="宋体" panose="02010600030101010101" pitchFamily="2" charset="-122"/>
+              </a:rPr>
+              <a:t>(</a:t>
+            </a:r>
             <a:r>
               <a:rPr lang="zh-CN" altLang="en-US" sz="2800" b="1" dirty="0">
                 <a:solidFill>
@@ -18594,16 +17559,16 @@
                 </a:solidFill>
                 <a:latin typeface="宋体" panose="02010600030101010101" pitchFamily="2" charset="-122"/>
               </a:rPr>
-              <a:t>     </a:t>
-            </a:r>
-            <a:r>
-              <a:rPr lang="zh-CN" altLang="en-US" sz="2800" b="1" dirty="0" smtClean="0">
+              <a:t>包括输入数据、全部输出数据以及其他有关信息</a:t>
+            </a:r>
+            <a:r>
+              <a:rPr lang="en-US" altLang="zh-CN" sz="2800" b="1" dirty="0">
                 <a:solidFill>
                   <a:srgbClr val="404040"/>
                 </a:solidFill>
                 <a:latin typeface="宋体" panose="02010600030101010101" pitchFamily="2" charset="-122"/>
               </a:rPr>
-              <a:t>软件维护</a:t>
+              <a:t>)</a:t>
             </a:r>
             <a:r>
               <a:rPr lang="zh-CN" altLang="en-US" sz="2800" b="1" dirty="0">
@@ -18612,130 +17577,37 @@
                 </a:solidFill>
                 <a:latin typeface="宋体" panose="02010600030101010101" pitchFamily="2" charset="-122"/>
               </a:rPr>
-              <a:t>人员通常给用户提供空白的</a:t>
-            </a:r>
+              <a:t>。</a:t>
+            </a:r>
+          </a:p>
+          <a:p>
             <a:r>
               <a:rPr lang="zh-CN" altLang="en-US" sz="2800" b="1" dirty="0">
                 <a:solidFill>
+                  <a:srgbClr val="404040"/>
+                </a:solidFill>
+                <a:latin typeface="宋体" panose="02010600030101010101" pitchFamily="2" charset="-122"/>
+              </a:rPr>
+              <a:t>     对于适应性或完善性的维护要求，应该提出一个简短的</a:t>
+            </a:r>
+            <a:r>
+              <a:rPr lang="zh-CN" altLang="en-US" sz="2800" b="1" dirty="0">
+                <a:solidFill>
                   <a:srgbClr val="FF0000"/>
                 </a:solidFill>
                 <a:latin typeface="宋体" panose="02010600030101010101" pitchFamily="2" charset="-122"/>
               </a:rPr>
-              <a:t>维护要求表</a:t>
-            </a:r>
-            <a:r>
-              <a:rPr lang="en-US" altLang="zh-CN" sz="2800" b="1" dirty="0">
+              <a:t>需求说明书</a:t>
+            </a:r>
+            <a:r>
+              <a:rPr lang="zh-CN" altLang="en-US" sz="2800" b="1" dirty="0">
                 <a:solidFill>
                   <a:srgbClr val="404040"/>
                 </a:solidFill>
                 <a:latin typeface="宋体" panose="02010600030101010101" pitchFamily="2" charset="-122"/>
               </a:rPr>
-              <a:t>——</a:t>
-            </a:r>
-            <a:r>
-              <a:rPr lang="zh-CN" altLang="en-US" sz="2800" b="1" dirty="0">
-                <a:solidFill>
-                  <a:srgbClr val="404040"/>
-                </a:solidFill>
-                <a:latin typeface="宋体" panose="02010600030101010101" pitchFamily="2" charset="-122"/>
-              </a:rPr>
-              <a:t>有时称为软件问题报告表，这个表格由要求一项维护活动的用户填写。如果遇到了一个错误，那么必须完整描述导致出现错误的环境</a:t>
-            </a:r>
-            <a:r>
-              <a:rPr lang="en-US" altLang="zh-CN" sz="2800" b="1" dirty="0">
-                <a:solidFill>
-                  <a:srgbClr val="404040"/>
-                </a:solidFill>
-                <a:latin typeface="宋体" panose="02010600030101010101" pitchFamily="2" charset="-122"/>
-              </a:rPr>
-              <a:t>(</a:t>
-            </a:r>
-            <a:r>
-              <a:rPr lang="zh-CN" altLang="en-US" sz="2800" b="1" dirty="0">
-                <a:solidFill>
-                  <a:srgbClr val="404040"/>
-                </a:solidFill>
-                <a:latin typeface="宋体" panose="02010600030101010101" pitchFamily="2" charset="-122"/>
-              </a:rPr>
-              <a:t>包括输入数据、全部输出数据以及其他有关信息</a:t>
-            </a:r>
-            <a:r>
-              <a:rPr lang="en-US" altLang="zh-CN" sz="2800" b="1" dirty="0">
-                <a:solidFill>
-                  <a:srgbClr val="404040"/>
-                </a:solidFill>
-                <a:latin typeface="宋体" panose="02010600030101010101" pitchFamily="2" charset="-122"/>
-              </a:rPr>
-              <a:t>)</a:t>
-            </a:r>
-            <a:r>
-              <a:rPr lang="zh-CN" altLang="en-US" sz="2800" b="1" dirty="0">
-                <a:solidFill>
-                  <a:srgbClr val="404040"/>
-                </a:solidFill>
-                <a:latin typeface="宋体" panose="02010600030101010101" pitchFamily="2" charset="-122"/>
-              </a:rPr>
-              <a:t>。</a:t>
-            </a:r>
-            <a:endParaRPr lang="zh-CN" altLang="en-US" sz="2800" b="1" dirty="0">
-              <a:solidFill>
-                <a:srgbClr val="404040"/>
-              </a:solidFill>
-              <a:latin typeface="宋体" panose="02010600030101010101" pitchFamily="2" charset="-122"/>
-            </a:endParaRPr>
-          </a:p>
-          <a:p>
-            <a:r>
-              <a:rPr lang="zh-CN" altLang="en-US" sz="2800" b="1" dirty="0">
-                <a:solidFill>
-                  <a:srgbClr val="404040"/>
-                </a:solidFill>
-                <a:latin typeface="宋体" panose="02010600030101010101" pitchFamily="2" charset="-122"/>
-              </a:rPr>
-              <a:t>     </a:t>
-            </a:r>
-            <a:r>
-              <a:rPr lang="zh-CN" altLang="en-US" sz="2800" b="1" dirty="0" smtClean="0">
-                <a:solidFill>
-                  <a:srgbClr val="404040"/>
-                </a:solidFill>
-                <a:latin typeface="宋体" panose="02010600030101010101" pitchFamily="2" charset="-122"/>
-              </a:rPr>
-              <a:t>对于</a:t>
-            </a:r>
-            <a:r>
-              <a:rPr lang="zh-CN" altLang="en-US" sz="2800" b="1" dirty="0">
-                <a:solidFill>
-                  <a:srgbClr val="404040"/>
-                </a:solidFill>
-                <a:latin typeface="宋体" panose="02010600030101010101" pitchFamily="2" charset="-122"/>
-              </a:rPr>
-              <a:t>适应性或完善性的维护要求，应该提出一个简短的</a:t>
-            </a:r>
-            <a:r>
-              <a:rPr lang="zh-CN" altLang="en-US" sz="2800" b="1" dirty="0">
-                <a:solidFill>
-                  <a:srgbClr val="FF0000"/>
-                </a:solidFill>
-                <a:latin typeface="宋体" panose="02010600030101010101" pitchFamily="2" charset="-122"/>
-              </a:rPr>
-              <a:t>需求说明书</a:t>
-            </a:r>
-            <a:r>
-              <a:rPr lang="zh-CN" altLang="en-US" sz="2800" b="1" dirty="0">
-                <a:solidFill>
-                  <a:srgbClr val="404040"/>
-                </a:solidFill>
-                <a:latin typeface="宋体" panose="02010600030101010101" pitchFamily="2" charset="-122"/>
-              </a:rPr>
               <a:t>。如前所述，由维护管理员和系统管理员评价用户提交的维护要求表。</a:t>
             </a:r>
-            <a:endParaRPr lang="zh-CN" altLang="en-US" sz="2800" b="1" dirty="0">
-              <a:solidFill>
-                <a:srgbClr val="404040"/>
-              </a:solidFill>
-              <a:latin typeface="宋体" panose="02010600030101010101" pitchFamily="2" charset="-122"/>
-            </a:endParaRPr>
           </a:p>
         </p:txBody>
       </p:sp>
@@ -18744,25 +17616,18 @@
   <p:clrMapOvr>
     <a:masterClrMapping/>
   </p:clrMapOvr>
-  <mc:AlternateContent xmlns:mc="http://schemas.openxmlformats.org/markup-compatibility/2006">
-    <mc:Choice xmlns:p14="http://schemas.microsoft.com/office/powerpoint/2010/main" Requires="p14">
+  <mc:AlternateContent xmlns:mc="http://schemas.openxmlformats.org/markup-compatibility/2006" xmlns:p14="http://schemas.microsoft.com/office/powerpoint/2010/main">
+    <mc:Choice Requires="p14">
       <p:transition spd="slow" p14:dur="4000">
         <p:comb dir="vert"/>
       </p:transition>
     </mc:Choice>
-    <mc:Fallback>
+    <mc:Fallback xmlns="">
       <p:transition spd="slow">
         <p:comb dir="vert"/>
       </p:transition>
     </mc:Fallback>
   </mc:AlternateContent>
-  <p:timing>
-    <p:tnLst>
-      <p:par>
-        <p:cTn id="1" dur="indefinite" restart="never" nodeType="tmRoot"/>
-      </p:par>
-    </p:tnLst>
-  </p:timing>
 </p:sld>
 </file>
 
@@ -18792,7 +17657,7 @@
           <p:nvPr/>
         </p:nvPicPr>
         <p:blipFill>
-          <a:blip r:embed="rId1">
+          <a:blip r:embed="rId2">
             <a:extLst>
               <a:ext uri="{28A0092B-C50C-407E-A947-70E740481C1C}">
                 <a14:useLocalDpi xmlns:a14="http://schemas.microsoft.com/office/drawing/2010/main" val="0"/>
@@ -19177,7 +18042,7 @@
           <a:lstStyle/>
           <a:p>
             <a:r>
-              <a:rPr lang="en-US" altLang="zh-CN" sz="3200" b="1" dirty="0" smtClean="0">
+              <a:rPr lang="en-US" altLang="zh-CN" sz="3200" b="1" dirty="0">
                 <a:solidFill>
                   <a:schemeClr val="bg1"/>
                 </a:solidFill>
@@ -19187,7 +18052,7 @@
               <a:t>2</a:t>
             </a:r>
             <a:r>
-              <a:rPr lang="en-US" sz="3200" b="1" dirty="0" smtClean="0">
+              <a:rPr lang="en-US" sz="3200" b="1" dirty="0">
                 <a:solidFill>
                   <a:schemeClr val="bg1"/>
                 </a:solidFill>
@@ -19197,7 +18062,7 @@
               <a:t>.</a:t>
             </a:r>
             <a:r>
-              <a:rPr lang="zh-CN" altLang="en-US" sz="3200" b="1" dirty="0" smtClean="0">
+              <a:rPr lang="zh-CN" altLang="en-US" sz="3200" b="1" dirty="0">
                 <a:solidFill>
                   <a:schemeClr val="bg1"/>
                 </a:solidFill>
@@ -19206,13 +18071,6 @@
               </a:rPr>
               <a:t>维护要求表</a:t>
             </a:r>
-            <a:endParaRPr lang="zh-CN" altLang="en-US" sz="3200" b="1" dirty="0" smtClean="0">
-              <a:solidFill>
-                <a:schemeClr val="bg1"/>
-              </a:solidFill>
-              <a:latin typeface="Arial" panose="020B0604020202020204" pitchFamily="34" charset="0"/>
-              <a:cs typeface="Arial" panose="020B0604020202020204" pitchFamily="34" charset="0"/>
-            </a:endParaRPr>
           </a:p>
         </p:txBody>
       </p:sp>
@@ -19239,7 +18097,7 @@
           <a:lstStyle/>
           <a:p>
             <a:r>
-              <a:rPr lang="en-US" altLang="zh-CN" sz="2800" b="1" dirty="0" smtClean="0">
+              <a:rPr lang="en-US" altLang="zh-CN" sz="2800" b="1" dirty="0">
                 <a:solidFill>
                   <a:srgbClr val="404040"/>
                 </a:solidFill>
@@ -19248,22 +18106,33 @@
               <a:t>	</a:t>
             </a:r>
             <a:r>
-              <a:rPr lang="zh-CN" altLang="en-US" sz="2800" b="1" dirty="0" smtClean="0">
+              <a:rPr lang="zh-CN" altLang="en-US" sz="2800" b="1" dirty="0">
                 <a:solidFill>
                   <a:srgbClr val="FF0000"/>
                 </a:solidFill>
                 <a:latin typeface="宋体" panose="02010600030101010101" pitchFamily="2" charset="-122"/>
               </a:rPr>
-              <a:t>维护</a:t>
+              <a:t>维护要求表</a:t>
             </a:r>
             <a:r>
               <a:rPr lang="zh-CN" altLang="en-US" sz="2800" b="1" dirty="0">
                 <a:solidFill>
-                  <a:srgbClr val="FF0000"/>
+                  <a:srgbClr val="404040"/>
                 </a:solidFill>
                 <a:latin typeface="宋体" panose="02010600030101010101" pitchFamily="2" charset="-122"/>
               </a:rPr>
-              <a:t>要求表</a:t>
+              <a:t>是一个外部产生的文件，它是计划维护活动的基础。软件组织内部应该制定出一个软件修改报告，它给出下述信息。</a:t>
+            </a:r>
+          </a:p>
+          <a:p>
+            <a:r>
+              <a:rPr lang="en-US" altLang="zh-CN" sz="2800" b="1" dirty="0">
+                <a:solidFill>
+                  <a:srgbClr val="404040"/>
+                </a:solidFill>
+                <a:latin typeface="宋体" panose="02010600030101010101" pitchFamily="2" charset="-122"/>
+              </a:rPr>
+              <a:t>	</a:t>
             </a:r>
             <a:r>
               <a:rPr lang="zh-CN" altLang="en-US" sz="2800" b="1" dirty="0">
@@ -19272,18 +18141,12 @@
                 </a:solidFill>
                 <a:latin typeface="宋体" panose="02010600030101010101" pitchFamily="2" charset="-122"/>
               </a:rPr>
-              <a:t>是一个外部产生的文件，它是计划维护活动的基础。软件组织内部应该制定出一个软件修改报告，它给出下述信息。</a:t>
-            </a:r>
-            <a:endParaRPr lang="zh-CN" altLang="en-US" sz="2800" b="1" dirty="0">
-              <a:solidFill>
-                <a:srgbClr val="404040"/>
-              </a:solidFill>
-              <a:latin typeface="宋体" panose="02010600030101010101" pitchFamily="2" charset="-122"/>
-            </a:endParaRPr>
-          </a:p>
-          <a:p>
-            <a:r>
-              <a:rPr lang="en-US" altLang="zh-CN" sz="2800" b="1" dirty="0" smtClean="0">
+              <a:t>满足维护要求表中提出的要求所需要的工作量。</a:t>
+            </a:r>
+          </a:p>
+          <a:p>
+            <a:r>
+              <a:rPr lang="en-US" altLang="zh-CN" sz="2800" b="1" dirty="0">
                 <a:solidFill>
                   <a:srgbClr val="404040"/>
                 </a:solidFill>
@@ -19292,13 +18155,24 @@
               <a:t>	</a:t>
             </a:r>
             <a:r>
-              <a:rPr lang="zh-CN" altLang="en-US" sz="2800" b="1" dirty="0" smtClean="0">
+              <a:rPr lang="zh-CN" altLang="en-US" sz="2800" b="1" dirty="0">
                 <a:solidFill>
                   <a:srgbClr val="404040"/>
                 </a:solidFill>
                 <a:latin typeface="宋体" panose="02010600030101010101" pitchFamily="2" charset="-122"/>
               </a:rPr>
-              <a:t>满足</a:t>
+              <a:t>维护要求的性质。</a:t>
+            </a:r>
+          </a:p>
+          <a:p>
+            <a:r>
+              <a:rPr lang="en-US" altLang="zh-CN" sz="2800" b="1" dirty="0">
+                <a:solidFill>
+                  <a:srgbClr val="404040"/>
+                </a:solidFill>
+                <a:latin typeface="宋体" panose="02010600030101010101" pitchFamily="2" charset="-122"/>
+              </a:rPr>
+              <a:t>	</a:t>
             </a:r>
             <a:r>
               <a:rPr lang="zh-CN" altLang="en-US" sz="2800" b="1" dirty="0">
@@ -19307,18 +18181,12 @@
                 </a:solidFill>
                 <a:latin typeface="宋体" panose="02010600030101010101" pitchFamily="2" charset="-122"/>
               </a:rPr>
-              <a:t>维护要求表中提出的要求所需要的工作量。</a:t>
-            </a:r>
-            <a:endParaRPr lang="zh-CN" altLang="en-US" sz="2800" b="1" dirty="0">
-              <a:solidFill>
-                <a:srgbClr val="404040"/>
-              </a:solidFill>
-              <a:latin typeface="宋体" panose="02010600030101010101" pitchFamily="2" charset="-122"/>
-            </a:endParaRPr>
-          </a:p>
-          <a:p>
-            <a:r>
-              <a:rPr lang="en-US" altLang="zh-CN" sz="2800" b="1" dirty="0" smtClean="0">
+              <a:t>这项要求的优先次序。</a:t>
+            </a:r>
+          </a:p>
+          <a:p>
+            <a:r>
+              <a:rPr lang="en-US" altLang="zh-CN" sz="2800" b="1" dirty="0">
                 <a:solidFill>
                   <a:srgbClr val="404040"/>
                 </a:solidFill>
@@ -19327,13 +18195,24 @@
               <a:t>	</a:t>
             </a:r>
             <a:r>
-              <a:rPr lang="zh-CN" altLang="en-US" sz="2800" b="1" dirty="0" smtClean="0">
+              <a:rPr lang="zh-CN" altLang="en-US" sz="2800" b="1" dirty="0">
                 <a:solidFill>
                   <a:srgbClr val="404040"/>
                 </a:solidFill>
                 <a:latin typeface="宋体" panose="02010600030101010101" pitchFamily="2" charset="-122"/>
               </a:rPr>
-              <a:t>维护</a:t>
+              <a:t>与修改有关的事后数据。</a:t>
+            </a:r>
+          </a:p>
+          <a:p>
+            <a:r>
+              <a:rPr lang="en-US" altLang="zh-CN" sz="2800" b="1" dirty="0">
+                <a:solidFill>
+                  <a:srgbClr val="404040"/>
+                </a:solidFill>
+                <a:latin typeface="宋体" panose="02010600030101010101" pitchFamily="2" charset="-122"/>
+              </a:rPr>
+              <a:t>	</a:t>
             </a:r>
             <a:r>
               <a:rPr lang="zh-CN" altLang="en-US" sz="2800" b="1" dirty="0">
@@ -19342,119 +18221,8 @@
                 </a:solidFill>
                 <a:latin typeface="宋体" panose="02010600030101010101" pitchFamily="2" charset="-122"/>
               </a:rPr>
-              <a:t>要求的性质。</a:t>
-            </a:r>
-            <a:endParaRPr lang="zh-CN" altLang="en-US" sz="2800" b="1" dirty="0">
-              <a:solidFill>
-                <a:srgbClr val="404040"/>
-              </a:solidFill>
-              <a:latin typeface="宋体" panose="02010600030101010101" pitchFamily="2" charset="-122"/>
-            </a:endParaRPr>
-          </a:p>
-          <a:p>
-            <a:r>
-              <a:rPr lang="en-US" altLang="zh-CN" sz="2800" b="1" dirty="0" smtClean="0">
-                <a:solidFill>
-                  <a:srgbClr val="404040"/>
-                </a:solidFill>
-                <a:latin typeface="宋体" panose="02010600030101010101" pitchFamily="2" charset="-122"/>
-              </a:rPr>
-              <a:t>	</a:t>
-            </a:r>
-            <a:r>
-              <a:rPr lang="zh-CN" altLang="en-US" sz="2800" b="1" dirty="0" smtClean="0">
-                <a:solidFill>
-                  <a:srgbClr val="404040"/>
-                </a:solidFill>
-                <a:latin typeface="宋体" panose="02010600030101010101" pitchFamily="2" charset="-122"/>
-              </a:rPr>
-              <a:t>这</a:t>
-            </a:r>
-            <a:r>
-              <a:rPr lang="zh-CN" altLang="en-US" sz="2800" b="1" dirty="0">
-                <a:solidFill>
-                  <a:srgbClr val="404040"/>
-                </a:solidFill>
-                <a:latin typeface="宋体" panose="02010600030101010101" pitchFamily="2" charset="-122"/>
-              </a:rPr>
-              <a:t>项要求的优先次序。</a:t>
-            </a:r>
-            <a:endParaRPr lang="zh-CN" altLang="en-US" sz="2800" b="1" dirty="0">
-              <a:solidFill>
-                <a:srgbClr val="404040"/>
-              </a:solidFill>
-              <a:latin typeface="宋体" panose="02010600030101010101" pitchFamily="2" charset="-122"/>
-            </a:endParaRPr>
-          </a:p>
-          <a:p>
-            <a:r>
-              <a:rPr lang="en-US" altLang="zh-CN" sz="2800" b="1" dirty="0" smtClean="0">
-                <a:solidFill>
-                  <a:srgbClr val="404040"/>
-                </a:solidFill>
-                <a:latin typeface="宋体" panose="02010600030101010101" pitchFamily="2" charset="-122"/>
-              </a:rPr>
-              <a:t>	</a:t>
-            </a:r>
-            <a:r>
-              <a:rPr lang="zh-CN" altLang="en-US" sz="2800" b="1" dirty="0" smtClean="0">
-                <a:solidFill>
-                  <a:srgbClr val="404040"/>
-                </a:solidFill>
-                <a:latin typeface="宋体" panose="02010600030101010101" pitchFamily="2" charset="-122"/>
-              </a:rPr>
-              <a:t>与</a:t>
-            </a:r>
-            <a:r>
-              <a:rPr lang="zh-CN" altLang="en-US" sz="2800" b="1" dirty="0">
-                <a:solidFill>
-                  <a:srgbClr val="404040"/>
-                </a:solidFill>
-                <a:latin typeface="宋体" panose="02010600030101010101" pitchFamily="2" charset="-122"/>
-              </a:rPr>
-              <a:t>修改有关的事后数据。</a:t>
-            </a:r>
-            <a:endParaRPr lang="zh-CN" altLang="en-US" sz="2800" b="1" dirty="0">
-              <a:solidFill>
-                <a:srgbClr val="404040"/>
-              </a:solidFill>
-              <a:latin typeface="宋体" panose="02010600030101010101" pitchFamily="2" charset="-122"/>
-            </a:endParaRPr>
-          </a:p>
-          <a:p>
-            <a:r>
-              <a:rPr lang="en-US" altLang="zh-CN" sz="2800" b="1" dirty="0" smtClean="0">
-                <a:solidFill>
-                  <a:srgbClr val="404040"/>
-                </a:solidFill>
-                <a:latin typeface="宋体" panose="02010600030101010101" pitchFamily="2" charset="-122"/>
-              </a:rPr>
-              <a:t>	</a:t>
-            </a:r>
-            <a:r>
-              <a:rPr lang="zh-CN" altLang="en-US" sz="2800" b="1" dirty="0" smtClean="0">
-                <a:solidFill>
-                  <a:srgbClr val="404040"/>
-                </a:solidFill>
-                <a:latin typeface="宋体" panose="02010600030101010101" pitchFamily="2" charset="-122"/>
-              </a:rPr>
-              <a:t>在</a:t>
-            </a:r>
-            <a:r>
-              <a:rPr lang="zh-CN" altLang="en-US" sz="2800" b="1" dirty="0">
-                <a:solidFill>
-                  <a:srgbClr val="404040"/>
-                </a:solidFill>
-                <a:latin typeface="宋体" panose="02010600030101010101" pitchFamily="2" charset="-122"/>
-              </a:rPr>
-              <a:t>拟定进一步的维护计划之前，把软件修改报告提交给变化授权人审查批准。</a:t>
-            </a:r>
-            <a:endParaRPr lang="zh-CN" altLang="en-US" sz="2800" b="1" dirty="0">
-              <a:solidFill>
-                <a:srgbClr val="404040"/>
-              </a:solidFill>
-              <a:latin typeface="宋体" panose="02010600030101010101" pitchFamily="2" charset="-122"/>
-            </a:endParaRPr>
+              <a:t>在拟定进一步的维护计划之前，把软件修改报告提交给变化授权人审查批准。</a:t>
+            </a:r>
           </a:p>
         </p:txBody>
       </p:sp>
@@ -19463,25 +18231,18 @@
   <p:clrMapOvr>
     <a:masterClrMapping/>
   </p:clrMapOvr>
-  <mc:AlternateContent xmlns:mc="http://schemas.openxmlformats.org/markup-compatibility/2006">
-    <mc:Choice xmlns:p14="http://schemas.microsoft.com/office/powerpoint/2010/main" Requires="p14">
+  <mc:AlternateContent xmlns:mc="http://schemas.openxmlformats.org/markup-compatibility/2006" xmlns:p14="http://schemas.microsoft.com/office/powerpoint/2010/main">
+    <mc:Choice Requires="p14">
       <p:transition spd="slow" p14:dur="4000">
         <p:comb dir="vert"/>
       </p:transition>
     </mc:Choice>
-    <mc:Fallback>
+    <mc:Fallback xmlns="">
       <p:transition spd="slow">
         <p:comb dir="vert"/>
       </p:transition>
     </mc:Fallback>
   </mc:AlternateContent>
-  <p:timing>
-    <p:tnLst>
-      <p:par>
-        <p:cTn id="1" dur="indefinite" restart="never" nodeType="tmRoot"/>
-      </p:par>
-    </p:tnLst>
-  </p:timing>
 </p:sld>
 </file>
 
@@ -19511,7 +18272,7 @@
           <p:nvPr/>
         </p:nvPicPr>
         <p:blipFill>
-          <a:blip r:embed="rId1">
+          <a:blip r:embed="rId2">
             <a:extLst>
               <a:ext uri="{28A0092B-C50C-407E-A947-70E740481C1C}">
                 <a14:useLocalDpi xmlns:a14="http://schemas.microsoft.com/office/drawing/2010/main" val="0"/>
@@ -19853,7 +18614,7 @@
           <a:lstStyle/>
           <a:p>
             <a:r>
-              <a:rPr lang="en-US" altLang="zh-CN" sz="3200" b="1" dirty="0" smtClean="0">
+              <a:rPr lang="en-US" altLang="zh-CN" sz="3200" b="1" dirty="0">
                 <a:solidFill>
                   <a:schemeClr val="bg1"/>
                 </a:solidFill>
@@ -19863,7 +18624,7 @@
               <a:t>3.</a:t>
             </a:r>
             <a:r>
-              <a:rPr lang="zh-CN" altLang="en-US" sz="3200" b="1" dirty="0" smtClean="0">
+              <a:rPr lang="zh-CN" altLang="en-US" sz="3200" b="1" dirty="0">
                 <a:solidFill>
                   <a:schemeClr val="bg1"/>
                 </a:solidFill>
@@ -19872,13 +18633,6 @@
               </a:rPr>
               <a:t>维护事件流</a:t>
             </a:r>
-            <a:endParaRPr lang="zh-CN" altLang="en-US" sz="3200" b="1" dirty="0">
-              <a:solidFill>
-                <a:schemeClr val="bg1"/>
-              </a:solidFill>
-              <a:latin typeface="Arial" panose="020B0604020202020204" pitchFamily="34" charset="0"/>
-              <a:cs typeface="Arial" panose="020B0604020202020204" pitchFamily="34" charset="0"/>
-            </a:endParaRPr>
           </a:p>
         </p:txBody>
       </p:sp>
@@ -19916,7 +18670,7 @@
               <a:defRPr/>
             </a:pPr>
             <a:r>
-              <a:rPr lang="en-US" altLang="zh-CN" sz="2800" b="1" dirty="0" smtClean="0">
+              <a:rPr lang="en-US" altLang="zh-CN" sz="2800" b="1" dirty="0">
                 <a:solidFill>
                   <a:srgbClr val="404040"/>
                 </a:solidFill>
@@ -19926,32 +18680,15 @@
               <a:t>	</a:t>
             </a:r>
             <a:r>
-              <a:rPr lang="zh-CN" altLang="en-US" sz="2800" b="1" dirty="0" smtClean="0">
+              <a:rPr lang="zh-CN" altLang="en-US" sz="2800" b="1" dirty="0">
                 <a:solidFill>
                   <a:srgbClr val="404040"/>
                 </a:solidFill>
                 <a:latin typeface="宋体" panose="02010600030101010101" pitchFamily="2" charset="-122"/>
                 <a:sym typeface="+mn-ea"/>
               </a:rPr>
-              <a:t>如图描绘</a:t>
-            </a:r>
-            <a:r>
-              <a:rPr lang="zh-CN" altLang="en-US" sz="2800" b="1" dirty="0">
-                <a:solidFill>
-                  <a:srgbClr val="404040"/>
-                </a:solidFill>
-                <a:latin typeface="宋体" panose="02010600030101010101" pitchFamily="2" charset="-122"/>
-                <a:sym typeface="+mn-ea"/>
-              </a:rPr>
-              <a:t>了一项维护要求而引出的一串事件。</a:t>
-            </a:r>
-            <a:endParaRPr lang="zh-CN" altLang="en-US" sz="2800" b="1" dirty="0">
-              <a:solidFill>
-                <a:srgbClr val="404040"/>
-              </a:solidFill>
-              <a:latin typeface="宋体" panose="02010600030101010101" pitchFamily="2" charset="-122"/>
-              <a:sym typeface="+mn-ea"/>
-            </a:endParaRPr>
+              <a:t>如图描绘了一项维护要求而引出的一串事件。</a:t>
+            </a:r>
           </a:p>
           <a:p>
             <a:pPr lvl="0" fontAlgn="base">
@@ -19967,7 +18704,7 @@
               <a:defRPr/>
             </a:pPr>
             <a:r>
-              <a:rPr lang="en-US" altLang="zh-CN" sz="2800" b="1" dirty="0" smtClean="0">
+              <a:rPr lang="en-US" altLang="zh-CN" sz="2800" b="1" dirty="0">
                 <a:solidFill>
                   <a:srgbClr val="404040"/>
                 </a:solidFill>
@@ -19977,82 +18714,65 @@
               <a:t>	</a:t>
             </a:r>
             <a:r>
-              <a:rPr lang="zh-CN" altLang="en-US" sz="2800" b="1" dirty="0" smtClean="0">
+              <a:rPr lang="zh-CN" altLang="en-US" sz="2800" b="1" dirty="0">
                 <a:solidFill>
                   <a:srgbClr val="FF0000"/>
                 </a:solidFill>
                 <a:latin typeface="宋体" panose="02010600030101010101" pitchFamily="2" charset="-122"/>
                 <a:sym typeface="+mn-ea"/>
               </a:rPr>
-              <a:t>首先</a:t>
+              <a:t>首先应该确定要求进行的维护的类型。</a:t>
             </a:r>
             <a:r>
               <a:rPr lang="zh-CN" altLang="en-US" sz="2800" b="1" dirty="0">
                 <a:solidFill>
-                  <a:srgbClr val="FF0000"/>
+                  <a:srgbClr val="404040"/>
                 </a:solidFill>
                 <a:latin typeface="宋体" panose="02010600030101010101" pitchFamily="2" charset="-122"/>
                 <a:sym typeface="+mn-ea"/>
               </a:rPr>
-              <a:t>应该确定要求进行的维护的类型。</a:t>
-            </a:r>
-            <a:r>
-              <a:rPr lang="zh-CN" altLang="en-US" sz="2800" b="1" dirty="0">
+              <a:t>用户常常把一项要求看作是为了改正软件的错误</a:t>
+            </a:r>
+            <a:r>
+              <a:rPr lang="en-US" altLang="zh-CN" sz="2800" b="1" dirty="0">
                 <a:solidFill>
                   <a:srgbClr val="404040"/>
                 </a:solidFill>
                 <a:latin typeface="宋体" panose="02010600030101010101" pitchFamily="2" charset="-122"/>
                 <a:sym typeface="+mn-ea"/>
               </a:rPr>
-              <a:t>用户常常把一项要求看作是为了改正软件的错误</a:t>
-            </a:r>
-            <a:r>
-              <a:rPr lang="en-US" altLang="zh-CN" sz="2800" b="1" dirty="0">
+              <a:t>(</a:t>
+            </a:r>
+            <a:r>
+              <a:rPr lang="zh-CN" altLang="en-US" sz="2800" b="1" dirty="0">
                 <a:solidFill>
                   <a:srgbClr val="404040"/>
                 </a:solidFill>
                 <a:latin typeface="宋体" panose="02010600030101010101" pitchFamily="2" charset="-122"/>
                 <a:sym typeface="+mn-ea"/>
               </a:rPr>
-              <a:t>(</a:t>
-            </a:r>
-            <a:r>
-              <a:rPr lang="zh-CN" altLang="en-US" sz="2800" b="1" dirty="0">
+              <a:t>改正性维护</a:t>
+            </a:r>
+            <a:r>
+              <a:rPr lang="en-US" altLang="zh-CN" sz="2800" b="1" dirty="0">
                 <a:solidFill>
                   <a:srgbClr val="404040"/>
                 </a:solidFill>
                 <a:latin typeface="宋体" panose="02010600030101010101" pitchFamily="2" charset="-122"/>
                 <a:sym typeface="+mn-ea"/>
               </a:rPr>
-              <a:t>改正性维护</a:t>
-            </a:r>
-            <a:r>
-              <a:rPr lang="en-US" altLang="zh-CN" sz="2800" b="1" dirty="0">
+              <a:t>)</a:t>
+            </a:r>
+            <a:r>
+              <a:rPr lang="zh-CN" altLang="en-US" sz="2800" b="1" dirty="0">
                 <a:solidFill>
                   <a:srgbClr val="404040"/>
                 </a:solidFill>
                 <a:latin typeface="宋体" panose="02010600030101010101" pitchFamily="2" charset="-122"/>
                 <a:sym typeface="+mn-ea"/>
               </a:rPr>
-              <a:t>)</a:t>
-            </a:r>
-            <a:r>
-              <a:rPr lang="zh-CN" altLang="en-US" sz="2800" b="1" dirty="0">
-                <a:solidFill>
-                  <a:srgbClr val="404040"/>
-                </a:solidFill>
-                <a:latin typeface="宋体" panose="02010600030101010101" pitchFamily="2" charset="-122"/>
-                <a:sym typeface="+mn-ea"/>
-              </a:rPr>
               <a:t>，而开发人员可能把同一项要求看作是适应性或完善性维护。当存在不同意见时必须协商解决。</a:t>
             </a:r>
-            <a:endParaRPr lang="zh-CN" altLang="en-US" sz="2800" b="1" dirty="0">
-              <a:solidFill>
-                <a:srgbClr val="404040"/>
-              </a:solidFill>
-              <a:latin typeface="宋体" panose="02010600030101010101" pitchFamily="2" charset="-122"/>
-              <a:sym typeface="+mn-ea"/>
-            </a:endParaRPr>
           </a:p>
         </p:txBody>
       </p:sp>
@@ -20065,7 +18785,7 @@
           <p:nvPr/>
         </p:nvPicPr>
         <p:blipFill>
-          <a:blip r:embed="rId2" cstate="print">
+          <a:blip r:embed="rId3" cstate="print">
             <a:extLst>
               <a:ext uri="{28A0092B-C50C-407E-A947-70E740481C1C}">
                 <a14:useLocalDpi xmlns:a14="http://schemas.microsoft.com/office/drawing/2010/main" val="0"/>
@@ -20118,13 +18838,6 @@
   <p:transition spd="slow">
     <p:comb/>
   </p:transition>
-  <p:timing>
-    <p:tnLst>
-      <p:par>
-        <p:cTn id="1" dur="indefinite" restart="never" nodeType="tmRoot"/>
-      </p:par>
-    </p:tnLst>
-  </p:timing>
 </p:sld>
 </file>
 
@@ -20154,7 +18867,7 @@
           <p:nvPr/>
         </p:nvPicPr>
         <p:blipFill>
-          <a:blip r:embed="rId1">
+          <a:blip r:embed="rId2">
             <a:extLst>
               <a:ext uri="{28A0092B-C50C-407E-A947-70E740481C1C}">
                 <a14:useLocalDpi xmlns:a14="http://schemas.microsoft.com/office/drawing/2010/main" val="0"/>
@@ -20496,7 +19209,7 @@
           <a:lstStyle/>
           <a:p>
             <a:r>
-              <a:rPr lang="en-US" altLang="zh-CN" sz="3200" b="1" dirty="0" smtClean="0">
+              <a:rPr lang="en-US" altLang="zh-CN" sz="3200" b="1" dirty="0">
                 <a:solidFill>
                   <a:schemeClr val="bg1"/>
                 </a:solidFill>
@@ -20506,7 +19219,7 @@
               <a:t>3.</a:t>
             </a:r>
             <a:r>
-              <a:rPr lang="zh-CN" altLang="en-US" sz="3200" b="1" dirty="0" smtClean="0">
+              <a:rPr lang="zh-CN" altLang="en-US" sz="3200" b="1" dirty="0">
                 <a:solidFill>
                   <a:schemeClr val="bg1"/>
                 </a:solidFill>
@@ -20515,13 +19228,6 @@
               </a:rPr>
               <a:t>维护事件流</a:t>
             </a:r>
-            <a:endParaRPr lang="zh-CN" altLang="en-US" sz="3200" b="1" dirty="0">
-              <a:solidFill>
-                <a:schemeClr val="bg1"/>
-              </a:solidFill>
-              <a:latin typeface="Arial" panose="020B0604020202020204" pitchFamily="34" charset="0"/>
-              <a:cs typeface="Arial" panose="020B0604020202020204" pitchFamily="34" charset="0"/>
-            </a:endParaRPr>
           </a:p>
         </p:txBody>
       </p:sp>
@@ -20559,7 +19265,7 @@
               <a:defRPr/>
             </a:pPr>
             <a:r>
-              <a:rPr lang="en-US" altLang="zh-CN" sz="2800" b="1" dirty="0" smtClean="0">
+              <a:rPr lang="en-US" altLang="zh-CN" sz="2800" b="1" dirty="0">
                 <a:solidFill>
                   <a:srgbClr val="404040"/>
                 </a:solidFill>
@@ -20569,122 +19275,95 @@
               <a:t>	</a:t>
             </a:r>
             <a:r>
-              <a:rPr lang="zh-CN" altLang="en-US" sz="2800" b="1" dirty="0" smtClean="0">
+              <a:rPr lang="zh-CN" altLang="en-US" sz="2800" b="1" dirty="0">
                 <a:solidFill>
                   <a:srgbClr val="404040"/>
                 </a:solidFill>
                 <a:latin typeface="宋体" panose="02010600030101010101" pitchFamily="2" charset="-122"/>
                 <a:sym typeface="+mn-ea"/>
               </a:rPr>
-              <a:t>如图</a:t>
-            </a:r>
-            <a:r>
-              <a:rPr lang="zh-CN" altLang="en-US" sz="2800" b="1" dirty="0">
+              <a:t>如图可知，对一项改正性维护要求</a:t>
+            </a:r>
+            <a:r>
+              <a:rPr lang="en-US" altLang="zh-CN" sz="2800" b="1" dirty="0">
                 <a:solidFill>
                   <a:srgbClr val="404040"/>
                 </a:solidFill>
                 <a:latin typeface="宋体" panose="02010600030101010101" pitchFamily="2" charset="-122"/>
                 <a:sym typeface="+mn-ea"/>
               </a:rPr>
-              <a:t>可知，对一项改正性维护要求</a:t>
-            </a:r>
-            <a:r>
-              <a:rPr lang="en-US" altLang="zh-CN" sz="2800" b="1" dirty="0">
+              <a:t>(</a:t>
+            </a:r>
+            <a:r>
+              <a:rPr lang="zh-CN" altLang="en-US" sz="2800" b="1" dirty="0">
                 <a:solidFill>
                   <a:srgbClr val="404040"/>
                 </a:solidFill>
                 <a:latin typeface="宋体" panose="02010600030101010101" pitchFamily="2" charset="-122"/>
                 <a:sym typeface="+mn-ea"/>
               </a:rPr>
-              <a:t>(</a:t>
-            </a:r>
-            <a:r>
-              <a:rPr lang="zh-CN" altLang="en-US" sz="2800" b="1" dirty="0">
+              <a:t>图中“错误”通路</a:t>
+            </a:r>
+            <a:r>
+              <a:rPr lang="en-US" altLang="zh-CN" sz="2800" b="1" dirty="0">
                 <a:solidFill>
                   <a:srgbClr val="404040"/>
                 </a:solidFill>
                 <a:latin typeface="宋体" panose="02010600030101010101" pitchFamily="2" charset="-122"/>
                 <a:sym typeface="+mn-ea"/>
               </a:rPr>
-              <a:t>图中“错误”通路</a:t>
-            </a:r>
-            <a:r>
-              <a:rPr lang="en-US" altLang="zh-CN" sz="2800" b="1" dirty="0">
+              <a:t>)</a:t>
+            </a:r>
+            <a:r>
+              <a:rPr lang="zh-CN" altLang="en-US" sz="2800" b="1" dirty="0">
                 <a:solidFill>
                   <a:srgbClr val="404040"/>
                 </a:solidFill>
                 <a:latin typeface="宋体" panose="02010600030101010101" pitchFamily="2" charset="-122"/>
                 <a:sym typeface="+mn-ea"/>
               </a:rPr>
-              <a:t>)</a:t>
+              <a:t>的处理，从估量错误的严重程度开始。</a:t>
             </a:r>
             <a:r>
               <a:rPr lang="zh-CN" altLang="en-US" sz="2800" b="1" dirty="0">
                 <a:solidFill>
-                  <a:srgbClr val="404040"/>
+                  <a:srgbClr val="FF0000"/>
                 </a:solidFill>
                 <a:latin typeface="宋体" panose="02010600030101010101" pitchFamily="2" charset="-122"/>
                 <a:sym typeface="+mn-ea"/>
               </a:rPr>
-              <a:t>的处理，从估量错误的严重程度开始。</a:t>
+              <a:t>如果是一个严重的错误</a:t>
             </a:r>
             <a:r>
               <a:rPr lang="zh-CN" altLang="en-US" sz="2800" b="1" dirty="0">
                 <a:solidFill>
-                  <a:srgbClr val="FF0000"/>
+                  <a:srgbClr val="404040"/>
                 </a:solidFill>
                 <a:latin typeface="宋体" panose="02010600030101010101" pitchFamily="2" charset="-122"/>
                 <a:sym typeface="+mn-ea"/>
               </a:rPr>
-              <a:t>如果是一个严重的错误</a:t>
+              <a:t>，则在系统管理员的指导下分派人员，并且立即开始问题分析过程。</a:t>
             </a:r>
             <a:r>
               <a:rPr lang="zh-CN" altLang="en-US" sz="2800" b="1" dirty="0">
                 <a:solidFill>
-                  <a:srgbClr val="404040"/>
+                  <a:srgbClr val="FF0000"/>
                 </a:solidFill>
                 <a:latin typeface="宋体" panose="02010600030101010101" pitchFamily="2" charset="-122"/>
                 <a:sym typeface="+mn-ea"/>
               </a:rPr>
-              <a:t>，则在系统管理员的指导下分派人员，并且立即开始问题分析过程。</a:t>
+              <a:t>如果错误并不严重</a:t>
             </a:r>
             <a:r>
               <a:rPr lang="zh-CN" altLang="en-US" sz="2800" b="1" dirty="0">
                 <a:solidFill>
-                  <a:srgbClr val="FF0000"/>
+                  <a:srgbClr val="404040"/>
                 </a:solidFill>
                 <a:latin typeface="宋体" panose="02010600030101010101" pitchFamily="2" charset="-122"/>
                 <a:sym typeface="+mn-ea"/>
               </a:rPr>
-              <a:t>如果错误并不严重</a:t>
-            </a:r>
-            <a:r>
-              <a:rPr lang="zh-CN" altLang="en-US" sz="2800" b="1" dirty="0">
-                <a:solidFill>
-                  <a:srgbClr val="404040"/>
-                </a:solidFill>
-                <a:latin typeface="宋体" panose="02010600030101010101" pitchFamily="2" charset="-122"/>
-                <a:sym typeface="+mn-ea"/>
-              </a:rPr>
-              <a:t>，那么改正性的维护和其他要求软件开发资源的任务一起统筹安排</a:t>
-            </a:r>
-            <a:r>
-              <a:rPr lang="zh-CN" altLang="en-US" sz="2800" b="1" dirty="0" smtClean="0">
-                <a:solidFill>
-                  <a:srgbClr val="404040"/>
-                </a:solidFill>
-                <a:latin typeface="宋体" panose="02010600030101010101" pitchFamily="2" charset="-122"/>
-                <a:sym typeface="+mn-ea"/>
-              </a:rPr>
-              <a:t>。</a:t>
-            </a:r>
-            <a:endParaRPr lang="zh-CN" altLang="en-US" sz="2800" b="1" dirty="0">
-              <a:solidFill>
-                <a:srgbClr val="404040"/>
-              </a:solidFill>
-              <a:latin typeface="宋体" panose="02010600030101010101" pitchFamily="2" charset="-122"/>
-              <a:sym typeface="+mn-ea"/>
-            </a:endParaRPr>
+              <a:t>，那么改正性的维护和其他要求软件开发资源的任务一起统筹安排。</a:t>
+            </a:r>
           </a:p>
         </p:txBody>
       </p:sp>
@@ -20697,7 +19376,7 @@
           <p:nvPr/>
         </p:nvPicPr>
         <p:blipFill>
-          <a:blip r:embed="rId2" cstate="print">
+          <a:blip r:embed="rId3" cstate="print">
             <a:extLst>
               <a:ext uri="{28A0092B-C50C-407E-A947-70E740481C1C}">
                 <a14:useLocalDpi xmlns:a14="http://schemas.microsoft.com/office/drawing/2010/main" val="0"/>
@@ -20750,13 +19429,6 @@
   <p:transition spd="slow">
     <p:comb/>
   </p:transition>
-  <p:timing>
-    <p:tnLst>
-      <p:par>
-        <p:cTn id="1" dur="indefinite" restart="never" nodeType="tmRoot"/>
-      </p:par>
-    </p:tnLst>
-  </p:timing>
 </p:sld>
 </file>
 
@@ -20786,7 +19458,7 @@
           <p:nvPr/>
         </p:nvPicPr>
         <p:blipFill>
-          <a:blip r:embed="rId1">
+          <a:blip r:embed="rId2">
             <a:extLst>
               <a:ext uri="{28A0092B-C50C-407E-A947-70E740481C1C}">
                 <a14:useLocalDpi xmlns:a14="http://schemas.microsoft.com/office/drawing/2010/main" val="0"/>
@@ -21128,7 +19800,7 @@
           <a:lstStyle/>
           <a:p>
             <a:r>
-              <a:rPr lang="en-US" altLang="zh-CN" sz="3200" b="1" dirty="0" smtClean="0">
+              <a:rPr lang="en-US" altLang="zh-CN" sz="3200" b="1" dirty="0">
                 <a:solidFill>
                   <a:schemeClr val="bg1"/>
                 </a:solidFill>
@@ -21138,7 +19810,7 @@
               <a:t>3.</a:t>
             </a:r>
             <a:r>
-              <a:rPr lang="zh-CN" altLang="en-US" sz="3200" b="1" dirty="0" smtClean="0">
+              <a:rPr lang="zh-CN" altLang="en-US" sz="3200" b="1" dirty="0">
                 <a:solidFill>
                   <a:schemeClr val="bg1"/>
                 </a:solidFill>
@@ -21147,13 +19819,6 @@
               </a:rPr>
               <a:t>维护事件流</a:t>
             </a:r>
-            <a:endParaRPr lang="zh-CN" altLang="en-US" sz="3200" b="1" dirty="0">
-              <a:solidFill>
-                <a:schemeClr val="bg1"/>
-              </a:solidFill>
-              <a:latin typeface="Arial" panose="020B0604020202020204" pitchFamily="34" charset="0"/>
-              <a:cs typeface="Arial" panose="020B0604020202020204" pitchFamily="34" charset="0"/>
-            </a:endParaRPr>
           </a:p>
         </p:txBody>
       </p:sp>
@@ -21191,7 +19856,7 @@
               <a:defRPr/>
             </a:pPr>
             <a:r>
-              <a:rPr lang="en-US" altLang="zh-CN" sz="2800" b="1" dirty="0" smtClean="0">
+              <a:rPr lang="en-US" altLang="zh-CN" sz="2800" b="1" dirty="0">
                 <a:solidFill>
                   <a:srgbClr val="404040"/>
                 </a:solidFill>
@@ -21201,42 +19866,25 @@
               <a:t>	</a:t>
             </a:r>
             <a:r>
-              <a:rPr lang="zh-CN" altLang="en-US" sz="2800" b="1" dirty="0" smtClean="0">
+              <a:rPr lang="zh-CN" altLang="en-US" sz="2800" b="1" dirty="0">
                 <a:solidFill>
                   <a:srgbClr val="FF0000"/>
                 </a:solidFill>
                 <a:latin typeface="宋体" panose="02010600030101010101" pitchFamily="2" charset="-122"/>
                 <a:sym typeface="+mn-ea"/>
               </a:rPr>
-              <a:t>适应性维护</a:t>
+              <a:t>适应性维护和完善性维护的要求沿着相同的事件流通路前进。</a:t>
             </a:r>
             <a:r>
               <a:rPr lang="zh-CN" altLang="en-US" sz="2800" b="1" dirty="0">
                 <a:solidFill>
-                  <a:srgbClr val="FF0000"/>
+                  <a:srgbClr val="404040"/>
                 </a:solidFill>
                 <a:latin typeface="宋体" panose="02010600030101010101" pitchFamily="2" charset="-122"/>
                 <a:sym typeface="+mn-ea"/>
               </a:rPr>
-              <a:t>和完善性维护的要求沿着相同的事件流通路前进。</a:t>
-            </a:r>
-            <a:r>
-              <a:rPr lang="zh-CN" altLang="en-US" sz="2800" b="1" dirty="0">
-                <a:solidFill>
-                  <a:srgbClr val="404040"/>
-                </a:solidFill>
-                <a:latin typeface="宋体" panose="02010600030101010101" pitchFamily="2" charset="-122"/>
-                <a:sym typeface="+mn-ea"/>
-              </a:rPr>
               <a:t>应该确定每个维护要求的优先次序，并且安排要求的工作时间，就好像它是另一个开发任务一样。如果一项维护要求的优先次序非常高，可能立即开始维护工作。</a:t>
             </a:r>
-            <a:endParaRPr lang="zh-CN" altLang="en-US" sz="2800" b="1" dirty="0">
-              <a:solidFill>
-                <a:srgbClr val="404040"/>
-              </a:solidFill>
-              <a:latin typeface="宋体" panose="02010600030101010101" pitchFamily="2" charset="-122"/>
-              <a:sym typeface="+mn-ea"/>
-            </a:endParaRPr>
           </a:p>
         </p:txBody>
       </p:sp>
@@ -21249,7 +19897,7 @@
           <p:nvPr/>
         </p:nvPicPr>
         <p:blipFill>
-          <a:blip r:embed="rId2" cstate="print">
+          <a:blip r:embed="rId3" cstate="print">
             <a:extLst>
               <a:ext uri="{28A0092B-C50C-407E-A947-70E740481C1C}">
                 <a14:useLocalDpi xmlns:a14="http://schemas.microsoft.com/office/drawing/2010/main" val="0"/>
@@ -21302,13 +19950,6 @@
   <p:transition spd="slow">
     <p:comb/>
   </p:transition>
-  <p:timing>
-    <p:tnLst>
-      <p:par>
-        <p:cTn id="1" dur="indefinite" restart="never" nodeType="tmRoot"/>
-      </p:par>
-    </p:tnLst>
-  </p:timing>
 </p:sld>
 </file>
 
@@ -21563,6 +20204,8 @@
       </a:bgFillStyleLst>
     </a:fmtScheme>
   </a:themeElements>
+  <a:objectDefaults/>
+  <a:extraClrSchemeLst/>
   <a:extLst>
     <a:ext uri="{05A4C25C-085E-4340-85A3-A5531E510DB2}">
       <thm15:themeFamily xmlns:thm15="http://schemas.microsoft.com/office/thememl/2012/main" name="Office Theme" id="{62F939B6-93AF-4DB8-9C6B-D6C7DFDC589F}" vid="{4A3C46E8-61CC-4603-A589-7422A47A8E4A}"/>
@@ -21851,6 +20494,8 @@
       </a:bgFillStyleLst>
     </a:fmtScheme>
   </a:themeElements>
+  <a:objectDefaults/>
+  <a:extraClrSchemeLst/>
   <a:extLst>
     <a:ext uri="{05A4C25C-085E-4340-85A3-A5531E510DB2}">
       <thm15:themeFamily xmlns:thm15="http://schemas.microsoft.com/office/thememl/2012/main" name="Office Theme" id="{62F939B6-93AF-4DB8-9C6B-D6C7DFDC589F}" vid="{4A3C46E8-61CC-4603-A589-7422A47A8E4A}"/>
